--- a/2. SQL/5. Subqueries/5. SQL Subqueries.pptx
+++ b/2. SQL/5. Subqueries/5. SQL Subqueries.pptx
@@ -21,6 +21,7 @@
     <p:sldId id="266" r:id="rId18"/>
     <p:sldId id="267" r:id="rId19"/>
     <p:sldId id="268" r:id="rId20"/>
+    <p:sldId id="269" r:id="rId21"/>
   </p:sldIdLst>
   <p:sldSz cx="12192000" cy="6858000"/>
   <p:notesSz cx="6858000" cy="9144000"/>
@@ -2031,7 +2032,7 @@
         <p:spPr>
           <a:xfrm>
             <a:off x="839787" y="2057400"/>
-            <a:ext cx="3932239" cy="3811588"/>
+            <a:ext cx="3932238" cy="3811588"/>
           </a:xfrm>
           <a:prstGeom prst="rect">
             <a:avLst/>
@@ -3188,125 +3189,45 @@
           <a:chExt cx="0" cy="0"/>
         </a:xfrm>
       </p:grpSpPr>
-      <p:sp>
-        <p:nvSpPr>
-          <p:cNvPr id="112" name="Google Shape;54;p13"/>
-          <p:cNvSpPr/>
+      <p:pic>
+        <p:nvPicPr>
+          <p:cNvPr id="112" name="5f461d116006137.6059ac1f3a043.jpg" descr="5f461d116006137.6059ac1f3a043.jpg"/>
+          <p:cNvPicPr>
+            <a:picLocks noChangeAspect="1"/>
+          </p:cNvPicPr>
           <p:nvPr/>
-        </p:nvSpPr>
+        </p:nvPicPr>
+        <p:blipFill>
+          <a:blip r:embed="rId2">
+            <a:extLst/>
+          </a:blip>
+          <a:stretch>
+            <a:fillRect/>
+          </a:stretch>
+        </p:blipFill>
         <p:spPr>
           <a:xfrm>
-            <a:off x="-94867" y="-1"/>
-            <a:ext cx="12454400" cy="1822001"/>
+            <a:off x="-38625" y="-1281005"/>
+            <a:ext cx="12269250" cy="8179500"/>
           </a:xfrm>
           <a:prstGeom prst="rect">
             <a:avLst/>
           </a:prstGeom>
-          <a:solidFill>
-            <a:srgbClr val="264190"/>
-          </a:solidFill>
-          <a:ln w="38100">
-            <a:solidFill>
-              <a:srgbClr val="000000"/>
-            </a:solidFill>
+          <a:ln w="12700">
+            <a:miter lim="400000"/>
           </a:ln>
         </p:spPr>
-        <p:txBody>
-          <a:bodyPr lIns="0" tIns="0" rIns="0" bIns="0" anchor="ctr"/>
-          <a:lstStyle/>
-          <a:p>
-            <a:pPr defTabSz="1219200">
-              <a:defRPr b="1">
-                <a:latin typeface="Arial"/>
-                <a:ea typeface="Arial"/>
-                <a:cs typeface="Arial"/>
-                <a:sym typeface="Arial"/>
-              </a:defRPr>
-            </a:pPr>
-          </a:p>
-        </p:txBody>
-      </p:sp>
+      </p:pic>
       <p:sp>
         <p:nvSpPr>
-          <p:cNvPr id="113" name="Google Shape;55;p13"/>
-          <p:cNvSpPr txBox="1"/>
-          <p:nvPr>
-            <p:ph type="title"/>
-          </p:nvPr>
-        </p:nvSpPr>
-        <p:spPr>
-          <a:xfrm>
-            <a:off x="415599" y="265599"/>
-            <a:ext cx="11360802" cy="1320401"/>
-          </a:xfrm>
-          <a:prstGeom prst="rect">
-            <a:avLst/>
-          </a:prstGeom>
-        </p:spPr>
-        <p:txBody>
-          <a:bodyPr/>
-          <a:lstStyle>
-            <a:lvl1pPr>
-              <a:defRPr b="1">
-                <a:solidFill>
-                  <a:srgbClr val="FFFFFF"/>
-                </a:solidFill>
-              </a:defRPr>
-            </a:lvl1pPr>
-          </a:lstStyle>
-          <a:p>
-            <a:pPr/>
-            <a:r>
-              <a:t>SQL - Subqueries</a:t>
-            </a:r>
-          </a:p>
-        </p:txBody>
-      </p:sp>
-      <p:sp>
-        <p:nvSpPr>
-          <p:cNvPr id="114" name="Google Shape;57;p13"/>
-          <p:cNvSpPr/>
-          <p:nvPr/>
-        </p:nvSpPr>
-        <p:spPr>
-          <a:xfrm>
-            <a:off x="-189701" y="1764300"/>
-            <a:ext cx="12483202" cy="1"/>
-          </a:xfrm>
-          <a:prstGeom prst="line">
-            <a:avLst/>
-          </a:prstGeom>
-          <a:ln w="38100">
-            <a:solidFill>
-              <a:srgbClr val="000000"/>
-            </a:solidFill>
-          </a:ln>
-        </p:spPr>
-        <p:txBody>
-          <a:bodyPr lIns="0" tIns="0" rIns="0" bIns="0"/>
-          <a:lstStyle/>
-          <a:p>
-            <a:pPr defTabSz="1219200">
-              <a:defRPr>
-                <a:latin typeface="Arial"/>
-                <a:ea typeface="Arial"/>
-                <a:cs typeface="Arial"/>
-                <a:sym typeface="Arial"/>
-              </a:defRPr>
-            </a:pPr>
-          </a:p>
-        </p:txBody>
-      </p:sp>
-      <p:sp>
-        <p:nvSpPr>
-          <p:cNvPr id="115" name="Subqueries…"/>
+          <p:cNvPr id="113" name="SQL - Subqueries"/>
           <p:cNvSpPr txBox="1"/>
           <p:nvPr/>
         </p:nvSpPr>
         <p:spPr>
           <a:xfrm>
-            <a:off x="2092946" y="2528057"/>
-            <a:ext cx="8078775" cy="3105350"/>
+            <a:off x="2550413" y="2796796"/>
+            <a:ext cx="7091173" cy="1264408"/>
           </a:xfrm>
           <a:prstGeom prst="rect">
             <a:avLst/>
@@ -3324,115 +3245,26 @@
           <a:bodyPr wrap="none" lIns="25400" tIns="25400" rIns="25400" bIns="25400" anchor="ctr">
             <a:spAutoFit/>
           </a:bodyPr>
-          <a:lstStyle/>
-          <a:p>
-            <a:pPr marL="554966" indent="-466066" defTabSz="1219200">
+          <a:lstStyle>
+            <a:lvl1pPr algn="ctr" defTabSz="1219200">
               <a:lnSpc>
-                <a:spcPct val="120000"/>
+                <a:spcPct val="90000"/>
               </a:lnSpc>
-              <a:buClr>
-                <a:srgbClr val="000000"/>
-              </a:buClr>
-              <a:buSzPts val="3600"/>
-              <a:buFont typeface="Arial"/>
-              <a:buChar char="●"/>
-              <a:defRPr b="1" sz="3600">
-                <a:latin typeface="Arial"/>
-                <a:ea typeface="Arial"/>
-                <a:cs typeface="Arial"/>
-                <a:sym typeface="Arial"/>
-              </a:defRPr>
-            </a:pPr>
-            <a:r>
-              <a:t>Subqueries</a:t>
-            </a:r>
-          </a:p>
-          <a:p>
-            <a:pPr marL="554966" indent="-466066" defTabSz="1219200">
-              <a:lnSpc>
-                <a:spcPct val="120000"/>
-              </a:lnSpc>
-              <a:buClr>
-                <a:srgbClr val="000000"/>
-              </a:buClr>
-              <a:buSzPts val="3600"/>
-              <a:buFont typeface="Arial"/>
-              <a:buChar char="●"/>
-              <a:defRPr b="1" sz="3600">
-                <a:latin typeface="Arial"/>
-                <a:ea typeface="Arial"/>
-                <a:cs typeface="Arial"/>
-                <a:sym typeface="Arial"/>
-              </a:defRPr>
-            </a:pPr>
-            <a:r>
-              <a:t>Nested Subqueries</a:t>
-            </a:r>
-          </a:p>
-          <a:p>
-            <a:pPr marL="554966" indent="-466066" defTabSz="1219200">
-              <a:lnSpc>
-                <a:spcPct val="120000"/>
-              </a:lnSpc>
-              <a:buClr>
-                <a:srgbClr val="000000"/>
-              </a:buClr>
-              <a:buSzPts val="3600"/>
-              <a:buFont typeface="Arial"/>
-              <a:buChar char="●"/>
-              <a:defRPr b="1" sz="3600">
-                <a:latin typeface="Arial"/>
-                <a:ea typeface="Arial"/>
-                <a:cs typeface="Arial"/>
-                <a:sym typeface="Arial"/>
-              </a:defRPr>
-            </a:pPr>
-            <a:r>
-              <a:t>Derived Subqueries</a:t>
-            </a:r>
-          </a:p>
-          <a:p>
-            <a:pPr marL="554966" indent="-466066" defTabSz="1219200">
-              <a:lnSpc>
-                <a:spcPct val="120000"/>
-              </a:lnSpc>
-              <a:buClr>
-                <a:srgbClr val="000000"/>
-              </a:buClr>
-              <a:buSzPts val="3600"/>
-              <a:buFont typeface="Arial"/>
-              <a:buChar char="●"/>
-              <a:defRPr sz="3600">
-                <a:latin typeface="Courier New"/>
-                <a:ea typeface="Courier New"/>
-                <a:cs typeface="Courier New"/>
-                <a:sym typeface="Courier New"/>
-              </a:defRPr>
-            </a:pPr>
-            <a:r>
-              <a:t>UNION</a:t>
-            </a:r>
-          </a:p>
-          <a:p>
-            <a:pPr marL="554966" indent="-466066" defTabSz="1219200">
-              <a:lnSpc>
-                <a:spcPct val="120000"/>
-              </a:lnSpc>
-              <a:buClr>
-                <a:srgbClr val="000000"/>
-              </a:buClr>
-              <a:buSzPts val="3600"/>
-              <a:buFont typeface="Arial"/>
-              <a:buChar char="●"/>
-              <a:defRPr b="1" sz="3600">
-                <a:latin typeface="Arial"/>
-                <a:ea typeface="Arial"/>
-                <a:cs typeface="Arial"/>
-                <a:sym typeface="Arial"/>
-              </a:defRPr>
-            </a:pPr>
-            <a:r>
-              <a:t>Common Table Expressions (CTE)</a:t>
+              <a:defRPr spc="-239" sz="8000">
+                <a:solidFill>
+                  <a:srgbClr val="F65714"/>
+                </a:solidFill>
+                <a:latin typeface="Big Caslon Medium"/>
+                <a:ea typeface="Big Caslon Medium"/>
+                <a:cs typeface="Big Caslon Medium"/>
+                <a:sym typeface="Big Caslon Medium"/>
+              </a:defRPr>
+            </a:lvl1pPr>
+          </a:lstStyle>
+          <a:p>
+            <a:pPr/>
+            <a:r>
+              <a:t>SQL - Subqueries</a:t>
             </a:r>
           </a:p>
         </p:txBody>
@@ -3470,85 +3302,38 @@
           <a:chExt cx="0" cy="0"/>
         </a:xfrm>
       </p:grpSpPr>
-      <p:sp>
-        <p:nvSpPr>
-          <p:cNvPr id="180" name="Google Shape;66;p14"/>
-          <p:cNvSpPr/>
+      <p:pic>
+        <p:nvPicPr>
+          <p:cNvPr id="168" name="5f461d116006137.6059ac1f3a043.jpg" descr="5f461d116006137.6059ac1f3a043.jpg"/>
+          <p:cNvPicPr>
+            <a:picLocks noChangeAspect="1"/>
+          </p:cNvPicPr>
           <p:nvPr/>
-        </p:nvSpPr>
+        </p:nvPicPr>
+        <p:blipFill>
+          <a:blip r:embed="rId2">
+            <a:extLst/>
+          </a:blip>
+          <a:stretch>
+            <a:fillRect/>
+          </a:stretch>
+        </p:blipFill>
         <p:spPr>
           <a:xfrm>
-            <a:off x="-94867" y="-1"/>
-            <a:ext cx="12454400" cy="1822001"/>
+            <a:off x="-38625" y="-1281005"/>
+            <a:ext cx="12269250" cy="8179500"/>
           </a:xfrm>
           <a:prstGeom prst="rect">
             <a:avLst/>
           </a:prstGeom>
-          <a:solidFill>
-            <a:srgbClr val="264190"/>
-          </a:solidFill>
-          <a:ln w="38100">
-            <a:solidFill>
-              <a:srgbClr val="000000"/>
-            </a:solidFill>
+          <a:ln w="12700">
+            <a:miter lim="400000"/>
           </a:ln>
         </p:spPr>
-        <p:txBody>
-          <a:bodyPr lIns="0" tIns="0" rIns="0" bIns="0" anchor="ctr"/>
-          <a:lstStyle/>
-          <a:p>
-            <a:pPr defTabSz="1219200">
-              <a:defRPr>
-                <a:solidFill>
-                  <a:srgbClr val="F5B679"/>
-                </a:solidFill>
-                <a:latin typeface="Arial"/>
-                <a:ea typeface="Arial"/>
-                <a:cs typeface="Arial"/>
-                <a:sym typeface="Arial"/>
-              </a:defRPr>
-            </a:pPr>
-          </a:p>
-        </p:txBody>
-      </p:sp>
+      </p:pic>
       <p:sp>
         <p:nvSpPr>
-          <p:cNvPr id="181" name="Google Shape;67;p14"/>
-          <p:cNvSpPr/>
-          <p:nvPr/>
-        </p:nvSpPr>
-        <p:spPr>
-          <a:xfrm>
-            <a:off x="-189701" y="1764300"/>
-            <a:ext cx="12483202" cy="1"/>
-          </a:xfrm>
-          <a:prstGeom prst="line">
-            <a:avLst/>
-          </a:prstGeom>
-          <a:ln w="38100">
-            <a:solidFill>
-              <a:srgbClr val="000000"/>
-            </a:solidFill>
-          </a:ln>
-        </p:spPr>
-        <p:txBody>
-          <a:bodyPr lIns="0" tIns="0" rIns="0" bIns="0"/>
-          <a:lstStyle/>
-          <a:p>
-            <a:pPr defTabSz="1219200">
-              <a:defRPr>
-                <a:latin typeface="Arial"/>
-                <a:ea typeface="Arial"/>
-                <a:cs typeface="Arial"/>
-                <a:sym typeface="Arial"/>
-              </a:defRPr>
-            </a:pPr>
-          </a:p>
-        </p:txBody>
-      </p:sp>
-      <p:sp>
-        <p:nvSpPr>
-          <p:cNvPr id="182" name="2. Google Shape;68;p14"/>
+          <p:cNvPr id="169" name="Google Shape;55;p13"/>
           <p:cNvSpPr txBox="1"/>
           <p:nvPr>
             <p:ph type="title"/>
@@ -3556,42 +3341,46 @@
         </p:nvSpPr>
         <p:spPr>
           <a:xfrm>
-            <a:off x="451933" y="294754"/>
-            <a:ext cx="11360801" cy="1232492"/>
+            <a:off x="415599" y="265599"/>
+            <a:ext cx="11360802" cy="1320401"/>
           </a:xfrm>
           <a:prstGeom prst="rect">
             <a:avLst/>
           </a:prstGeom>
         </p:spPr>
         <p:txBody>
-          <a:bodyPr anchor="ctr"/>
+          <a:bodyPr/>
           <a:lstStyle>
-            <a:lvl1pPr>
-              <a:defRPr b="1" sz="6000">
-                <a:solidFill>
-                  <a:srgbClr val="FFFFFF"/>
-                </a:solidFill>
+            <a:lvl1pPr defTabSz="1109472">
+              <a:defRPr sz="6188">
+                <a:solidFill>
+                  <a:srgbClr val="FFFFFF"/>
+                </a:solidFill>
+                <a:latin typeface="Avenir Book"/>
+                <a:ea typeface="Avenir Book"/>
+                <a:cs typeface="Avenir Book"/>
+                <a:sym typeface="Avenir Book"/>
               </a:defRPr>
             </a:lvl1pPr>
           </a:lstStyle>
           <a:p>
             <a:pPr/>
             <a:r>
-              <a:t>Common Table Expressions</a:t>
+              <a:t>Unions</a:t>
             </a:r>
           </a:p>
         </p:txBody>
       </p:sp>
       <p:sp>
         <p:nvSpPr>
-          <p:cNvPr id="183" name="Google Shape;69;p14"/>
+          <p:cNvPr id="170" name="Google Shape;69;p14"/>
           <p:cNvSpPr txBox="1"/>
           <p:nvPr/>
         </p:nvSpPr>
         <p:spPr>
           <a:xfrm>
-            <a:off x="1017000" y="2678081"/>
-            <a:ext cx="10230668" cy="3218261"/>
+            <a:off x="980666" y="1790460"/>
+            <a:ext cx="10230668" cy="5040341"/>
           </a:xfrm>
           <a:prstGeom prst="rect">
             <a:avLst/>
@@ -3612,9 +3401,301 @@
           <a:lstStyle/>
           <a:p>
             <a:pPr marL="250657" indent="-250657">
+              <a:lnSpc>
+                <a:spcPct val="80000"/>
+              </a:lnSpc>
+              <a:spcBef>
+                <a:spcPts val="1000"/>
+              </a:spcBef>
               <a:buSzPct val="100000"/>
               <a:buChar char="•"/>
               <a:defRPr sz="2500">
+                <a:solidFill>
+                  <a:srgbClr val="FFFFFF"/>
+                </a:solidFill>
+                <a:latin typeface="Courier New"/>
+                <a:ea typeface="Courier New"/>
+                <a:cs typeface="Courier New"/>
+                <a:sym typeface="Courier New"/>
+              </a:defRPr>
+            </a:pPr>
+            <a:r>
+              <a:t>JOIN</a:t>
+            </a:r>
+            <a:r>
+              <a:rPr>
+                <a:latin typeface="Avenir Book"/>
+                <a:ea typeface="Avenir Book"/>
+                <a:cs typeface="Avenir Book"/>
+                <a:sym typeface="Avenir Book"/>
+              </a:rPr>
+              <a:t>s add data horizontally</a:t>
+            </a:r>
+            <a:endParaRPr>
+              <a:latin typeface="Avenir Book"/>
+              <a:ea typeface="Avenir Book"/>
+              <a:cs typeface="Avenir Book"/>
+              <a:sym typeface="Avenir Book"/>
+            </a:endParaRPr>
+          </a:p>
+          <a:p>
+            <a:pPr marL="250657" indent="-250657">
+              <a:lnSpc>
+                <a:spcPct val="80000"/>
+              </a:lnSpc>
+              <a:spcBef>
+                <a:spcPts val="1000"/>
+              </a:spcBef>
+              <a:buSzPct val="100000"/>
+              <a:buChar char="•"/>
+              <a:defRPr sz="2500">
+                <a:solidFill>
+                  <a:srgbClr val="FFFFFF"/>
+                </a:solidFill>
+                <a:latin typeface="Avenir Book"/>
+                <a:ea typeface="Avenir Book"/>
+                <a:cs typeface="Avenir Book"/>
+                <a:sym typeface="Avenir Book"/>
+              </a:defRPr>
+            </a:pPr>
+            <a:r>
+              <a:t>We might be interested in putting queries together vertically</a:t>
+            </a:r>
+          </a:p>
+          <a:p>
+            <a:pPr defTabSz="1219200">
+              <a:lnSpc>
+                <a:spcPct val="80000"/>
+              </a:lnSpc>
+              <a:defRPr sz="2600">
+                <a:solidFill>
+                  <a:srgbClr val="FFFFFF"/>
+                </a:solidFill>
+                <a:latin typeface="Courier New"/>
+                <a:ea typeface="Courier New"/>
+                <a:cs typeface="Courier New"/>
+                <a:sym typeface="Courier New"/>
+              </a:defRPr>
+            </a:pPr>
+          </a:p>
+          <a:p>
+            <a:pPr defTabSz="1219200">
+              <a:lnSpc>
+                <a:spcPct val="80000"/>
+              </a:lnSpc>
+              <a:defRPr b="1" sz="2600">
+                <a:solidFill>
+                  <a:srgbClr val="FFFFFF"/>
+                </a:solidFill>
+                <a:latin typeface="Courier New"/>
+                <a:ea typeface="Courier New"/>
+                <a:cs typeface="Courier New"/>
+                <a:sym typeface="Courier New"/>
+              </a:defRPr>
+            </a:pPr>
+            <a:r>
+              <a:t>  (</a:t>
+            </a:r>
+          </a:p>
+          <a:p>
+            <a:pPr defTabSz="1219200">
+              <a:lnSpc>
+                <a:spcPct val="80000"/>
+              </a:lnSpc>
+              <a:defRPr b="1" sz="2600">
+                <a:solidFill>
+                  <a:srgbClr val="FFFFFF"/>
+                </a:solidFill>
+                <a:latin typeface="Courier New"/>
+                <a:ea typeface="Courier New"/>
+                <a:cs typeface="Courier New"/>
+                <a:sym typeface="Courier New"/>
+              </a:defRPr>
+            </a:pPr>
+            <a:r>
+              <a:t>SELECT actor_id, first_name, last_name</a:t>
+            </a:r>
+          </a:p>
+          <a:p>
+            <a:pPr defTabSz="1219200">
+              <a:lnSpc>
+                <a:spcPct val="80000"/>
+              </a:lnSpc>
+              <a:defRPr b="1" sz="2600">
+                <a:solidFill>
+                  <a:srgbClr val="FFFFFF"/>
+                </a:solidFill>
+                <a:latin typeface="Courier New"/>
+                <a:ea typeface="Courier New"/>
+                <a:cs typeface="Courier New"/>
+                <a:sym typeface="Courier New"/>
+              </a:defRPr>
+            </a:pPr>
+            <a:r>
+              <a:t>FROM actor</a:t>
+            </a:r>
+          </a:p>
+          <a:p>
+            <a:pPr defTabSz="1219200">
+              <a:lnSpc>
+                <a:spcPct val="80000"/>
+              </a:lnSpc>
+              <a:defRPr b="1" sz="2600">
+                <a:solidFill>
+                  <a:srgbClr val="FFFFFF"/>
+                </a:solidFill>
+                <a:latin typeface="Courier New"/>
+                <a:ea typeface="Courier New"/>
+                <a:cs typeface="Courier New"/>
+                <a:sym typeface="Courier New"/>
+              </a:defRPr>
+            </a:pPr>
+            <a:r>
+              <a:t>WHERE first_name = 'CHRISTIAN'</a:t>
+            </a:r>
+          </a:p>
+          <a:p>
+            <a:pPr defTabSz="1219200">
+              <a:lnSpc>
+                <a:spcPct val="80000"/>
+              </a:lnSpc>
+              <a:defRPr b="1" sz="2600">
+                <a:solidFill>
+                  <a:srgbClr val="FFFFFF"/>
+                </a:solidFill>
+                <a:latin typeface="Courier New"/>
+                <a:ea typeface="Courier New"/>
+                <a:cs typeface="Courier New"/>
+                <a:sym typeface="Courier New"/>
+              </a:defRPr>
+            </a:pPr>
+            <a:r>
+              <a:t>  )</a:t>
+            </a:r>
+          </a:p>
+          <a:p>
+            <a:pPr defTabSz="1219200">
+              <a:lnSpc>
+                <a:spcPct val="80000"/>
+              </a:lnSpc>
+              <a:defRPr b="1" sz="2600">
+                <a:solidFill>
+                  <a:srgbClr val="FFFFFF"/>
+                </a:solidFill>
+                <a:latin typeface="Courier New"/>
+                <a:ea typeface="Courier New"/>
+                <a:cs typeface="Courier New"/>
+                <a:sym typeface="Courier New"/>
+              </a:defRPr>
+            </a:pPr>
+            <a:r>
+              <a:t>UNION</a:t>
+            </a:r>
+          </a:p>
+          <a:p>
+            <a:pPr defTabSz="1219200">
+              <a:lnSpc>
+                <a:spcPct val="80000"/>
+              </a:lnSpc>
+              <a:defRPr b="1" sz="2600">
+                <a:solidFill>
+                  <a:srgbClr val="FFFFFF"/>
+                </a:solidFill>
+                <a:latin typeface="Courier New"/>
+                <a:ea typeface="Courier New"/>
+                <a:cs typeface="Courier New"/>
+                <a:sym typeface="Courier New"/>
+              </a:defRPr>
+            </a:pPr>
+            <a:r>
+              <a:t>  (</a:t>
+            </a:r>
+          </a:p>
+          <a:p>
+            <a:pPr defTabSz="1219200">
+              <a:lnSpc>
+                <a:spcPct val="80000"/>
+              </a:lnSpc>
+              <a:defRPr b="1" sz="2600">
+                <a:solidFill>
+                  <a:srgbClr val="FFFFFF"/>
+                </a:solidFill>
+                <a:latin typeface="Courier New"/>
+                <a:ea typeface="Courier New"/>
+                <a:cs typeface="Courier New"/>
+                <a:sym typeface="Courier New"/>
+              </a:defRPr>
+            </a:pPr>
+            <a:r>
+              <a:t>SELECT actor_id, first_name, last_name</a:t>
+            </a:r>
+          </a:p>
+          <a:p>
+            <a:pPr defTabSz="1219200">
+              <a:lnSpc>
+                <a:spcPct val="80000"/>
+              </a:lnSpc>
+              <a:defRPr b="1" sz="2600">
+                <a:solidFill>
+                  <a:srgbClr val="FFFFFF"/>
+                </a:solidFill>
+                <a:latin typeface="Courier New"/>
+                <a:ea typeface="Courier New"/>
+                <a:cs typeface="Courier New"/>
+                <a:sym typeface="Courier New"/>
+              </a:defRPr>
+            </a:pPr>
+            <a:r>
+              <a:t>FROM actor</a:t>
+            </a:r>
+          </a:p>
+          <a:p>
+            <a:pPr defTabSz="1219200">
+              <a:lnSpc>
+                <a:spcPct val="80000"/>
+              </a:lnSpc>
+              <a:defRPr b="1" sz="2600">
+                <a:solidFill>
+                  <a:srgbClr val="FFFFFF"/>
+                </a:solidFill>
+                <a:latin typeface="Courier New"/>
+                <a:ea typeface="Courier New"/>
+                <a:cs typeface="Courier New"/>
+                <a:sym typeface="Courier New"/>
+              </a:defRPr>
+            </a:pPr>
+            <a:r>
+              <a:t>WHERE last_name = 'AKROYD'</a:t>
+            </a:r>
+          </a:p>
+          <a:p>
+            <a:pPr defTabSz="1219200">
+              <a:lnSpc>
+                <a:spcPct val="80000"/>
+              </a:lnSpc>
+              <a:defRPr b="1" sz="2600">
+                <a:solidFill>
+                  <a:srgbClr val="FFFFFF"/>
+                </a:solidFill>
+                <a:latin typeface="Courier New"/>
+                <a:ea typeface="Courier New"/>
+                <a:cs typeface="Courier New"/>
+                <a:sym typeface="Courier New"/>
+              </a:defRPr>
+            </a:pPr>
+            <a:r>
+              <a:t>  );</a:t>
+            </a:r>
+          </a:p>
+          <a:p>
+            <a:pPr algn="ctr" defTabSz="1219200">
+              <a:lnSpc>
+                <a:spcPct val="80000"/>
+              </a:lnSpc>
+              <a:defRPr i="1" sz="2200">
+                <a:solidFill>
+                  <a:srgbClr val="FFFFFF"/>
+                </a:solidFill>
                 <a:latin typeface="Arial"/>
                 <a:ea typeface="Arial"/>
                 <a:cs typeface="Arial"/>
@@ -3622,101 +3703,7 @@
               </a:defRPr>
             </a:pPr>
             <a:r>
-              <a:t>Common Table Expressions (CTE) are (in a certain sense) a different version of subqueries. </a:t>
-            </a:r>
-          </a:p>
-          <a:p>
-            <a:pPr marL="250657" indent="-250657">
-              <a:buSzPct val="100000"/>
-              <a:buChar char="•"/>
-              <a:defRPr sz="2500">
-                <a:latin typeface="Arial"/>
-                <a:ea typeface="Arial"/>
-                <a:cs typeface="Arial"/>
-                <a:sym typeface="Arial"/>
-              </a:defRPr>
-            </a:pPr>
-            <a:r>
-              <a:t>They establish temporary tables using </a:t>
-            </a:r>
-            <a:r>
-              <a:rPr>
-                <a:latin typeface="Courier New"/>
-                <a:ea typeface="Courier New"/>
-                <a:cs typeface="Courier New"/>
-                <a:sym typeface="Courier New"/>
-              </a:rPr>
-              <a:t>WITH</a:t>
-            </a:r>
-            <a:endParaRPr>
-              <a:latin typeface="Courier New"/>
-              <a:ea typeface="Courier New"/>
-              <a:cs typeface="Courier New"/>
-              <a:sym typeface="Courier New"/>
-            </a:endParaRPr>
-          </a:p>
-          <a:p>
-            <a:pPr marL="250657" indent="-250657">
-              <a:buSzPct val="100000"/>
-              <a:buChar char="•"/>
-              <a:defRPr sz="2500">
-                <a:latin typeface="Arial"/>
-                <a:ea typeface="Arial"/>
-                <a:cs typeface="Arial"/>
-                <a:sym typeface="Arial"/>
-              </a:defRPr>
-            </a:pPr>
-            <a:r>
-              <a:t>The syntax is:</a:t>
-            </a:r>
-          </a:p>
-          <a:p>
-            <a:pPr>
-              <a:defRPr sz="2500">
-                <a:latin typeface="Arial"/>
-                <a:ea typeface="Arial"/>
-                <a:cs typeface="Arial"/>
-                <a:sym typeface="Arial"/>
-              </a:defRPr>
-            </a:pPr>
-          </a:p>
-          <a:p>
-            <a:pPr>
-              <a:defRPr sz="2500">
-                <a:latin typeface="Courier New"/>
-                <a:ea typeface="Courier New"/>
-                <a:cs typeface="Courier New"/>
-                <a:sym typeface="Courier New"/>
-              </a:defRPr>
-            </a:pPr>
-            <a:r>
-              <a:t>WITH {new_table} AS ({SELECT query})</a:t>
-            </a:r>
-          </a:p>
-          <a:p>
-            <a:pPr>
-              <a:defRPr sz="2500">
-                <a:latin typeface="Courier New"/>
-                <a:ea typeface="Courier New"/>
-                <a:cs typeface="Courier New"/>
-                <a:sym typeface="Courier New"/>
-              </a:defRPr>
-            </a:pPr>
-            <a:r>
-              <a:t>SELECT {column or aggregation} </a:t>
-            </a:r>
-          </a:p>
-          <a:p>
-            <a:pPr>
-              <a:defRPr sz="2500">
-                <a:latin typeface="Courier New"/>
-                <a:ea typeface="Courier New"/>
-                <a:cs typeface="Courier New"/>
-                <a:sym typeface="Courier New"/>
-              </a:defRPr>
-            </a:pPr>
-            <a:r>
-              <a:t>FROM {new_table}</a:t>
+              <a:t>Can you find another way to do this?</a:t>
             </a:r>
           </a:p>
         </p:txBody>
@@ -3754,85 +3741,38 @@
           <a:chExt cx="0" cy="0"/>
         </a:xfrm>
       </p:grpSpPr>
-      <p:sp>
-        <p:nvSpPr>
-          <p:cNvPr id="185" name="Google Shape;66;p14"/>
-          <p:cNvSpPr/>
+      <p:pic>
+        <p:nvPicPr>
+          <p:cNvPr id="172" name="5f461d116006137.6059ac1f3a043.jpg" descr="5f461d116006137.6059ac1f3a043.jpg"/>
+          <p:cNvPicPr>
+            <a:picLocks noChangeAspect="1"/>
+          </p:cNvPicPr>
           <p:nvPr/>
-        </p:nvSpPr>
+        </p:nvPicPr>
+        <p:blipFill>
+          <a:blip r:embed="rId2">
+            <a:extLst/>
+          </a:blip>
+          <a:stretch>
+            <a:fillRect/>
+          </a:stretch>
+        </p:blipFill>
         <p:spPr>
           <a:xfrm>
-            <a:off x="-94867" y="-1"/>
-            <a:ext cx="12454400" cy="1822001"/>
+            <a:off x="-38625" y="-1281005"/>
+            <a:ext cx="12269250" cy="8179500"/>
           </a:xfrm>
           <a:prstGeom prst="rect">
             <a:avLst/>
           </a:prstGeom>
-          <a:solidFill>
-            <a:srgbClr val="264190"/>
-          </a:solidFill>
-          <a:ln w="38100">
-            <a:solidFill>
-              <a:srgbClr val="000000"/>
-            </a:solidFill>
+          <a:ln w="12700">
+            <a:miter lim="400000"/>
           </a:ln>
         </p:spPr>
-        <p:txBody>
-          <a:bodyPr lIns="0" tIns="0" rIns="0" bIns="0" anchor="ctr"/>
-          <a:lstStyle/>
-          <a:p>
-            <a:pPr defTabSz="1219200">
-              <a:defRPr>
-                <a:solidFill>
-                  <a:srgbClr val="F5B679"/>
-                </a:solidFill>
-                <a:latin typeface="Arial"/>
-                <a:ea typeface="Arial"/>
-                <a:cs typeface="Arial"/>
-                <a:sym typeface="Arial"/>
-              </a:defRPr>
-            </a:pPr>
-          </a:p>
-        </p:txBody>
-      </p:sp>
+      </p:pic>
       <p:sp>
         <p:nvSpPr>
-          <p:cNvPr id="186" name="Google Shape;67;p14"/>
-          <p:cNvSpPr/>
-          <p:nvPr/>
-        </p:nvSpPr>
-        <p:spPr>
-          <a:xfrm>
-            <a:off x="-189701" y="1764300"/>
-            <a:ext cx="12483202" cy="1"/>
-          </a:xfrm>
-          <a:prstGeom prst="line">
-            <a:avLst/>
-          </a:prstGeom>
-          <a:ln w="38100">
-            <a:solidFill>
-              <a:srgbClr val="000000"/>
-            </a:solidFill>
-          </a:ln>
-        </p:spPr>
-        <p:txBody>
-          <a:bodyPr lIns="0" tIns="0" rIns="0" bIns="0"/>
-          <a:lstStyle/>
-          <a:p>
-            <a:pPr defTabSz="1219200">
-              <a:defRPr>
-                <a:latin typeface="Arial"/>
-                <a:ea typeface="Arial"/>
-                <a:cs typeface="Arial"/>
-                <a:sym typeface="Arial"/>
-              </a:defRPr>
-            </a:pPr>
-          </a:p>
-        </p:txBody>
-      </p:sp>
-      <p:sp>
-        <p:nvSpPr>
-          <p:cNvPr id="187" name="2. Google Shape;68;p14"/>
+          <p:cNvPr id="173" name="Google Shape;55;p13"/>
           <p:cNvSpPr txBox="1"/>
           <p:nvPr>
             <p:ph type="title"/>
@@ -3840,21 +3780,25 @@
         </p:nvSpPr>
         <p:spPr>
           <a:xfrm>
-            <a:off x="451933" y="294754"/>
-            <a:ext cx="11360801" cy="1232492"/>
+            <a:off x="415599" y="265599"/>
+            <a:ext cx="11360802" cy="1320401"/>
           </a:xfrm>
           <a:prstGeom prst="rect">
             <a:avLst/>
           </a:prstGeom>
         </p:spPr>
         <p:txBody>
-          <a:bodyPr anchor="ctr"/>
+          <a:bodyPr/>
           <a:lstStyle>
-            <a:lvl1pPr>
-              <a:defRPr b="1" sz="6000">
-                <a:solidFill>
-                  <a:srgbClr val="FFFFFF"/>
-                </a:solidFill>
+            <a:lvl1pPr defTabSz="1109472">
+              <a:defRPr sz="6188">
+                <a:solidFill>
+                  <a:srgbClr val="FFFFFF"/>
+                </a:solidFill>
+                <a:latin typeface="Avenir Book"/>
+                <a:ea typeface="Avenir Book"/>
+                <a:cs typeface="Avenir Book"/>
+                <a:sym typeface="Avenir Book"/>
               </a:defRPr>
             </a:lvl1pPr>
           </a:lstStyle>
@@ -3868,14 +3812,14 @@
       </p:sp>
       <p:sp>
         <p:nvSpPr>
-          <p:cNvPr id="188" name="Google Shape;69;p14"/>
+          <p:cNvPr id="174" name="Google Shape;69;p14"/>
           <p:cNvSpPr txBox="1"/>
           <p:nvPr/>
         </p:nvSpPr>
         <p:spPr>
           <a:xfrm>
-            <a:off x="980666" y="2331692"/>
-            <a:ext cx="10230668" cy="3402671"/>
+            <a:off x="1017000" y="2678081"/>
+            <a:ext cx="10230668" cy="3444201"/>
           </a:xfrm>
           <a:prstGeom prst="rect">
             <a:avLst/>
@@ -3895,13 +3839,31 @@
           </a:bodyPr>
           <a:lstStyle/>
           <a:p>
-            <a:pPr marL="260684" indent="-260684" defTabSz="1219200">
-              <a:lnSpc>
-                <a:spcPct val="120000"/>
-              </a:lnSpc>
+            <a:pPr marL="250657" indent="-250657">
               <a:buSzPct val="100000"/>
               <a:buChar char="•"/>
-              <a:defRPr sz="2600">
+              <a:defRPr sz="2500">
+                <a:solidFill>
+                  <a:srgbClr val="FFFFFF"/>
+                </a:solidFill>
+                <a:latin typeface="Avenir Book"/>
+                <a:ea typeface="Avenir Book"/>
+                <a:cs typeface="Avenir Book"/>
+                <a:sym typeface="Avenir Book"/>
+              </a:defRPr>
+            </a:pPr>
+            <a:r>
+              <a:t>Common Table Expressions (CTE) are (in a certain sense) a different version of subqueries. </a:t>
+            </a:r>
+          </a:p>
+          <a:p>
+            <a:pPr marL="250657" indent="-250657">
+              <a:buSzPct val="100000"/>
+              <a:buChar char="•"/>
+              <a:defRPr sz="2500">
+                <a:solidFill>
+                  <a:srgbClr val="FFFFFF"/>
+                </a:solidFill>
                 <a:latin typeface="Arial"/>
                 <a:ea typeface="Arial"/>
                 <a:cs typeface="Arial"/>
@@ -3909,100 +3871,107 @@
               </a:defRPr>
             </a:pPr>
             <a:r>
-              <a:t>Average spending per customer</a:t>
-            </a:r>
-          </a:p>
-          <a:p>
-            <a:pPr>
-              <a:lnSpc>
-                <a:spcPct val="90000"/>
-              </a:lnSpc>
-              <a:defRPr sz="2500">
+              <a:rPr>
+                <a:latin typeface="Avenir Book"/>
+                <a:ea typeface="Avenir Book"/>
+                <a:cs typeface="Avenir Book"/>
+                <a:sym typeface="Avenir Book"/>
+              </a:rPr>
+              <a:t>They establish temporary tables using </a:t>
+            </a:r>
+            <a:r>
+              <a:rPr>
                 <a:latin typeface="Courier New"/>
                 <a:ea typeface="Courier New"/>
                 <a:cs typeface="Courier New"/>
                 <a:sym typeface="Courier New"/>
+              </a:rPr>
+              <a:t>WITH</a:t>
+            </a:r>
+            <a:endParaRPr>
+              <a:latin typeface="Courier New"/>
+              <a:ea typeface="Courier New"/>
+              <a:cs typeface="Courier New"/>
+              <a:sym typeface="Courier New"/>
+            </a:endParaRPr>
+          </a:p>
+          <a:p>
+            <a:pPr marL="250657" indent="-250657">
+              <a:buSzPct val="100000"/>
+              <a:buChar char="•"/>
+              <a:defRPr sz="2500">
+                <a:solidFill>
+                  <a:srgbClr val="FFFFFF"/>
+                </a:solidFill>
+                <a:latin typeface="Avenir Book"/>
+                <a:ea typeface="Avenir Book"/>
+                <a:cs typeface="Avenir Book"/>
+                <a:sym typeface="Avenir Book"/>
               </a:defRPr>
             </a:pPr>
             <a:r>
-              <a:t>WITH </a:t>
-            </a:r>
-            <a:r>
-              <a:rPr>
-                <a:solidFill>
-                  <a:srgbClr val="0122FF"/>
-                </a:solidFill>
-              </a:rPr>
-              <a:t>total_amounts</a:t>
-            </a:r>
-            <a:r>
-              <a:t> AS (</a:t>
-            </a:r>
-            <a:br/>
-            <a:r>
-              <a:t>(SELECT customer_id, </a:t>
-            </a:r>
-            <a:r>
-              <a:rPr>
-                <a:solidFill>
-                  <a:srgbClr val="FF000B"/>
-                </a:solidFill>
-              </a:rPr>
-              <a:t>SUM(amount)</a:t>
-            </a:r>
-            <a:r>
-              <a:t> AS </a:t>
-            </a:r>
-            <a:r>
-              <a:rPr>
-                <a:solidFill>
-                  <a:srgbClr val="FF000B"/>
-                </a:solidFill>
-              </a:rPr>
-              <a:t>a</a:t>
-            </a:r>
-            <a:br/>
-            <a:r>
-              <a:t>   FROM payment</a:t>
-            </a:r>
-            <a:br/>
-            <a:r>
-              <a:t>   GROUP BY customer_id)</a:t>
-            </a:r>
-            <a:br/>
-            <a:r>
-              <a:t>)</a:t>
-            </a:r>
-            <a:br/>
-            <a:br/>
-            <a:r>
-              <a:t>SELECT AVG(</a:t>
-            </a:r>
-            <a:r>
-              <a:rPr>
-                <a:solidFill>
-                  <a:srgbClr val="FF000B"/>
-                </a:solidFill>
-              </a:rPr>
-              <a:t>a</a:t>
-            </a:r>
-            <a:r>
-              <a:t>)</a:t>
-            </a:r>
-            <a:br/>
-            <a:r>
-              <a:t>FROM </a:t>
-            </a:r>
-            <a:r>
-              <a:rPr>
-                <a:solidFill>
-                  <a:srgbClr val="0122FF"/>
-                </a:solidFill>
-              </a:rPr>
-              <a:t>total_amounts</a:t>
-            </a:r>
-            <a:r>
-              <a:t>;</a:t>
+              <a:t>The syntax is:</a:t>
+            </a:r>
+          </a:p>
+          <a:p>
+            <a:pPr>
+              <a:defRPr sz="2500">
+                <a:solidFill>
+                  <a:srgbClr val="FFFFFF"/>
+                </a:solidFill>
+                <a:latin typeface="Arial"/>
+                <a:ea typeface="Arial"/>
+                <a:cs typeface="Arial"/>
+                <a:sym typeface="Arial"/>
+              </a:defRPr>
+            </a:pPr>
+          </a:p>
+          <a:p>
+            <a:pPr>
+              <a:defRPr b="1" sz="2500">
+                <a:solidFill>
+                  <a:srgbClr val="FFFFFF"/>
+                </a:solidFill>
+                <a:latin typeface="Courier New"/>
+                <a:ea typeface="Courier New"/>
+                <a:cs typeface="Courier New"/>
+                <a:sym typeface="Courier New"/>
+              </a:defRPr>
+            </a:pPr>
+            <a:r>
+              <a:t>WITH {new_table} AS ({SELECT query})</a:t>
+            </a:r>
+          </a:p>
+          <a:p>
+            <a:pPr>
+              <a:defRPr b="1" sz="2500">
+                <a:solidFill>
+                  <a:srgbClr val="FFFFFF"/>
+                </a:solidFill>
+                <a:latin typeface="Courier New"/>
+                <a:ea typeface="Courier New"/>
+                <a:cs typeface="Courier New"/>
+                <a:sym typeface="Courier New"/>
+              </a:defRPr>
+            </a:pPr>
+            <a:r>
+              <a:t>SELECT {column or aggregation} </a:t>
+            </a:r>
+          </a:p>
+          <a:p>
+            <a:pPr>
+              <a:defRPr b="1" sz="2500">
+                <a:solidFill>
+                  <a:srgbClr val="FFFFFF"/>
+                </a:solidFill>
+                <a:latin typeface="Courier New"/>
+                <a:ea typeface="Courier New"/>
+                <a:cs typeface="Courier New"/>
+                <a:sym typeface="Courier New"/>
+              </a:defRPr>
+            </a:pPr>
+            <a:r>
+              <a:t>FROM {new_table}</a:t>
             </a:r>
           </a:p>
         </p:txBody>
@@ -4040,85 +4009,38 @@
           <a:chExt cx="0" cy="0"/>
         </a:xfrm>
       </p:grpSpPr>
-      <p:sp>
-        <p:nvSpPr>
-          <p:cNvPr id="190" name="Google Shape;66;p14"/>
-          <p:cNvSpPr/>
+      <p:pic>
+        <p:nvPicPr>
+          <p:cNvPr id="176" name="5f461d116006137.6059ac1f3a043.jpg" descr="5f461d116006137.6059ac1f3a043.jpg"/>
+          <p:cNvPicPr>
+            <a:picLocks noChangeAspect="1"/>
+          </p:cNvPicPr>
           <p:nvPr/>
-        </p:nvSpPr>
+        </p:nvPicPr>
+        <p:blipFill>
+          <a:blip r:embed="rId2">
+            <a:extLst/>
+          </a:blip>
+          <a:stretch>
+            <a:fillRect/>
+          </a:stretch>
+        </p:blipFill>
         <p:spPr>
           <a:xfrm>
-            <a:off x="-94867" y="-1"/>
-            <a:ext cx="12454400" cy="1822001"/>
+            <a:off x="-38625" y="-1281005"/>
+            <a:ext cx="12269250" cy="8179500"/>
           </a:xfrm>
           <a:prstGeom prst="rect">
             <a:avLst/>
           </a:prstGeom>
-          <a:solidFill>
-            <a:srgbClr val="264190"/>
-          </a:solidFill>
-          <a:ln w="38100">
-            <a:solidFill>
-              <a:srgbClr val="000000"/>
-            </a:solidFill>
+          <a:ln w="12700">
+            <a:miter lim="400000"/>
           </a:ln>
         </p:spPr>
-        <p:txBody>
-          <a:bodyPr lIns="0" tIns="0" rIns="0" bIns="0" anchor="ctr"/>
-          <a:lstStyle/>
-          <a:p>
-            <a:pPr defTabSz="1219200">
-              <a:defRPr>
-                <a:solidFill>
-                  <a:srgbClr val="F5B679"/>
-                </a:solidFill>
-                <a:latin typeface="Arial"/>
-                <a:ea typeface="Arial"/>
-                <a:cs typeface="Arial"/>
-                <a:sym typeface="Arial"/>
-              </a:defRPr>
-            </a:pPr>
-          </a:p>
-        </p:txBody>
-      </p:sp>
+      </p:pic>
       <p:sp>
         <p:nvSpPr>
-          <p:cNvPr id="191" name="Google Shape;67;p14"/>
-          <p:cNvSpPr/>
-          <p:nvPr/>
-        </p:nvSpPr>
-        <p:spPr>
-          <a:xfrm>
-            <a:off x="-189701" y="1764300"/>
-            <a:ext cx="12483202" cy="1"/>
-          </a:xfrm>
-          <a:prstGeom prst="line">
-            <a:avLst/>
-          </a:prstGeom>
-          <a:ln w="38100">
-            <a:solidFill>
-              <a:srgbClr val="000000"/>
-            </a:solidFill>
-          </a:ln>
-        </p:spPr>
-        <p:txBody>
-          <a:bodyPr lIns="0" tIns="0" rIns="0" bIns="0"/>
-          <a:lstStyle/>
-          <a:p>
-            <a:pPr defTabSz="1219200">
-              <a:defRPr>
-                <a:latin typeface="Arial"/>
-                <a:ea typeface="Arial"/>
-                <a:cs typeface="Arial"/>
-                <a:sym typeface="Arial"/>
-              </a:defRPr>
-            </a:pPr>
-          </a:p>
-        </p:txBody>
-      </p:sp>
-      <p:sp>
-        <p:nvSpPr>
-          <p:cNvPr id="192" name="2. Google Shape;68;p14"/>
+          <p:cNvPr id="177" name="Google Shape;55;p13"/>
           <p:cNvSpPr txBox="1"/>
           <p:nvPr>
             <p:ph type="title"/>
@@ -4126,21 +4048,25 @@
         </p:nvSpPr>
         <p:spPr>
           <a:xfrm>
-            <a:off x="451933" y="294754"/>
-            <a:ext cx="11360801" cy="1232492"/>
+            <a:off x="415599" y="265599"/>
+            <a:ext cx="11360802" cy="1320401"/>
           </a:xfrm>
           <a:prstGeom prst="rect">
             <a:avLst/>
           </a:prstGeom>
         </p:spPr>
         <p:txBody>
-          <a:bodyPr anchor="ctr"/>
+          <a:bodyPr/>
           <a:lstStyle>
-            <a:lvl1pPr>
-              <a:defRPr b="1" sz="6000">
-                <a:solidFill>
-                  <a:srgbClr val="FFFFFF"/>
-                </a:solidFill>
+            <a:lvl1pPr defTabSz="1109472">
+              <a:defRPr sz="6188">
+                <a:solidFill>
+                  <a:srgbClr val="FFFFFF"/>
+                </a:solidFill>
+                <a:latin typeface="Avenir Book"/>
+                <a:ea typeface="Avenir Book"/>
+                <a:cs typeface="Avenir Book"/>
+                <a:sym typeface="Avenir Book"/>
               </a:defRPr>
             </a:lvl1pPr>
           </a:lstStyle>
@@ -4154,14 +4080,14 @@
       </p:sp>
       <p:sp>
         <p:nvSpPr>
-          <p:cNvPr id="193" name="Google Shape;69;p14"/>
+          <p:cNvPr id="178" name="Google Shape;69;p14"/>
           <p:cNvSpPr txBox="1"/>
           <p:nvPr/>
         </p:nvSpPr>
         <p:spPr>
           <a:xfrm>
             <a:off x="980666" y="2331692"/>
-            <a:ext cx="10230668" cy="3564690"/>
+            <a:ext cx="10230668" cy="3481031"/>
           </a:xfrm>
           <a:prstGeom prst="rect">
             <a:avLst/>
@@ -4188,69 +4114,188 @@
               <a:buSzPct val="100000"/>
               <a:buChar char="•"/>
               <a:defRPr sz="2600">
-                <a:latin typeface="Arial"/>
-                <a:ea typeface="Arial"/>
-                <a:cs typeface="Arial"/>
-                <a:sym typeface="Arial"/>
+                <a:solidFill>
+                  <a:srgbClr val="FFFFFF"/>
+                </a:solidFill>
+                <a:latin typeface="Avenir Book"/>
+                <a:ea typeface="Avenir Book"/>
+                <a:cs typeface="Avenir Book"/>
+                <a:sym typeface="Avenir Book"/>
               </a:defRPr>
             </a:pPr>
             <a:r>
-              <a:t>We can use as many </a:t>
-            </a:r>
-            <a:r>
-              <a:rPr>
+              <a:t>Average spending per customer</a:t>
+            </a:r>
+          </a:p>
+          <a:p>
+            <a:pPr>
+              <a:lnSpc>
+                <a:spcPct val="90000"/>
+              </a:lnSpc>
+              <a:defRPr b="1" sz="2500">
                 <a:latin typeface="Courier New"/>
                 <a:ea typeface="Courier New"/>
                 <a:cs typeface="Courier New"/>
                 <a:sym typeface="Courier New"/>
+              </a:defRPr>
+            </a:pPr>
+            <a:r>
+              <a:rPr>
+                <a:solidFill>
+                  <a:srgbClr val="FFFFFF"/>
+                </a:solidFill>
               </a:rPr>
-              <a:t>WITH</a:t>
-            </a:r>
-            <a:r>
-              <a:t> statements as we want </a:t>
-            </a:r>
-          </a:p>
-          <a:p>
-            <a:pPr marL="228600" indent="-228600">
-              <a:lnSpc>
-                <a:spcPct val="90000"/>
-              </a:lnSpc>
-              <a:spcBef>
-                <a:spcPts val="1000"/>
-              </a:spcBef>
-              <a:buSzPct val="100000"/>
-              <a:buFont typeface="Arial"/>
-              <a:buChar char="•"/>
-              <a:defRPr sz="2500">
-                <a:latin typeface="Courier New"/>
-                <a:ea typeface="Courier New"/>
-                <a:cs typeface="Courier New"/>
-                <a:sym typeface="Courier New"/>
-              </a:defRPr>
-            </a:pPr>
-            <a:r>
               <a:t>WITH </a:t>
             </a:r>
+            <a:r>
+              <a:rPr>
+                <a:solidFill>
+                  <a:schemeClr val="accent1">
+                    <a:lumOff val="12058"/>
+                  </a:schemeClr>
+                </a:solidFill>
+              </a:rPr>
+              <a:t>total_amounts</a:t>
+            </a:r>
+            <a:r>
+              <a:t> AS (</a:t>
+            </a:r>
             <a:br/>
             <a:r>
-              <a:t>  table1 AS (SELECT * FROM rental),</a:t>
+              <a:rPr>
+                <a:solidFill>
+                  <a:srgbClr val="FFFFFF"/>
+                </a:solidFill>
+              </a:rPr>
+              <a:t>(SELECT customer_id, </a:t>
+            </a:r>
+            <a:r>
+              <a:rPr>
+                <a:solidFill>
+                  <a:srgbClr val="FF000B"/>
+                </a:solidFill>
+              </a:rPr>
+              <a:t>SUM(amount)</a:t>
+            </a:r>
+            <a:r>
+              <a:rPr>
+                <a:solidFill>
+                  <a:srgbClr val="FFFFFF"/>
+                </a:solidFill>
+              </a:rPr>
+              <a:t> AS </a:t>
+            </a:r>
+            <a:r>
+              <a:rPr>
+                <a:solidFill>
+                  <a:srgbClr val="FF000B"/>
+                </a:solidFill>
+              </a:rPr>
+              <a:t>a</a:t>
             </a:r>
             <a:br/>
             <a:r>
-              <a:t>  table2 AS (SELECT * FROM customer)</a:t>
+              <a:rPr>
+                <a:solidFill>
+                  <a:srgbClr val="FFFFFF"/>
+                </a:solidFill>
+              </a:rPr>
+              <a:t>   FROM payment</a:t>
+            </a:r>
+            <a:br>
+              <a:rPr>
+                <a:solidFill>
+                  <a:srgbClr val="FFFFFF"/>
+                </a:solidFill>
+              </a:rPr>
+            </a:br>
+            <a:r>
+              <a:rPr>
+                <a:solidFill>
+                  <a:srgbClr val="FFFFFF"/>
+                </a:solidFill>
+              </a:rPr>
+              <a:t>   GROUP BY customer_id)</a:t>
+            </a:r>
+            <a:br>
+              <a:rPr>
+                <a:solidFill>
+                  <a:srgbClr val="FFFFFF"/>
+                </a:solidFill>
+              </a:rPr>
+            </a:br>
+            <a:r>
+              <a:rPr>
+                <a:solidFill>
+                  <a:srgbClr val="FFFFFF"/>
+                </a:solidFill>
+              </a:rPr>
+              <a:t>)</a:t>
+            </a:r>
+            <a:br>
+              <a:rPr>
+                <a:solidFill>
+                  <a:srgbClr val="FFFFFF"/>
+                </a:solidFill>
+              </a:rPr>
+            </a:br>
+            <a:br>
+              <a:rPr>
+                <a:solidFill>
+                  <a:srgbClr val="FFFFFF"/>
+                </a:solidFill>
+              </a:rPr>
+            </a:br>
+            <a:r>
+              <a:rPr>
+                <a:solidFill>
+                  <a:srgbClr val="FFFFFF"/>
+                </a:solidFill>
+              </a:rPr>
+              <a:t>SELECT AVG(</a:t>
+            </a:r>
+            <a:r>
+              <a:rPr>
+                <a:solidFill>
+                  <a:srgbClr val="FF000B"/>
+                </a:solidFill>
+              </a:rPr>
+              <a:t>a</a:t>
+            </a:r>
+            <a:r>
+              <a:rPr>
+                <a:solidFill>
+                  <a:srgbClr val="FFFFFF"/>
+                </a:solidFill>
+              </a:rPr>
+              <a:t>)</a:t>
             </a:r>
             <a:br/>
-            <a:br/>
-            <a:r>
-              <a:t>SELECT *</a:t>
-            </a:r>
-            <a:br/>
-            <a:r>
-              <a:t>FROM table1</a:t>
-            </a:r>
-            <a:br/>
-            <a:r>
-              <a:t>JOIN table2 ON table1.customer_id = table2.customer_id;</a:t>
+            <a:r>
+              <a:rPr>
+                <a:solidFill>
+                  <a:srgbClr val="FFFFFF"/>
+                </a:solidFill>
+              </a:rPr>
+              <a:t>FROM </a:t>
+            </a:r>
+            <a:r>
+              <a:rPr>
+                <a:solidFill>
+                  <a:schemeClr val="accent1">
+                    <a:lumOff val="12058"/>
+                  </a:schemeClr>
+                </a:solidFill>
+              </a:rPr>
+              <a:t>total_amounts</a:t>
+            </a:r>
+            <a:r>
+              <a:rPr>
+                <a:solidFill>
+                  <a:srgbClr val="FFFFFF"/>
+                </a:solidFill>
+              </a:rPr>
+              <a:t>;</a:t>
             </a:r>
           </a:p>
         </p:txBody>
@@ -4288,85 +4333,38 @@
           <a:chExt cx="0" cy="0"/>
         </a:xfrm>
       </p:grpSpPr>
-      <p:sp>
-        <p:nvSpPr>
-          <p:cNvPr id="195" name="Google Shape;66;p14"/>
-          <p:cNvSpPr/>
+      <p:pic>
+        <p:nvPicPr>
+          <p:cNvPr id="180" name="5f461d116006137.6059ac1f3a043.jpg" descr="5f461d116006137.6059ac1f3a043.jpg"/>
+          <p:cNvPicPr>
+            <a:picLocks noChangeAspect="1"/>
+          </p:cNvPicPr>
           <p:nvPr/>
-        </p:nvSpPr>
+        </p:nvPicPr>
+        <p:blipFill>
+          <a:blip r:embed="rId2">
+            <a:extLst/>
+          </a:blip>
+          <a:stretch>
+            <a:fillRect/>
+          </a:stretch>
+        </p:blipFill>
         <p:spPr>
           <a:xfrm>
-            <a:off x="-94867" y="-1"/>
-            <a:ext cx="12454400" cy="1822001"/>
+            <a:off x="-38625" y="-1281005"/>
+            <a:ext cx="12269250" cy="8179500"/>
           </a:xfrm>
           <a:prstGeom prst="rect">
             <a:avLst/>
           </a:prstGeom>
-          <a:solidFill>
-            <a:srgbClr val="264190"/>
-          </a:solidFill>
-          <a:ln w="38100">
-            <a:solidFill>
-              <a:srgbClr val="000000"/>
-            </a:solidFill>
+          <a:ln w="12700">
+            <a:miter lim="400000"/>
           </a:ln>
         </p:spPr>
-        <p:txBody>
-          <a:bodyPr lIns="0" tIns="0" rIns="0" bIns="0" anchor="ctr"/>
-          <a:lstStyle/>
-          <a:p>
-            <a:pPr defTabSz="1219200">
-              <a:defRPr>
-                <a:solidFill>
-                  <a:srgbClr val="F5B679"/>
-                </a:solidFill>
-                <a:latin typeface="Arial"/>
-                <a:ea typeface="Arial"/>
-                <a:cs typeface="Arial"/>
-                <a:sym typeface="Arial"/>
-              </a:defRPr>
-            </a:pPr>
-          </a:p>
-        </p:txBody>
-      </p:sp>
+      </p:pic>
       <p:sp>
         <p:nvSpPr>
-          <p:cNvPr id="196" name="Google Shape;67;p14"/>
-          <p:cNvSpPr/>
-          <p:nvPr/>
-        </p:nvSpPr>
-        <p:spPr>
-          <a:xfrm>
-            <a:off x="-189701" y="1764300"/>
-            <a:ext cx="12483202" cy="1"/>
-          </a:xfrm>
-          <a:prstGeom prst="line">
-            <a:avLst/>
-          </a:prstGeom>
-          <a:ln w="38100">
-            <a:solidFill>
-              <a:srgbClr val="000000"/>
-            </a:solidFill>
-          </a:ln>
-        </p:spPr>
-        <p:txBody>
-          <a:bodyPr lIns="0" tIns="0" rIns="0" bIns="0"/>
-          <a:lstStyle/>
-          <a:p>
-            <a:pPr defTabSz="1219200">
-              <a:defRPr>
-                <a:latin typeface="Arial"/>
-                <a:ea typeface="Arial"/>
-                <a:cs typeface="Arial"/>
-                <a:sym typeface="Arial"/>
-              </a:defRPr>
-            </a:pPr>
-          </a:p>
-        </p:txBody>
-      </p:sp>
-      <p:sp>
-        <p:nvSpPr>
-          <p:cNvPr id="197" name="2. Google Shape;68;p14"/>
+          <p:cNvPr id="181" name="Google Shape;55;p13"/>
           <p:cNvSpPr txBox="1"/>
           <p:nvPr>
             <p:ph type="title"/>
@@ -4374,42 +4372,46 @@
         </p:nvSpPr>
         <p:spPr>
           <a:xfrm>
-            <a:off x="451933" y="294754"/>
-            <a:ext cx="11360801" cy="1232492"/>
+            <a:off x="415599" y="265599"/>
+            <a:ext cx="11360802" cy="1320401"/>
           </a:xfrm>
           <a:prstGeom prst="rect">
             <a:avLst/>
           </a:prstGeom>
         </p:spPr>
         <p:txBody>
-          <a:bodyPr anchor="ctr"/>
+          <a:bodyPr/>
           <a:lstStyle>
-            <a:lvl1pPr>
-              <a:defRPr b="1" sz="6000">
-                <a:solidFill>
-                  <a:srgbClr val="FFFFFF"/>
-                </a:solidFill>
+            <a:lvl1pPr defTabSz="1109472">
+              <a:defRPr sz="6188">
+                <a:solidFill>
+                  <a:srgbClr val="FFFFFF"/>
+                </a:solidFill>
+                <a:latin typeface="Avenir Book"/>
+                <a:ea typeface="Avenir Book"/>
+                <a:cs typeface="Avenir Book"/>
+                <a:sym typeface="Avenir Book"/>
               </a:defRPr>
             </a:lvl1pPr>
           </a:lstStyle>
           <a:p>
             <a:pPr/>
             <a:r>
-              <a:t>Challenges</a:t>
+              <a:t>Common Table Expressions</a:t>
             </a:r>
           </a:p>
         </p:txBody>
       </p:sp>
       <p:sp>
         <p:nvSpPr>
-          <p:cNvPr id="198" name="Google Shape;69;p14"/>
+          <p:cNvPr id="182" name="Google Shape;69;p14"/>
           <p:cNvSpPr txBox="1"/>
           <p:nvPr/>
         </p:nvSpPr>
         <p:spPr>
           <a:xfrm>
             <a:off x="980666" y="2331692"/>
-            <a:ext cx="10230668" cy="2959840"/>
+            <a:ext cx="10230668" cy="3608031"/>
           </a:xfrm>
           <a:prstGeom prst="rect">
             <a:avLst/>
@@ -4429,113 +4431,227 @@
           </a:bodyPr>
           <a:lstStyle/>
           <a:p>
-            <a:pPr marL="514350" indent="-514350">
+            <a:pPr marL="260684" indent="-260684" defTabSz="1219200">
+              <a:lnSpc>
+                <a:spcPct val="120000"/>
+              </a:lnSpc>
+              <a:buSzPct val="100000"/>
+              <a:buChar char="•"/>
+              <a:defRPr sz="2600">
+                <a:solidFill>
+                  <a:srgbClr val="FFFFFF"/>
+                </a:solidFill>
+                <a:latin typeface="Avenir Book"/>
+                <a:ea typeface="Avenir Book"/>
+                <a:cs typeface="Avenir Book"/>
+                <a:sym typeface="Avenir Book"/>
+              </a:defRPr>
+            </a:pPr>
+            <a:r>
+              <a:t>We can use as many WITH statements as we want </a:t>
+            </a:r>
+          </a:p>
+          <a:p>
+            <a:pPr>
               <a:lnSpc>
                 <a:spcPct val="90000"/>
               </a:lnSpc>
               <a:spcBef>
                 <a:spcPts val="1000"/>
               </a:spcBef>
-              <a:buSzPct val="100000"/>
-              <a:buAutoNum type="arabicPeriod" startAt="1"/>
-              <a:defRPr sz="2800">
-                <a:latin typeface="Arial"/>
-                <a:ea typeface="Arial"/>
-                <a:cs typeface="Arial"/>
-                <a:sym typeface="Arial"/>
-              </a:defRPr>
-            </a:pPr>
-            <a:r>
-              <a:t>Using </a:t>
-            </a:r>
-            <a:r>
-              <a:rPr>
+              <a:defRPr b="1" sz="2500">
+                <a:solidFill>
+                  <a:srgbClr val="FFFFFF"/>
+                </a:solidFill>
                 <a:latin typeface="Courier New"/>
                 <a:ea typeface="Courier New"/>
                 <a:cs typeface="Courier New"/>
                 <a:sym typeface="Courier New"/>
-              </a:rPr>
-              <a:t>JOIN</a:t>
-            </a:r>
-            <a:r>
-              <a:t>s, find the number of times each film was rented. Order by descending.</a:t>
-            </a:r>
-          </a:p>
-          <a:p>
-            <a:pPr marL="514350" indent="-514350">
-              <a:lnSpc>
-                <a:spcPct val="90000"/>
-              </a:lnSpc>
+              </a:defRPr>
+            </a:pPr>
+            <a:r>
+              <a:t>WITH </a:t>
+            </a:r>
+            <a:br/>
+            <a:r>
+              <a:t>  table1 AS (SELECT * FROM rental),</a:t>
+            </a:r>
+            <a:br/>
+            <a:r>
+              <a:t>  table2 AS (SELECT * FROM customer)</a:t>
+            </a:r>
+            <a:br/>
+            <a:br/>
+            <a:r>
+              <a:t>SELECT *</a:t>
+            </a:r>
+            <a:br/>
+            <a:r>
+              <a:t>FROM table1</a:t>
+            </a:r>
+            <a:br/>
+            <a:r>
+              <a:t>JOIN table2 ON table1.customer_id = table2.customer_id;</a:t>
+            </a:r>
+          </a:p>
+        </p:txBody>
+      </p:sp>
+    </p:spTree>
+  </p:cSld>
+  <p:clrMapOvr>
+    <a:masterClrMapping/>
+  </p:clrMapOvr>
+  <p:transition xmlns:p14="http://schemas.microsoft.com/office/powerpoint/2010/main" spd="med" advClick="1"/>
+</p:sld>
+</file>
+
+<file path=ppt/slides/slide14.xml><?xml version="1.0" encoding="utf-8"?>
+<p:sld xmlns:a="http://schemas.openxmlformats.org/drawingml/2006/main" xmlns:r="http://schemas.openxmlformats.org/officeDocument/2006/relationships" xmlns:p="http://schemas.openxmlformats.org/presentationml/2006/main" xmlns:m="http://schemas.openxmlformats.org/officeDocument/2006/math" xmlns:a14="http://schemas.microsoft.com/office/drawing/2010/main" showMasterSp="1" showMasterPhAnim="1">
+  <p:cSld>
+    <p:bg>
+      <p:bgPr>
+        <a:solidFill>
+          <a:srgbClr val="EDDACC"/>
+        </a:solidFill>
+      </p:bgPr>
+    </p:bg>
+    <p:spTree>
+      <p:nvGrpSpPr>
+        <p:cNvPr id="1" name=""/>
+        <p:cNvGrpSpPr/>
+        <p:nvPr/>
+      </p:nvGrpSpPr>
+      <p:grpSpPr>
+        <a:xfrm>
+          <a:off x="0" y="0"/>
+          <a:ext cx="0" cy="0"/>
+          <a:chOff x="0" y="0"/>
+          <a:chExt cx="0" cy="0"/>
+        </a:xfrm>
+      </p:grpSpPr>
+      <p:pic>
+        <p:nvPicPr>
+          <p:cNvPr id="184" name="5f461d116006137.6059ac1f3a043.jpg" descr="5f461d116006137.6059ac1f3a043.jpg"/>
+          <p:cNvPicPr>
+            <a:picLocks noChangeAspect="1"/>
+          </p:cNvPicPr>
+          <p:nvPr/>
+        </p:nvPicPr>
+        <p:blipFill>
+          <a:blip r:embed="rId2">
+            <a:extLst/>
+          </a:blip>
+          <a:stretch>
+            <a:fillRect/>
+          </a:stretch>
+        </p:blipFill>
+        <p:spPr>
+          <a:xfrm>
+            <a:off x="-38625" y="-1281005"/>
+            <a:ext cx="12269250" cy="8179500"/>
+          </a:xfrm>
+          <a:prstGeom prst="rect">
+            <a:avLst/>
+          </a:prstGeom>
+          <a:ln w="12700">
+            <a:miter lim="400000"/>
+          </a:ln>
+        </p:spPr>
+      </p:pic>
+      <p:sp>
+        <p:nvSpPr>
+          <p:cNvPr id="185" name="Google Shape;55;p13"/>
+          <p:cNvSpPr txBox="1"/>
+          <p:nvPr>
+            <p:ph type="title"/>
+          </p:nvPr>
+        </p:nvSpPr>
+        <p:spPr>
+          <a:xfrm>
+            <a:off x="415599" y="265599"/>
+            <a:ext cx="11360802" cy="1320401"/>
+          </a:xfrm>
+          <a:prstGeom prst="rect">
+            <a:avLst/>
+          </a:prstGeom>
+        </p:spPr>
+        <p:txBody>
+          <a:bodyPr/>
+          <a:lstStyle>
+            <a:lvl1pPr defTabSz="1109472">
+              <a:defRPr sz="6188">
+                <a:solidFill>
+                  <a:srgbClr val="FFFFFF"/>
+                </a:solidFill>
+                <a:latin typeface="Avenir Book"/>
+                <a:ea typeface="Avenir Book"/>
+                <a:cs typeface="Avenir Book"/>
+                <a:sym typeface="Avenir Book"/>
+              </a:defRPr>
+            </a:lvl1pPr>
+          </a:lstStyle>
+          <a:p>
+            <a:pPr/>
+            <a:r>
+              <a:t>Subqueries - Practicals (Part II)</a:t>
+            </a:r>
+          </a:p>
+        </p:txBody>
+      </p:sp>
+      <p:sp>
+        <p:nvSpPr>
+          <p:cNvPr id="186" name="Google Shape;69;p14"/>
+          <p:cNvSpPr txBox="1"/>
+          <p:nvPr/>
+        </p:nvSpPr>
+        <p:spPr>
+          <a:xfrm>
+            <a:off x="1952340" y="2537842"/>
+            <a:ext cx="8287320" cy="1158201"/>
+          </a:xfrm>
+          <a:prstGeom prst="rect">
+            <a:avLst/>
+          </a:prstGeom>
+          <a:ln w="12700">
+            <a:miter lim="400000"/>
+          </a:ln>
+          <a:extLst>
+            <a:ext uri="{C572A759-6A51-4108-AA02-DFA0A04FC94B}">
+              <ma14:wrappingTextBoxFlag xmlns:ma14="http://schemas.microsoft.com/office/mac/drawingml/2011/main" val="1"/>
+            </a:ext>
+          </a:extLst>
+        </p:spPr>
+        <p:txBody>
+          <a:bodyPr lIns="121899" tIns="121899" rIns="121899" bIns="121899">
+            <a:spAutoFit/>
+          </a:bodyPr>
+          <a:lstStyle/>
+          <a:p>
+            <a:pPr algn="ctr">
               <a:spcBef>
                 <a:spcPts val="1000"/>
               </a:spcBef>
-              <a:buSzPct val="100000"/>
-              <a:buAutoNum type="arabicPeriod" startAt="1"/>
-              <a:defRPr sz="2800">
-                <a:latin typeface="Arial"/>
-                <a:ea typeface="Arial"/>
-                <a:cs typeface="Arial"/>
-                <a:sym typeface="Arial"/>
+              <a:defRPr sz="2600">
+                <a:solidFill>
+                  <a:srgbClr val="FFFFFF"/>
+                </a:solidFill>
+                <a:latin typeface="Avenir Book"/>
+                <a:ea typeface="Avenir Book"/>
+                <a:cs typeface="Avenir Book"/>
+                <a:sym typeface="Avenir Book"/>
               </a:defRPr>
             </a:pPr>
             <a:r>
-              <a:t>Using CTEs:</a:t>
-            </a:r>
-          </a:p>
-          <a:p>
-            <a:pPr lvl="1" marL="685800" indent="-228600">
-              <a:lnSpc>
-                <a:spcPct val="90000"/>
-              </a:lnSpc>
-              <a:spcBef>
-                <a:spcPts val="500"/>
-              </a:spcBef>
-              <a:buSzPct val="100000"/>
-              <a:buFont typeface="Arial"/>
-              <a:buChar char="•"/>
-              <a:defRPr sz="2400">
-                <a:latin typeface="Arial"/>
-                <a:ea typeface="Arial"/>
-                <a:cs typeface="Arial"/>
-                <a:sym typeface="Arial"/>
-              </a:defRPr>
-            </a:pPr>
-            <a:r>
-              <a:t>Define two tables (in the </a:t>
+              <a:t>Go to the portal and complete the second practical: </a:t>
             </a:r>
             <a:r>
               <a:rPr>
-                <a:latin typeface="Courier New"/>
-                <a:ea typeface="Courier New"/>
-                <a:cs typeface="Courier New"/>
-                <a:sym typeface="Courier New"/>
+                <a:latin typeface="Avenir Book Oblique"/>
+                <a:ea typeface="Avenir Book Oblique"/>
+                <a:cs typeface="Avenir Book Oblique"/>
+                <a:sym typeface="Avenir Book Oblique"/>
               </a:rPr>
-              <a:t>WITH</a:t>
-            </a:r>
-            <a:r>
-              <a:t>): One which selects all films and film titles, the other which counts the amount of times each film was rented</a:t>
-            </a:r>
-          </a:p>
-          <a:p>
-            <a:pPr lvl="1" marL="685800" indent="-228600">
-              <a:lnSpc>
-                <a:spcPct val="90000"/>
-              </a:lnSpc>
-              <a:spcBef>
-                <a:spcPts val="500"/>
-              </a:spcBef>
-              <a:buSzPct val="100000"/>
-              <a:buFont typeface="Arial"/>
-              <a:buChar char="•"/>
-              <a:defRPr sz="2400">
-                <a:latin typeface="Arial"/>
-                <a:ea typeface="Arial"/>
-                <a:cs typeface="Arial"/>
-                <a:sym typeface="Arial"/>
-              </a:defRPr>
-            </a:pPr>
-            <a:r>
-              <a:t>Join these two tables together to return the equivalent result of 1.</a:t>
+              <a:t>Difference between Subqueries and CTEs</a:t>
             </a:r>
           </a:p>
         </p:txBody>
@@ -4573,85 +4689,38 @@
           <a:chExt cx="0" cy="0"/>
         </a:xfrm>
       </p:grpSpPr>
-      <p:sp>
-        <p:nvSpPr>
-          <p:cNvPr id="117" name="Google Shape;66;p14"/>
-          <p:cNvSpPr/>
+      <p:pic>
+        <p:nvPicPr>
+          <p:cNvPr id="115" name="5f461d116006137.6059ac1f3a043.jpg" descr="5f461d116006137.6059ac1f3a043.jpg"/>
+          <p:cNvPicPr>
+            <a:picLocks noChangeAspect="1"/>
+          </p:cNvPicPr>
           <p:nvPr/>
-        </p:nvSpPr>
+        </p:nvPicPr>
+        <p:blipFill>
+          <a:blip r:embed="rId2">
+            <a:extLst/>
+          </a:blip>
+          <a:stretch>
+            <a:fillRect/>
+          </a:stretch>
+        </p:blipFill>
         <p:spPr>
           <a:xfrm>
-            <a:off x="-94867" y="-1"/>
-            <a:ext cx="12454400" cy="1822001"/>
+            <a:off x="-38625" y="-1281005"/>
+            <a:ext cx="12269250" cy="8179500"/>
           </a:xfrm>
           <a:prstGeom prst="rect">
             <a:avLst/>
           </a:prstGeom>
-          <a:solidFill>
-            <a:srgbClr val="264190"/>
-          </a:solidFill>
-          <a:ln w="38100">
-            <a:solidFill>
-              <a:srgbClr val="000000"/>
-            </a:solidFill>
+          <a:ln w="12700">
+            <a:miter lim="400000"/>
           </a:ln>
         </p:spPr>
-        <p:txBody>
-          <a:bodyPr lIns="0" tIns="0" rIns="0" bIns="0" anchor="ctr"/>
-          <a:lstStyle/>
-          <a:p>
-            <a:pPr defTabSz="1219200">
-              <a:defRPr>
-                <a:solidFill>
-                  <a:srgbClr val="F5B679"/>
-                </a:solidFill>
-                <a:latin typeface="Arial"/>
-                <a:ea typeface="Arial"/>
-                <a:cs typeface="Arial"/>
-                <a:sym typeface="Arial"/>
-              </a:defRPr>
-            </a:pPr>
-          </a:p>
-        </p:txBody>
-      </p:sp>
+      </p:pic>
       <p:sp>
         <p:nvSpPr>
-          <p:cNvPr id="118" name="Google Shape;67;p14"/>
-          <p:cNvSpPr/>
-          <p:nvPr/>
-        </p:nvSpPr>
-        <p:spPr>
-          <a:xfrm>
-            <a:off x="-189701" y="1764300"/>
-            <a:ext cx="12483202" cy="1"/>
-          </a:xfrm>
-          <a:prstGeom prst="line">
-            <a:avLst/>
-          </a:prstGeom>
-          <a:ln w="38100">
-            <a:solidFill>
-              <a:srgbClr val="000000"/>
-            </a:solidFill>
-          </a:ln>
-        </p:spPr>
-        <p:txBody>
-          <a:bodyPr lIns="0" tIns="0" rIns="0" bIns="0"/>
-          <a:lstStyle/>
-          <a:p>
-            <a:pPr defTabSz="1219200">
-              <a:defRPr>
-                <a:latin typeface="Arial"/>
-                <a:ea typeface="Arial"/>
-                <a:cs typeface="Arial"/>
-                <a:sym typeface="Arial"/>
-              </a:defRPr>
-            </a:pPr>
-          </a:p>
-        </p:txBody>
-      </p:sp>
-      <p:sp>
-        <p:nvSpPr>
-          <p:cNvPr id="119" name="2. Google Shape;68;p14"/>
+          <p:cNvPr id="116" name="Google Shape;55;p13"/>
           <p:cNvSpPr txBox="1"/>
           <p:nvPr>
             <p:ph type="title"/>
@@ -4659,42 +4728,46 @@
         </p:nvSpPr>
         <p:spPr>
           <a:xfrm>
-            <a:off x="451933" y="294754"/>
-            <a:ext cx="11360801" cy="1232492"/>
+            <a:off x="415599" y="265599"/>
+            <a:ext cx="11360802" cy="1320401"/>
           </a:xfrm>
           <a:prstGeom prst="rect">
             <a:avLst/>
           </a:prstGeom>
         </p:spPr>
         <p:txBody>
-          <a:bodyPr anchor="ctr"/>
+          <a:bodyPr/>
           <a:lstStyle>
-            <a:lvl1pPr>
-              <a:defRPr b="1" sz="6000">
-                <a:solidFill>
-                  <a:srgbClr val="FFFFFF"/>
-                </a:solidFill>
+            <a:lvl1pPr defTabSz="1109472">
+              <a:defRPr sz="6188">
+                <a:solidFill>
+                  <a:srgbClr val="FFFFFF"/>
+                </a:solidFill>
+                <a:latin typeface="Avenir Book"/>
+                <a:ea typeface="Avenir Book"/>
+                <a:cs typeface="Avenir Book"/>
+                <a:sym typeface="Avenir Book"/>
               </a:defRPr>
             </a:lvl1pPr>
           </a:lstStyle>
           <a:p>
             <a:pPr/>
             <a:r>
-              <a:t>Subqueries</a:t>
+              <a:t>Contents</a:t>
             </a:r>
           </a:p>
         </p:txBody>
       </p:sp>
       <p:sp>
         <p:nvSpPr>
-          <p:cNvPr id="120" name="Google Shape;69;p14"/>
+          <p:cNvPr id="117" name="Google Shape;69;p14"/>
           <p:cNvSpPr txBox="1"/>
           <p:nvPr/>
         </p:nvSpPr>
         <p:spPr>
           <a:xfrm>
-            <a:off x="875219" y="2001354"/>
-            <a:ext cx="10514228" cy="1666479"/>
+            <a:off x="2277333" y="1739919"/>
+            <a:ext cx="7637334" cy="3378162"/>
           </a:xfrm>
           <a:prstGeom prst="rect">
             <a:avLst/>
@@ -4714,423 +4787,108 @@
           </a:bodyPr>
           <a:lstStyle/>
           <a:p>
-            <a:pPr marL="574386" indent="-485486" defTabSz="1219200">
+            <a:pPr marL="320842" indent="-320842" defTabSz="1219200">
               <a:lnSpc>
                 <a:spcPct val="120000"/>
               </a:lnSpc>
-              <a:buClr>
-                <a:srgbClr val="000000"/>
-              </a:buClr>
-              <a:buSzPts val="2600"/>
-              <a:buFont typeface="Arial"/>
-              <a:buChar char="●"/>
-              <a:defRPr sz="2600">
-                <a:latin typeface="Arial"/>
-                <a:ea typeface="Arial"/>
-                <a:cs typeface="Arial"/>
-                <a:sym typeface="Arial"/>
+              <a:buSzPct val="100000"/>
+              <a:buChar char="•"/>
+              <a:defRPr sz="3200">
+                <a:solidFill>
+                  <a:srgbClr val="FFFFFF"/>
+                </a:solidFill>
+                <a:latin typeface="Avenir Heavy"/>
+                <a:ea typeface="Avenir Heavy"/>
+                <a:cs typeface="Avenir Heavy"/>
+                <a:sym typeface="Avenir Heavy"/>
               </a:defRPr>
             </a:pPr>
             <a:r>
-              <a:t>Notice that, when making a </a:t>
-            </a:r>
-            <a:r>
-              <a:rPr>
+              <a:t>Subqueries</a:t>
+            </a:r>
+          </a:p>
+          <a:p>
+            <a:pPr marL="320842" indent="-320842" defTabSz="1219200">
+              <a:lnSpc>
+                <a:spcPct val="120000"/>
+              </a:lnSpc>
+              <a:buSzPct val="100000"/>
+              <a:buChar char="•"/>
+              <a:defRPr sz="3200">
+                <a:solidFill>
+                  <a:srgbClr val="FFFFFF"/>
+                </a:solidFill>
+                <a:latin typeface="Avenir Heavy"/>
+                <a:ea typeface="Avenir Heavy"/>
+                <a:cs typeface="Avenir Heavy"/>
+                <a:sym typeface="Avenir Heavy"/>
+              </a:defRPr>
+            </a:pPr>
+            <a:r>
+              <a:t>Nested Subqueries</a:t>
+            </a:r>
+          </a:p>
+          <a:p>
+            <a:pPr marL="320842" indent="-320842" defTabSz="1219200">
+              <a:lnSpc>
+                <a:spcPct val="120000"/>
+              </a:lnSpc>
+              <a:buSzPct val="100000"/>
+              <a:buChar char="•"/>
+              <a:defRPr sz="3200">
+                <a:solidFill>
+                  <a:srgbClr val="FFFFFF"/>
+                </a:solidFill>
+                <a:latin typeface="Avenir Heavy"/>
+                <a:ea typeface="Avenir Heavy"/>
+                <a:cs typeface="Avenir Heavy"/>
+                <a:sym typeface="Avenir Heavy"/>
+              </a:defRPr>
+            </a:pPr>
+            <a:r>
+              <a:t>Derived Subqueries</a:t>
+            </a:r>
+          </a:p>
+          <a:p>
+            <a:pPr marL="320842" indent="-320842" defTabSz="1219200">
+              <a:lnSpc>
+                <a:spcPct val="120000"/>
+              </a:lnSpc>
+              <a:buSzPct val="100000"/>
+              <a:buChar char="•"/>
+              <a:defRPr sz="3200">
+                <a:solidFill>
+                  <a:srgbClr val="FFFFFF"/>
+                </a:solidFill>
                 <a:latin typeface="Courier New"/>
                 <a:ea typeface="Courier New"/>
                 <a:cs typeface="Courier New"/>
                 <a:sym typeface="Courier New"/>
-              </a:rPr>
-              <a:t>SELECT</a:t>
-            </a:r>
-            <a:r>
-              <a:t> query, it produce a table.</a:t>
-            </a:r>
-          </a:p>
-          <a:p>
-            <a:pPr marL="574386" indent="-485486" defTabSz="1219200">
+              </a:defRPr>
+            </a:pPr>
+            <a:r>
+              <a:t>UNION</a:t>
+            </a:r>
+          </a:p>
+          <a:p>
+            <a:pPr marL="320842" indent="-320842" defTabSz="1219200">
               <a:lnSpc>
                 <a:spcPct val="120000"/>
               </a:lnSpc>
-              <a:buClr>
-                <a:srgbClr val="000000"/>
-              </a:buClr>
-              <a:buSzPts val="2600"/>
-              <a:buFont typeface="Arial"/>
-              <a:buChar char="●"/>
-              <a:defRPr sz="2600">
-                <a:latin typeface="Arial"/>
-                <a:ea typeface="Arial"/>
-                <a:cs typeface="Arial"/>
-                <a:sym typeface="Arial"/>
+              <a:buSzPct val="100000"/>
+              <a:buChar char="•"/>
+              <a:defRPr sz="3200">
+                <a:solidFill>
+                  <a:srgbClr val="FFFFFF"/>
+                </a:solidFill>
+                <a:latin typeface="Avenir Heavy"/>
+                <a:ea typeface="Avenir Heavy"/>
+                <a:cs typeface="Avenir Heavy"/>
+                <a:sym typeface="Avenir Heavy"/>
               </a:defRPr>
             </a:pPr>
             <a:r>
-              <a:t>We can use a </a:t>
-            </a:r>
-            <a:r>
-              <a:rPr>
-                <a:latin typeface="Courier New"/>
-                <a:ea typeface="Courier New"/>
-                <a:cs typeface="Courier New"/>
-                <a:sym typeface="Courier New"/>
-              </a:rPr>
-              <a:t>SELECT </a:t>
-            </a:r>
-            <a:r>
-              <a:t>query on that output</a:t>
-            </a:r>
-          </a:p>
-          <a:p>
-            <a:pPr marL="574386" indent="-485486" defTabSz="1219200">
-              <a:lnSpc>
-                <a:spcPct val="120000"/>
-              </a:lnSpc>
-              <a:buClr>
-                <a:srgbClr val="000000"/>
-              </a:buClr>
-              <a:buSzPts val="2600"/>
-              <a:buFont typeface="Arial"/>
-              <a:buChar char="●"/>
-              <a:defRPr sz="2600">
-                <a:latin typeface="Arial"/>
-                <a:ea typeface="Arial"/>
-                <a:cs typeface="Arial"/>
-                <a:sym typeface="Arial"/>
-              </a:defRPr>
-            </a:pPr>
-            <a:r>
-              <a:t>We can use </a:t>
-            </a:r>
-            <a:r>
-              <a:rPr>
-                <a:latin typeface="Courier New"/>
-                <a:ea typeface="Courier New"/>
-                <a:cs typeface="Courier New"/>
-                <a:sym typeface="Courier New"/>
-              </a:rPr>
-              <a:t>WHERE IN</a:t>
-            </a:r>
-          </a:p>
-        </p:txBody>
-      </p:sp>
-      <p:sp>
-        <p:nvSpPr>
-          <p:cNvPr id="121" name="Rectángulo"/>
-          <p:cNvSpPr/>
-          <p:nvPr/>
-        </p:nvSpPr>
-        <p:spPr>
-          <a:xfrm>
-            <a:off x="3469958" y="3642992"/>
-            <a:ext cx="5163884" cy="3149672"/>
-          </a:xfrm>
-          <a:prstGeom prst="rect">
-            <a:avLst/>
-          </a:prstGeom>
-          <a:solidFill>
-            <a:srgbClr val="264190"/>
-          </a:solidFill>
-          <a:ln w="12700">
-            <a:solidFill>
-              <a:srgbClr val="000000"/>
-            </a:solidFill>
-            <a:miter/>
-          </a:ln>
-        </p:spPr>
-        <p:txBody>
-          <a:bodyPr lIns="45719" rIns="45719" anchor="ctr"/>
-          <a:lstStyle/>
-          <a:p>
-            <a:pPr/>
-          </a:p>
-        </p:txBody>
-      </p:sp>
-      <p:sp>
-        <p:nvSpPr>
-          <p:cNvPr id="122" name="SELECT {column}…"/>
-          <p:cNvSpPr txBox="1"/>
-          <p:nvPr/>
-        </p:nvSpPr>
-        <p:spPr>
-          <a:xfrm>
-            <a:off x="3568865" y="3766302"/>
-            <a:ext cx="2710605" cy="853441"/>
-          </a:xfrm>
-          <a:prstGeom prst="rect">
-            <a:avLst/>
-          </a:prstGeom>
-          <a:ln w="12700">
-            <a:miter lim="400000"/>
-          </a:ln>
-          <a:extLst>
-            <a:ext uri="{C572A759-6A51-4108-AA02-DFA0A04FC94B}">
-              <ma14:wrappingTextBoxFlag xmlns:ma14="http://schemas.microsoft.com/office/mac/drawingml/2011/main" val="1"/>
-            </a:ext>
-          </a:extLst>
-        </p:spPr>
-        <p:txBody>
-          <a:bodyPr wrap="none" lIns="45719" rIns="45719">
-            <a:spAutoFit/>
-          </a:bodyPr>
-          <a:lstStyle/>
-          <a:p>
-            <a:pPr>
-              <a:defRPr>
-                <a:solidFill>
-                  <a:srgbClr val="FFFFFF"/>
-                </a:solidFill>
-                <a:latin typeface="Courier New"/>
-                <a:ea typeface="Courier New"/>
-                <a:cs typeface="Courier New"/>
-                <a:sym typeface="Courier New"/>
-              </a:defRPr>
-            </a:pPr>
-            <a:r>
-              <a:t>SELECT {column} </a:t>
-            </a:r>
-          </a:p>
-          <a:p>
-            <a:pPr>
-              <a:defRPr>
-                <a:solidFill>
-                  <a:srgbClr val="FFFFFF"/>
-                </a:solidFill>
-                <a:latin typeface="Courier New"/>
-                <a:ea typeface="Courier New"/>
-                <a:cs typeface="Courier New"/>
-                <a:sym typeface="Courier New"/>
-              </a:defRPr>
-            </a:pPr>
-            <a:r>
-              <a:t>FROM {table}</a:t>
-            </a:r>
-          </a:p>
-          <a:p>
-            <a:pPr>
-              <a:defRPr>
-                <a:solidFill>
-                  <a:srgbClr val="FFFFFF"/>
-                </a:solidFill>
-                <a:latin typeface="Courier New"/>
-                <a:ea typeface="Courier New"/>
-                <a:cs typeface="Courier New"/>
-                <a:sym typeface="Courier New"/>
-              </a:defRPr>
-            </a:pPr>
-            <a:r>
-              <a:t>WHERE {column} IN (</a:t>
-            </a:r>
-          </a:p>
-        </p:txBody>
-      </p:sp>
-      <p:sp>
-        <p:nvSpPr>
-          <p:cNvPr id="123" name="{SELECT query}"/>
-          <p:cNvSpPr/>
-          <p:nvPr/>
-        </p:nvSpPr>
-        <p:spPr>
-          <a:xfrm>
-            <a:off x="4679443" y="4694826"/>
-            <a:ext cx="3549498" cy="1046004"/>
-          </a:xfrm>
-          <a:prstGeom prst="rect">
-            <a:avLst/>
-          </a:prstGeom>
-          <a:solidFill>
-            <a:srgbClr val="FFFFFF"/>
-          </a:solidFill>
-          <a:ln w="12700">
-            <a:solidFill>
-              <a:schemeClr val="accent1"/>
-            </a:solidFill>
-            <a:miter/>
-          </a:ln>
-          <a:extLst>
-            <a:ext uri="{C572A759-6A51-4108-AA02-DFA0A04FC94B}">
-              <ma14:wrappingTextBoxFlag xmlns:ma14="http://schemas.microsoft.com/office/mac/drawingml/2011/main" val="1"/>
-            </a:ext>
-          </a:extLst>
-        </p:spPr>
-        <p:txBody>
-          <a:bodyPr lIns="45719" rIns="45719" anchor="ctr"/>
-          <a:lstStyle>
-            <a:lvl1pPr>
-              <a:defRPr>
-                <a:solidFill>
-                  <a:srgbClr val="264190"/>
-                </a:solidFill>
-                <a:latin typeface="Courier New"/>
-                <a:ea typeface="Courier New"/>
-                <a:cs typeface="Courier New"/>
-                <a:sym typeface="Courier New"/>
-              </a:defRPr>
-            </a:lvl1pPr>
-          </a:lstStyle>
-          <a:p>
-            <a:pPr/>
-            <a:r>
-              <a:t>{SELECT query}</a:t>
-            </a:r>
-          </a:p>
-        </p:txBody>
-      </p:sp>
-      <p:sp>
-        <p:nvSpPr>
-          <p:cNvPr id="124" name=")…"/>
-          <p:cNvSpPr txBox="1"/>
-          <p:nvPr/>
-        </p:nvSpPr>
-        <p:spPr>
-          <a:xfrm>
-            <a:off x="3568865" y="5815913"/>
-            <a:ext cx="3259334" cy="853441"/>
-          </a:xfrm>
-          <a:prstGeom prst="rect">
-            <a:avLst/>
-          </a:prstGeom>
-          <a:ln w="12700">
-            <a:miter lim="400000"/>
-          </a:ln>
-          <a:extLst>
-            <a:ext uri="{C572A759-6A51-4108-AA02-DFA0A04FC94B}">
-              <ma14:wrappingTextBoxFlag xmlns:ma14="http://schemas.microsoft.com/office/mac/drawingml/2011/main" val="1"/>
-            </a:ext>
-          </a:extLst>
-        </p:spPr>
-        <p:txBody>
-          <a:bodyPr wrap="none" lIns="45719" rIns="45719">
-            <a:spAutoFit/>
-          </a:bodyPr>
-          <a:lstStyle/>
-          <a:p>
-            <a:pPr lvl="4">
-              <a:defRPr>
-                <a:solidFill>
-                  <a:srgbClr val="FFFFFF"/>
-                </a:solidFill>
-                <a:latin typeface="Courier New"/>
-                <a:ea typeface="Courier New"/>
-                <a:cs typeface="Courier New"/>
-                <a:sym typeface="Courier New"/>
-              </a:defRPr>
-            </a:pPr>
-            <a:r>
-              <a:t>)</a:t>
-            </a:r>
-          </a:p>
-          <a:p>
-            <a:pPr lvl="4">
-              <a:defRPr>
-                <a:solidFill>
-                  <a:srgbClr val="FFFFFF"/>
-                </a:solidFill>
-                <a:latin typeface="Courier New"/>
-                <a:ea typeface="Courier New"/>
-                <a:cs typeface="Courier New"/>
-                <a:sym typeface="Courier New"/>
-              </a:defRPr>
-            </a:pPr>
-          </a:p>
-          <a:p>
-            <a:pPr>
-              <a:defRPr>
-                <a:solidFill>
-                  <a:srgbClr val="FFFFFF"/>
-                </a:solidFill>
-                <a:latin typeface="Courier New"/>
-                <a:ea typeface="Courier New"/>
-                <a:cs typeface="Courier New"/>
-                <a:sym typeface="Courier New"/>
-              </a:defRPr>
-            </a:pPr>
-            <a:r>
-              <a:t>{Additional statements}</a:t>
-            </a:r>
-          </a:p>
-        </p:txBody>
-      </p:sp>
-      <p:sp>
-        <p:nvSpPr>
-          <p:cNvPr id="125" name="Outer query"/>
-          <p:cNvSpPr txBox="1"/>
-          <p:nvPr/>
-        </p:nvSpPr>
-        <p:spPr>
-          <a:xfrm>
-            <a:off x="7325392" y="3705920"/>
-            <a:ext cx="1210641" cy="333089"/>
-          </a:xfrm>
-          <a:prstGeom prst="rect">
-            <a:avLst/>
-          </a:prstGeom>
-          <a:ln w="12700">
-            <a:miter lim="400000"/>
-          </a:ln>
-          <a:extLst>
-            <a:ext uri="{C572A759-6A51-4108-AA02-DFA0A04FC94B}">
-              <ma14:wrappingTextBoxFlag xmlns:ma14="http://schemas.microsoft.com/office/mac/drawingml/2011/main" val="1"/>
-            </a:ext>
-          </a:extLst>
-        </p:spPr>
-        <p:txBody>
-          <a:bodyPr wrap="none" lIns="45719" rIns="45719">
-            <a:spAutoFit/>
-          </a:bodyPr>
-          <a:lstStyle>
-            <a:lvl1pPr>
-              <a:defRPr i="1">
-                <a:solidFill>
-                  <a:schemeClr val="accent4"/>
-                </a:solidFill>
-              </a:defRPr>
-            </a:lvl1pPr>
-          </a:lstStyle>
-          <a:p>
-            <a:pPr/>
-            <a:r>
-              <a:t>Outer query</a:t>
-            </a:r>
-          </a:p>
-        </p:txBody>
-      </p:sp>
-      <p:sp>
-        <p:nvSpPr>
-          <p:cNvPr id="126" name="Inner query"/>
-          <p:cNvSpPr txBox="1"/>
-          <p:nvPr/>
-        </p:nvSpPr>
-        <p:spPr>
-          <a:xfrm>
-            <a:off x="6853898" y="4696302"/>
-            <a:ext cx="1162086" cy="333088"/>
-          </a:xfrm>
-          <a:prstGeom prst="rect">
-            <a:avLst/>
-          </a:prstGeom>
-          <a:ln w="12700">
-            <a:miter lim="400000"/>
-          </a:ln>
-          <a:extLst>
-            <a:ext uri="{C572A759-6A51-4108-AA02-DFA0A04FC94B}">
-              <ma14:wrappingTextBoxFlag xmlns:ma14="http://schemas.microsoft.com/office/mac/drawingml/2011/main" val="1"/>
-            </a:ext>
-          </a:extLst>
-        </p:spPr>
-        <p:txBody>
-          <a:bodyPr wrap="none" lIns="45719" rIns="45719">
-            <a:spAutoFit/>
-          </a:bodyPr>
-          <a:lstStyle>
-            <a:lvl1pPr>
-              <a:defRPr i="1"/>
-            </a:lvl1pPr>
-          </a:lstStyle>
-          <a:p>
-            <a:pPr/>
-            <a:r>
-              <a:t>Inner query</a:t>
+              <a:t>Common Table Expressions (CTE)</a:t>
             </a:r>
           </a:p>
         </p:txBody>
@@ -5168,85 +4926,38 @@
           <a:chExt cx="0" cy="0"/>
         </a:xfrm>
       </p:grpSpPr>
-      <p:sp>
-        <p:nvSpPr>
-          <p:cNvPr id="128" name="Google Shape;66;p14"/>
-          <p:cNvSpPr/>
+      <p:pic>
+        <p:nvPicPr>
+          <p:cNvPr id="119" name="5f461d116006137.6059ac1f3a043.jpg" descr="5f461d116006137.6059ac1f3a043.jpg"/>
+          <p:cNvPicPr>
+            <a:picLocks noChangeAspect="1"/>
+          </p:cNvPicPr>
           <p:nvPr/>
-        </p:nvSpPr>
+        </p:nvPicPr>
+        <p:blipFill>
+          <a:blip r:embed="rId2">
+            <a:extLst/>
+          </a:blip>
+          <a:stretch>
+            <a:fillRect/>
+          </a:stretch>
+        </p:blipFill>
         <p:spPr>
           <a:xfrm>
-            <a:off x="-94867" y="-1"/>
-            <a:ext cx="12454400" cy="1822001"/>
+            <a:off x="-38625" y="-1281005"/>
+            <a:ext cx="12269250" cy="8179500"/>
           </a:xfrm>
           <a:prstGeom prst="rect">
             <a:avLst/>
           </a:prstGeom>
-          <a:solidFill>
-            <a:srgbClr val="264190"/>
-          </a:solidFill>
-          <a:ln w="38100">
-            <a:solidFill>
-              <a:srgbClr val="000000"/>
-            </a:solidFill>
+          <a:ln w="12700">
+            <a:miter lim="400000"/>
           </a:ln>
         </p:spPr>
-        <p:txBody>
-          <a:bodyPr lIns="0" tIns="0" rIns="0" bIns="0" anchor="ctr"/>
-          <a:lstStyle/>
-          <a:p>
-            <a:pPr defTabSz="1219200">
-              <a:defRPr>
-                <a:solidFill>
-                  <a:srgbClr val="F5B679"/>
-                </a:solidFill>
-                <a:latin typeface="Arial"/>
-                <a:ea typeface="Arial"/>
-                <a:cs typeface="Arial"/>
-                <a:sym typeface="Arial"/>
-              </a:defRPr>
-            </a:pPr>
-          </a:p>
-        </p:txBody>
-      </p:sp>
+      </p:pic>
       <p:sp>
         <p:nvSpPr>
-          <p:cNvPr id="129" name="Google Shape;67;p14"/>
-          <p:cNvSpPr/>
-          <p:nvPr/>
-        </p:nvSpPr>
-        <p:spPr>
-          <a:xfrm>
-            <a:off x="-189701" y="1764300"/>
-            <a:ext cx="12483202" cy="1"/>
-          </a:xfrm>
-          <a:prstGeom prst="line">
-            <a:avLst/>
-          </a:prstGeom>
-          <a:ln w="38100">
-            <a:solidFill>
-              <a:srgbClr val="000000"/>
-            </a:solidFill>
-          </a:ln>
-        </p:spPr>
-        <p:txBody>
-          <a:bodyPr lIns="0" tIns="0" rIns="0" bIns="0"/>
-          <a:lstStyle/>
-          <a:p>
-            <a:pPr defTabSz="1219200">
-              <a:defRPr>
-                <a:latin typeface="Arial"/>
-                <a:ea typeface="Arial"/>
-                <a:cs typeface="Arial"/>
-                <a:sym typeface="Arial"/>
-              </a:defRPr>
-            </a:pPr>
-          </a:p>
-        </p:txBody>
-      </p:sp>
-      <p:sp>
-        <p:nvSpPr>
-          <p:cNvPr id="130" name="2. Google Shape;68;p14"/>
+          <p:cNvPr id="120" name="Google Shape;55;p13"/>
           <p:cNvSpPr txBox="1"/>
           <p:nvPr>
             <p:ph type="title"/>
@@ -5254,21 +4965,25 @@
         </p:nvSpPr>
         <p:spPr>
           <a:xfrm>
-            <a:off x="451933" y="294754"/>
-            <a:ext cx="11360801" cy="1232492"/>
+            <a:off x="415599" y="265599"/>
+            <a:ext cx="11360802" cy="1320401"/>
           </a:xfrm>
           <a:prstGeom prst="rect">
             <a:avLst/>
           </a:prstGeom>
         </p:spPr>
         <p:txBody>
-          <a:bodyPr anchor="ctr"/>
+          <a:bodyPr/>
           <a:lstStyle>
-            <a:lvl1pPr>
-              <a:defRPr b="1" sz="6000">
-                <a:solidFill>
-                  <a:srgbClr val="FFFFFF"/>
-                </a:solidFill>
+            <a:lvl1pPr defTabSz="1109472">
+              <a:defRPr sz="6188">
+                <a:solidFill>
+                  <a:srgbClr val="FFFFFF"/>
+                </a:solidFill>
+                <a:latin typeface="Avenir Book"/>
+                <a:ea typeface="Avenir Book"/>
+                <a:cs typeface="Avenir Book"/>
+                <a:sym typeface="Avenir Book"/>
               </a:defRPr>
             </a:lvl1pPr>
           </a:lstStyle>
@@ -5282,14 +4997,14 @@
       </p:sp>
       <p:sp>
         <p:nvSpPr>
-          <p:cNvPr id="131" name="Google Shape;69;p14"/>
+          <p:cNvPr id="121" name="Google Shape;69;p14"/>
           <p:cNvSpPr txBox="1"/>
           <p:nvPr/>
         </p:nvSpPr>
         <p:spPr>
           <a:xfrm>
             <a:off x="875219" y="2001354"/>
-            <a:ext cx="10514228" cy="655881"/>
+            <a:ext cx="10514228" cy="1809083"/>
           </a:xfrm>
           <a:prstGeom prst="rect">
             <a:avLst/>
@@ -5309,17 +5024,16 @@
           </a:bodyPr>
           <a:lstStyle/>
           <a:p>
-            <a:pPr marL="574386" indent="-485486" defTabSz="1219200">
+            <a:pPr marL="260684" indent="-260684" defTabSz="1219200">
               <a:lnSpc>
                 <a:spcPct val="120000"/>
               </a:lnSpc>
-              <a:buClr>
-                <a:srgbClr val="000000"/>
-              </a:buClr>
-              <a:buSzPts val="2600"/>
-              <a:buFont typeface="Arial"/>
-              <a:buChar char="●"/>
+              <a:buSzPct val="100000"/>
+              <a:buChar char="•"/>
               <a:defRPr sz="2600">
+                <a:solidFill>
+                  <a:srgbClr val="FFFFFF"/>
+                </a:solidFill>
                 <a:latin typeface="Arial"/>
                 <a:ea typeface="Arial"/>
                 <a:cs typeface="Arial"/>
@@ -5327,7 +5041,13 @@
               </a:defRPr>
             </a:pPr>
             <a:r>
-              <a:t>We can also use </a:t>
+              <a:rPr>
+                <a:latin typeface="Avenir Book"/>
+                <a:ea typeface="Avenir Book"/>
+                <a:cs typeface="Avenir Book"/>
+                <a:sym typeface="Avenir Book"/>
+              </a:rPr>
+              <a:t>Notice that, when making a </a:t>
             </a:r>
             <a:r>
               <a:rPr>
@@ -5336,21 +5056,129 @@
                 <a:cs typeface="Courier New"/>
                 <a:sym typeface="Courier New"/>
               </a:rPr>
-              <a:t>JOIN </a:t>
+              <a:t>SELECT</a:t>
+            </a:r>
+            <a:r>
+              <a:t> </a:t>
+            </a:r>
+            <a:r>
+              <a:rPr>
+                <a:latin typeface="Avenir Book"/>
+                <a:ea typeface="Avenir Book"/>
+                <a:cs typeface="Avenir Book"/>
+                <a:sym typeface="Avenir Book"/>
+              </a:rPr>
+              <a:t>query, it produce a table.</a:t>
+            </a:r>
+            <a:endParaRPr>
+              <a:latin typeface="Avenir Book"/>
+              <a:ea typeface="Avenir Book"/>
+              <a:cs typeface="Avenir Book"/>
+              <a:sym typeface="Avenir Book"/>
+            </a:endParaRPr>
+          </a:p>
+          <a:p>
+            <a:pPr marL="260684" indent="-260684" defTabSz="1219200">
+              <a:lnSpc>
+                <a:spcPct val="120000"/>
+              </a:lnSpc>
+              <a:buSzPct val="100000"/>
+              <a:buChar char="•"/>
+              <a:defRPr sz="2600">
+                <a:solidFill>
+                  <a:srgbClr val="FFFFFF"/>
+                </a:solidFill>
+                <a:latin typeface="Arial"/>
+                <a:ea typeface="Arial"/>
+                <a:cs typeface="Arial"/>
+                <a:sym typeface="Arial"/>
+              </a:defRPr>
+            </a:pPr>
+            <a:r>
+              <a:rPr>
+                <a:latin typeface="Avenir Book"/>
+                <a:ea typeface="Avenir Book"/>
+                <a:cs typeface="Avenir Book"/>
+                <a:sym typeface="Avenir Book"/>
+              </a:rPr>
+              <a:t>We can use a </a:t>
+            </a:r>
+            <a:r>
+              <a:rPr>
+                <a:latin typeface="Courier New"/>
+                <a:ea typeface="Courier New"/>
+                <a:cs typeface="Courier New"/>
+                <a:sym typeface="Courier New"/>
+              </a:rPr>
+              <a:t>SELECT </a:t>
+            </a:r>
+            <a:r>
+              <a:rPr>
+                <a:latin typeface="Avenir Book"/>
+                <a:ea typeface="Avenir Book"/>
+                <a:cs typeface="Avenir Book"/>
+                <a:sym typeface="Avenir Book"/>
+              </a:rPr>
+              <a:t>query on that output</a:t>
+            </a:r>
+            <a:endParaRPr>
+              <a:latin typeface="Avenir Book"/>
+              <a:ea typeface="Avenir Book"/>
+              <a:cs typeface="Avenir Book"/>
+              <a:sym typeface="Avenir Book"/>
+            </a:endParaRPr>
+          </a:p>
+          <a:p>
+            <a:pPr marL="260684" indent="-260684" defTabSz="1219200">
+              <a:lnSpc>
+                <a:spcPct val="120000"/>
+              </a:lnSpc>
+              <a:buSzPct val="100000"/>
+              <a:buChar char="•"/>
+              <a:defRPr sz="2600">
+                <a:solidFill>
+                  <a:srgbClr val="FFFFFF"/>
+                </a:solidFill>
+                <a:latin typeface="Arial"/>
+                <a:ea typeface="Arial"/>
+                <a:cs typeface="Arial"/>
+                <a:sym typeface="Arial"/>
+              </a:defRPr>
+            </a:pPr>
+            <a:r>
+              <a:rPr>
+                <a:latin typeface="Avenir Book"/>
+                <a:ea typeface="Avenir Book"/>
+                <a:cs typeface="Avenir Book"/>
+                <a:sym typeface="Avenir Book"/>
+              </a:rPr>
+              <a:t>We can use</a:t>
+            </a:r>
+            <a:r>
+              <a:t> </a:t>
+            </a:r>
+            <a:r>
+              <a:rPr>
+                <a:latin typeface="Courier New"/>
+                <a:ea typeface="Courier New"/>
+                <a:cs typeface="Courier New"/>
+                <a:sym typeface="Courier New"/>
+              </a:rPr>
+              <a:t>WHERE IN</a:t>
             </a:r>
           </a:p>
         </p:txBody>
       </p:sp>
       <p:sp>
         <p:nvSpPr>
-          <p:cNvPr id="132" name="Rectángulo"/>
+          <p:cNvPr id="122" name="Rectángulo"/>
           <p:cNvSpPr/>
           <p:nvPr/>
         </p:nvSpPr>
         <p:spPr>
           <a:xfrm>
-            <a:off x="2124288" y="2881588"/>
-            <a:ext cx="8016090" cy="3467611"/>
+            <a:off x="3469958" y="3642992"/>
+            <a:ext cx="5163884" cy="3149672"/>
           </a:xfrm>
           <a:prstGeom prst="rect">
             <a:avLst/>
@@ -5375,14 +5203,14 @@
       </p:sp>
       <p:sp>
         <p:nvSpPr>
-          <p:cNvPr id="133" name="SELECT {column}…"/>
+          <p:cNvPr id="123" name="SELECT {column}…"/>
           <p:cNvSpPr txBox="1"/>
           <p:nvPr/>
         </p:nvSpPr>
         <p:spPr>
           <a:xfrm>
-            <a:off x="2223195" y="3002280"/>
-            <a:ext cx="2299058" cy="853441"/>
+            <a:off x="3568865" y="3766302"/>
+            <a:ext cx="2710605" cy="853441"/>
           </a:xfrm>
           <a:prstGeom prst="rect">
             <a:avLst/>
@@ -5446,20 +5274,20 @@
               </a:defRPr>
             </a:pPr>
             <a:r>
-              <a:t>JOIN         (</a:t>
+              <a:t>WHERE {column} IN (</a:t>
             </a:r>
           </a:p>
         </p:txBody>
       </p:sp>
       <p:sp>
         <p:nvSpPr>
-          <p:cNvPr id="134" name="{SELECT query}"/>
+          <p:cNvPr id="124" name="{SELECT query}"/>
           <p:cNvSpPr/>
           <p:nvPr/>
         </p:nvSpPr>
         <p:spPr>
           <a:xfrm>
-            <a:off x="4277151" y="3896380"/>
+            <a:off x="4679443" y="4694826"/>
             <a:ext cx="3549498" cy="1046004"/>
           </a:xfrm>
           <a:prstGeom prst="rect">
@@ -5505,14 +5333,14 @@
       </p:sp>
       <p:sp>
         <p:nvSpPr>
-          <p:cNvPr id="135" name=") {Inner_query_name}…"/>
+          <p:cNvPr id="125" name=")…"/>
           <p:cNvSpPr txBox="1"/>
           <p:nvPr/>
         </p:nvSpPr>
         <p:spPr>
           <a:xfrm>
-            <a:off x="2223195" y="5074649"/>
-            <a:ext cx="7923534" cy="1107441"/>
+            <a:off x="3568865" y="5815913"/>
+            <a:ext cx="3259334" cy="853441"/>
           </a:xfrm>
           <a:prstGeom prst="rect">
             <a:avLst/>
@@ -5544,7 +5372,7 @@
               </a:defRPr>
             </a:pPr>
             <a:r>
-              <a:t>) {Inner_query_name}</a:t>
+              <a:t>)</a:t>
             </a:r>
           </a:p>
           <a:p>
@@ -5573,22 +5401,6 @@
               </a:defRPr>
             </a:pPr>
             <a:r>
-              <a:t>ON {Inner_query_name}.{common_key} = {table}.{common_key}</a:t>
-            </a:r>
-          </a:p>
-          <a:p>
-            <a:pPr>
-              <a:defRPr>
-                <a:solidFill>
-                  <a:srgbClr val="FFFFFF"/>
-                </a:solidFill>
-                <a:latin typeface="Courier New"/>
-                <a:ea typeface="Courier New"/>
-                <a:cs typeface="Courier New"/>
-                <a:sym typeface="Courier New"/>
-              </a:defRPr>
-            </a:pPr>
-            <a:r>
               <a:t>{Additional statements}</a:t>
             </a:r>
           </a:p>
@@ -5596,13 +5408,13 @@
       </p:sp>
       <p:sp>
         <p:nvSpPr>
-          <p:cNvPr id="136" name="Outer query"/>
+          <p:cNvPr id="126" name="Outer query"/>
           <p:cNvSpPr txBox="1"/>
           <p:nvPr/>
         </p:nvSpPr>
         <p:spPr>
           <a:xfrm>
-            <a:off x="8826785" y="3002280"/>
+            <a:off x="7325392" y="3705920"/>
             <a:ext cx="1210641" cy="333088"/>
           </a:xfrm>
           <a:prstGeom prst="rect">
@@ -5640,14 +5452,14 @@
       </p:sp>
       <p:sp>
         <p:nvSpPr>
-          <p:cNvPr id="137" name="Inner query"/>
+          <p:cNvPr id="127" name="Inner query"/>
           <p:cNvSpPr txBox="1"/>
           <p:nvPr/>
         </p:nvSpPr>
         <p:spPr>
           <a:xfrm>
-            <a:off x="6451607" y="4252838"/>
-            <a:ext cx="1162085" cy="333088"/>
+            <a:off x="6853898" y="4696302"/>
+            <a:ext cx="1162086" cy="333088"/>
           </a:xfrm>
           <a:prstGeom prst="rect">
             <a:avLst/>
@@ -5711,85 +5523,38 @@
           <a:chExt cx="0" cy="0"/>
         </a:xfrm>
       </p:grpSpPr>
-      <p:sp>
-        <p:nvSpPr>
-          <p:cNvPr id="139" name="Google Shape;66;p14"/>
-          <p:cNvSpPr/>
+      <p:pic>
+        <p:nvPicPr>
+          <p:cNvPr id="129" name="5f461d116006137.6059ac1f3a043.jpg" descr="5f461d116006137.6059ac1f3a043.jpg"/>
+          <p:cNvPicPr>
+            <a:picLocks noChangeAspect="1"/>
+          </p:cNvPicPr>
           <p:nvPr/>
-        </p:nvSpPr>
+        </p:nvPicPr>
+        <p:blipFill>
+          <a:blip r:embed="rId2">
+            <a:extLst/>
+          </a:blip>
+          <a:stretch>
+            <a:fillRect/>
+          </a:stretch>
+        </p:blipFill>
         <p:spPr>
           <a:xfrm>
-            <a:off x="-94867" y="-1"/>
-            <a:ext cx="12454400" cy="1822001"/>
+            <a:off x="-38625" y="-1281005"/>
+            <a:ext cx="12269250" cy="8179500"/>
           </a:xfrm>
           <a:prstGeom prst="rect">
             <a:avLst/>
           </a:prstGeom>
-          <a:solidFill>
-            <a:srgbClr val="264190"/>
-          </a:solidFill>
-          <a:ln w="38100">
-            <a:solidFill>
-              <a:srgbClr val="000000"/>
-            </a:solidFill>
+          <a:ln w="12700">
+            <a:miter lim="400000"/>
           </a:ln>
         </p:spPr>
-        <p:txBody>
-          <a:bodyPr lIns="0" tIns="0" rIns="0" bIns="0" anchor="ctr"/>
-          <a:lstStyle/>
-          <a:p>
-            <a:pPr defTabSz="1219200">
-              <a:defRPr>
-                <a:solidFill>
-                  <a:srgbClr val="F5B679"/>
-                </a:solidFill>
-                <a:latin typeface="Arial"/>
-                <a:ea typeface="Arial"/>
-                <a:cs typeface="Arial"/>
-                <a:sym typeface="Arial"/>
-              </a:defRPr>
-            </a:pPr>
-          </a:p>
-        </p:txBody>
-      </p:sp>
+      </p:pic>
       <p:sp>
         <p:nvSpPr>
-          <p:cNvPr id="140" name="Google Shape;67;p14"/>
-          <p:cNvSpPr/>
-          <p:nvPr/>
-        </p:nvSpPr>
-        <p:spPr>
-          <a:xfrm>
-            <a:off x="-189701" y="1764300"/>
-            <a:ext cx="12483202" cy="1"/>
-          </a:xfrm>
-          <a:prstGeom prst="line">
-            <a:avLst/>
-          </a:prstGeom>
-          <a:ln w="38100">
-            <a:solidFill>
-              <a:srgbClr val="000000"/>
-            </a:solidFill>
-          </a:ln>
-        </p:spPr>
-        <p:txBody>
-          <a:bodyPr lIns="0" tIns="0" rIns="0" bIns="0"/>
-          <a:lstStyle/>
-          <a:p>
-            <a:pPr defTabSz="1219200">
-              <a:defRPr>
-                <a:latin typeface="Arial"/>
-                <a:ea typeface="Arial"/>
-                <a:cs typeface="Arial"/>
-                <a:sym typeface="Arial"/>
-              </a:defRPr>
-            </a:pPr>
-          </a:p>
-        </p:txBody>
-      </p:sp>
-      <p:sp>
-        <p:nvSpPr>
-          <p:cNvPr id="141" name="2. Google Shape;68;p14"/>
+          <p:cNvPr id="130" name="Google Shape;55;p13"/>
           <p:cNvSpPr txBox="1"/>
           <p:nvPr>
             <p:ph type="title"/>
@@ -5797,21 +5562,25 @@
         </p:nvSpPr>
         <p:spPr>
           <a:xfrm>
-            <a:off x="451933" y="294754"/>
-            <a:ext cx="11360801" cy="1232492"/>
+            <a:off x="415599" y="265599"/>
+            <a:ext cx="11360802" cy="1320401"/>
           </a:xfrm>
           <a:prstGeom prst="rect">
             <a:avLst/>
           </a:prstGeom>
         </p:spPr>
         <p:txBody>
-          <a:bodyPr anchor="ctr"/>
+          <a:bodyPr/>
           <a:lstStyle>
-            <a:lvl1pPr>
-              <a:defRPr b="1" sz="6000">
-                <a:solidFill>
-                  <a:srgbClr val="FFFFFF"/>
-                </a:solidFill>
+            <a:lvl1pPr defTabSz="1109472">
+              <a:defRPr sz="6188">
+                <a:solidFill>
+                  <a:srgbClr val="FFFFFF"/>
+                </a:solidFill>
+                <a:latin typeface="Avenir Book"/>
+                <a:ea typeface="Avenir Book"/>
+                <a:cs typeface="Avenir Book"/>
+                <a:sym typeface="Avenir Book"/>
               </a:defRPr>
             </a:lvl1pPr>
           </a:lstStyle>
@@ -5825,14 +5594,14 @@
       </p:sp>
       <p:sp>
         <p:nvSpPr>
-          <p:cNvPr id="142" name="Google Shape;69;p14"/>
+          <p:cNvPr id="131" name="Google Shape;69;p14"/>
           <p:cNvSpPr txBox="1"/>
           <p:nvPr/>
         </p:nvSpPr>
         <p:spPr>
           <a:xfrm>
-            <a:off x="980666" y="2001354"/>
-            <a:ext cx="8869838" cy="4752681"/>
+            <a:off x="875219" y="2001354"/>
+            <a:ext cx="10514228" cy="701001"/>
           </a:xfrm>
           <a:prstGeom prst="rect">
             <a:avLst/>
@@ -5859,6 +5628,9 @@
               <a:buSzPct val="100000"/>
               <a:buChar char="•"/>
               <a:defRPr sz="2600">
+                <a:solidFill>
+                  <a:srgbClr val="FFFFFF"/>
+                </a:solidFill>
                 <a:latin typeface="Arial"/>
                 <a:ea typeface="Arial"/>
                 <a:cs typeface="Arial"/>
@@ -5866,128 +5638,55 @@
               </a:defRPr>
             </a:pPr>
             <a:r>
-              <a:t>For example: Find the actors that played a role in film 2</a:t>
-            </a:r>
-          </a:p>
-          <a:p>
-            <a:pPr defTabSz="1219200">
-              <a:lnSpc>
-                <a:spcPct val="120000"/>
-              </a:lnSpc>
-              <a:defRPr sz="2600">
+              <a:rPr>
+                <a:latin typeface="Avenir Book"/>
+                <a:ea typeface="Avenir Book"/>
+                <a:cs typeface="Avenir Book"/>
+                <a:sym typeface="Avenir Book"/>
+              </a:rPr>
+              <a:t>We can also use</a:t>
+            </a:r>
+            <a:r>
+              <a:t> </a:t>
+            </a:r>
+            <a:r>
+              <a:rPr>
                 <a:latin typeface="Courier New"/>
                 <a:ea typeface="Courier New"/>
                 <a:cs typeface="Courier New"/>
                 <a:sym typeface="Courier New"/>
-              </a:defRPr>
-            </a:pPr>
-          </a:p>
-          <a:p>
-            <a:pPr defTabSz="1219200">
-              <a:lnSpc>
-                <a:spcPct val="120000"/>
-              </a:lnSpc>
-              <a:defRPr sz="2600">
-                <a:latin typeface="Courier New"/>
-                <a:ea typeface="Courier New"/>
-                <a:cs typeface="Courier New"/>
-                <a:sym typeface="Courier New"/>
-              </a:defRPr>
-            </a:pPr>
-            <a:r>
-              <a:t>SELECT * </a:t>
-            </a:r>
-            <a:br/>
-            <a:r>
-              <a:t>FROM actor</a:t>
-            </a:r>
-            <a:br/>
-            <a:r>
-              <a:t>WHERE actor_id IN </a:t>
-            </a:r>
-            <a:br/>
-            <a:r>
-              <a:t>	(</a:t>
-            </a:r>
-          </a:p>
-          <a:p>
-            <a:pPr defTabSz="1219200">
-              <a:lnSpc>
-                <a:spcPct val="120000"/>
-              </a:lnSpc>
-              <a:defRPr sz="2600">
-                <a:latin typeface="Courier New"/>
-                <a:ea typeface="Courier New"/>
-                <a:cs typeface="Courier New"/>
-                <a:sym typeface="Courier New"/>
-              </a:defRPr>
-            </a:pPr>
-            <a:r>
-              <a:t>       SELECT actor_id </a:t>
-            </a:r>
-          </a:p>
-          <a:p>
-            <a:pPr defTabSz="1219200">
-              <a:lnSpc>
-                <a:spcPct val="120000"/>
-              </a:lnSpc>
-              <a:defRPr sz="2600">
-                <a:latin typeface="Courier New"/>
-                <a:ea typeface="Courier New"/>
-                <a:cs typeface="Courier New"/>
-                <a:sym typeface="Courier New"/>
-              </a:defRPr>
-            </a:pPr>
-            <a:r>
-              <a:t>       FROM film_actor</a:t>
-            </a:r>
-            <a:br/>
-            <a:r>
-              <a:t>	 WHERE film_id = 2</a:t>
-            </a:r>
-          </a:p>
-          <a:p>
-            <a:pPr lvl="6" indent="1371600" defTabSz="1219200">
-              <a:lnSpc>
-                <a:spcPct val="120000"/>
-              </a:lnSpc>
-              <a:defRPr sz="2600">
-                <a:latin typeface="Courier New"/>
-                <a:ea typeface="Courier New"/>
-                <a:cs typeface="Courier New"/>
-                <a:sym typeface="Courier New"/>
-              </a:defRPr>
-            </a:pPr>
-            <a:r>
-              <a:t>)</a:t>
+              </a:rPr>
+              <a:t>JOIN </a:t>
             </a:r>
           </a:p>
         </p:txBody>
       </p:sp>
       <p:sp>
         <p:nvSpPr>
-          <p:cNvPr id="143" name="Línea"/>
+          <p:cNvPr id="132" name="Rectángulo"/>
           <p:cNvSpPr/>
           <p:nvPr/>
         </p:nvSpPr>
         <p:spPr>
-          <a:xfrm flipH="1">
-            <a:off x="6314763" y="4787707"/>
-            <a:ext cx="2194606" cy="783914"/>
+          <a:xfrm>
+            <a:off x="2124288" y="2881588"/>
+            <a:ext cx="8016090" cy="3467611"/>
           </a:xfrm>
-          <a:prstGeom prst="line">
+          <a:prstGeom prst="rect">
             <a:avLst/>
           </a:prstGeom>
+          <a:solidFill>
+            <a:srgbClr val="264190"/>
+          </a:solidFill>
           <a:ln w="12700">
             <a:solidFill>
-              <a:srgbClr val="FF000B"/>
+              <a:srgbClr val="000000"/>
             </a:solidFill>
             <a:miter/>
-            <a:tailEnd type="triangle"/>
           </a:ln>
         </p:spPr>
         <p:txBody>
-          <a:bodyPr lIns="45719" rIns="45719"/>
+          <a:bodyPr lIns="45719" rIns="45719" anchor="ctr"/>
           <a:lstStyle/>
           <a:p>
             <a:pPr/>
@@ -5996,14 +5695,14 @@
       </p:sp>
       <p:sp>
         <p:nvSpPr>
-          <p:cNvPr id="144" name="This will run first.…"/>
+          <p:cNvPr id="133" name="SELECT {column}…"/>
           <p:cNvSpPr txBox="1"/>
           <p:nvPr/>
         </p:nvSpPr>
         <p:spPr>
           <a:xfrm>
-            <a:off x="8643026" y="4384884"/>
-            <a:ext cx="3167768" cy="667332"/>
+            <a:off x="2223195" y="3002279"/>
+            <a:ext cx="2299058" cy="853441"/>
           </a:xfrm>
           <a:prstGeom prst="rect">
             <a:avLst/>
@@ -6024,87 +5723,278 @@
           <a:lstStyle/>
           <a:p>
             <a:pPr>
-              <a:defRPr i="1" sz="2000">
-                <a:latin typeface="Arial"/>
-                <a:ea typeface="Arial"/>
-                <a:cs typeface="Arial"/>
-                <a:sym typeface="Arial"/>
+              <a:defRPr>
+                <a:solidFill>
+                  <a:srgbClr val="FFFFFF"/>
+                </a:solidFill>
+                <a:latin typeface="Courier New"/>
+                <a:ea typeface="Courier New"/>
+                <a:cs typeface="Courier New"/>
+                <a:sym typeface="Courier New"/>
               </a:defRPr>
             </a:pPr>
             <a:r>
-              <a:t>This will run first.</a:t>
+              <a:t>SELECT {column} </a:t>
             </a:r>
           </a:p>
           <a:p>
             <a:pPr>
-              <a:defRPr i="1" sz="2000">
-                <a:latin typeface="Arial"/>
-                <a:ea typeface="Arial"/>
-                <a:cs typeface="Arial"/>
-                <a:sym typeface="Arial"/>
+              <a:defRPr>
+                <a:solidFill>
+                  <a:srgbClr val="FFFFFF"/>
+                </a:solidFill>
+                <a:latin typeface="Courier New"/>
+                <a:ea typeface="Courier New"/>
+                <a:cs typeface="Courier New"/>
+                <a:sym typeface="Courier New"/>
               </a:defRPr>
             </a:pPr>
             <a:r>
-              <a:t>What do we get from here?</a:t>
+              <a:t>FROM {table}</a:t>
+            </a:r>
+          </a:p>
+          <a:p>
+            <a:pPr>
+              <a:defRPr>
+                <a:solidFill>
+                  <a:srgbClr val="FFFFFF"/>
+                </a:solidFill>
+                <a:latin typeface="Courier New"/>
+                <a:ea typeface="Courier New"/>
+                <a:cs typeface="Courier New"/>
+                <a:sym typeface="Courier New"/>
+              </a:defRPr>
+            </a:pPr>
+            <a:r>
+              <a:t>JOIN         (</a:t>
             </a:r>
           </a:p>
         </p:txBody>
       </p:sp>
       <p:sp>
         <p:nvSpPr>
-          <p:cNvPr id="146" name="Línea de conexión"/>
+          <p:cNvPr id="134" name="{SELECT query}"/>
           <p:cNvSpPr/>
           <p:nvPr/>
         </p:nvSpPr>
         <p:spPr>
           <a:xfrm>
-            <a:off x="5895333" y="4870472"/>
-            <a:ext cx="351044" cy="1395377"/>
+            <a:off x="4277151" y="3896379"/>
+            <a:ext cx="3549498" cy="1046005"/>
           </a:xfrm>
-          <a:custGeom>
+          <a:prstGeom prst="rect">
             <a:avLst/>
-            <a:gdLst/>
-            <a:ahLst/>
-            <a:cxnLst>
-              <a:cxn ang="0">
-                <a:pos x="wd2" y="hd2"/>
-              </a:cxn>
-              <a:cxn ang="5400000">
-                <a:pos x="wd2" y="hd2"/>
-              </a:cxn>
-              <a:cxn ang="10800000">
-                <a:pos x="wd2" y="hd2"/>
-              </a:cxn>
-              <a:cxn ang="16200000">
-                <a:pos x="wd2" y="hd2"/>
-              </a:cxn>
-            </a:cxnLst>
-            <a:rect l="0" t="0" r="r" b="b"/>
-            <a:pathLst>
-              <a:path w="16251" h="21600" fill="norm" stroke="1" extrusionOk="0">
-                <a:moveTo>
-                  <a:pt x="3441" y="0"/>
-                </a:moveTo>
-                <a:cubicBezTo>
-                  <a:pt x="21600" y="7526"/>
-                  <a:pt x="20453" y="14726"/>
-                  <a:pt x="0" y="21600"/>
-                </a:cubicBezTo>
-              </a:path>
-            </a:pathLst>
-          </a:custGeom>
+          </a:prstGeom>
+          <a:solidFill>
+            <a:srgbClr val="FFFFFF"/>
+          </a:solidFill>
           <a:ln w="12700">
             <a:solidFill>
-              <a:srgbClr val="FF000B"/>
+              <a:schemeClr val="accent1"/>
             </a:solidFill>
             <a:miter/>
           </a:ln>
+          <a:extLst>
+            <a:ext uri="{C572A759-6A51-4108-AA02-DFA0A04FC94B}">
+              <ma14:wrappingTextBoxFlag xmlns:ma14="http://schemas.microsoft.com/office/mac/drawingml/2011/main" val="1"/>
+            </a:ext>
+          </a:extLst>
         </p:spPr>
         <p:txBody>
-          <a:bodyPr/>
+          <a:bodyPr lIns="45719" rIns="45719" anchor="ctr"/>
+          <a:lstStyle>
+            <a:lvl1pPr>
+              <a:defRPr>
+                <a:solidFill>
+                  <a:srgbClr val="264190"/>
+                </a:solidFill>
+                <a:latin typeface="Courier New"/>
+                <a:ea typeface="Courier New"/>
+                <a:cs typeface="Courier New"/>
+                <a:sym typeface="Courier New"/>
+              </a:defRPr>
+            </a:lvl1pPr>
+          </a:lstStyle>
+          <a:p>
+            <a:pPr/>
+            <a:r>
+              <a:t>{SELECT query}</a:t>
+            </a:r>
+          </a:p>
+        </p:txBody>
+      </p:sp>
+      <p:sp>
+        <p:nvSpPr>
+          <p:cNvPr id="135" name=") {Inner_query_name}…"/>
+          <p:cNvSpPr txBox="1"/>
+          <p:nvPr/>
+        </p:nvSpPr>
+        <p:spPr>
+          <a:xfrm>
+            <a:off x="2223195" y="5074649"/>
+            <a:ext cx="7923534" cy="1107441"/>
+          </a:xfrm>
+          <a:prstGeom prst="rect">
+            <a:avLst/>
+          </a:prstGeom>
+          <a:ln w="12700">
+            <a:miter lim="400000"/>
+          </a:ln>
+          <a:extLst>
+            <a:ext uri="{C572A759-6A51-4108-AA02-DFA0A04FC94B}">
+              <ma14:wrappingTextBoxFlag xmlns:ma14="http://schemas.microsoft.com/office/mac/drawingml/2011/main" val="1"/>
+            </a:ext>
+          </a:extLst>
+        </p:spPr>
+        <p:txBody>
+          <a:bodyPr wrap="none" lIns="45719" rIns="45719">
+            <a:spAutoFit/>
+          </a:bodyPr>
           <a:lstStyle/>
           <a:p>
+            <a:pPr lvl="4">
+              <a:defRPr>
+                <a:solidFill>
+                  <a:srgbClr val="FFFFFF"/>
+                </a:solidFill>
+                <a:latin typeface="Courier New"/>
+                <a:ea typeface="Courier New"/>
+                <a:cs typeface="Courier New"/>
+                <a:sym typeface="Courier New"/>
+              </a:defRPr>
+            </a:pPr>
+            <a:r>
+              <a:t>) {Inner_query_name}</a:t>
+            </a:r>
+          </a:p>
+          <a:p>
+            <a:pPr lvl="4">
+              <a:defRPr>
+                <a:solidFill>
+                  <a:srgbClr val="FFFFFF"/>
+                </a:solidFill>
+                <a:latin typeface="Courier New"/>
+                <a:ea typeface="Courier New"/>
+                <a:cs typeface="Courier New"/>
+                <a:sym typeface="Courier New"/>
+              </a:defRPr>
+            </a:pPr>
+          </a:p>
+          <a:p>
+            <a:pPr>
+              <a:defRPr>
+                <a:solidFill>
+                  <a:srgbClr val="FFFFFF"/>
+                </a:solidFill>
+                <a:latin typeface="Courier New"/>
+                <a:ea typeface="Courier New"/>
+                <a:cs typeface="Courier New"/>
+                <a:sym typeface="Courier New"/>
+              </a:defRPr>
+            </a:pPr>
+            <a:r>
+              <a:t>ON {Inner_query_name}.{common_key} = {table}.{common_key}</a:t>
+            </a:r>
+          </a:p>
+          <a:p>
+            <a:pPr>
+              <a:defRPr>
+                <a:solidFill>
+                  <a:srgbClr val="FFFFFF"/>
+                </a:solidFill>
+                <a:latin typeface="Courier New"/>
+                <a:ea typeface="Courier New"/>
+                <a:cs typeface="Courier New"/>
+                <a:sym typeface="Courier New"/>
+              </a:defRPr>
+            </a:pPr>
+            <a:r>
+              <a:t>{Additional statements}</a:t>
+            </a:r>
+          </a:p>
+        </p:txBody>
+      </p:sp>
+      <p:sp>
+        <p:nvSpPr>
+          <p:cNvPr id="136" name="Outer query"/>
+          <p:cNvSpPr txBox="1"/>
+          <p:nvPr/>
+        </p:nvSpPr>
+        <p:spPr>
+          <a:xfrm>
+            <a:off x="8826786" y="3002279"/>
+            <a:ext cx="1210640" cy="333089"/>
+          </a:xfrm>
+          <a:prstGeom prst="rect">
+            <a:avLst/>
+          </a:prstGeom>
+          <a:ln w="12700">
+            <a:miter lim="400000"/>
+          </a:ln>
+          <a:extLst>
+            <a:ext uri="{C572A759-6A51-4108-AA02-DFA0A04FC94B}">
+              <ma14:wrappingTextBoxFlag xmlns:ma14="http://schemas.microsoft.com/office/mac/drawingml/2011/main" val="1"/>
+            </a:ext>
+          </a:extLst>
+        </p:spPr>
+        <p:txBody>
+          <a:bodyPr wrap="none" lIns="45719" rIns="45719">
+            <a:spAutoFit/>
+          </a:bodyPr>
+          <a:lstStyle>
+            <a:lvl1pPr>
+              <a:defRPr i="1">
+                <a:solidFill>
+                  <a:schemeClr val="accent4"/>
+                </a:solidFill>
+              </a:defRPr>
+            </a:lvl1pPr>
+          </a:lstStyle>
+          <a:p>
             <a:pPr/>
+            <a:r>
+              <a:t>Outer query</a:t>
+            </a:r>
+          </a:p>
+        </p:txBody>
+      </p:sp>
+      <p:sp>
+        <p:nvSpPr>
+          <p:cNvPr id="137" name="Inner query"/>
+          <p:cNvSpPr txBox="1"/>
+          <p:nvPr/>
+        </p:nvSpPr>
+        <p:spPr>
+          <a:xfrm>
+            <a:off x="6451607" y="4252838"/>
+            <a:ext cx="1162086" cy="333088"/>
+          </a:xfrm>
+          <a:prstGeom prst="rect">
+            <a:avLst/>
+          </a:prstGeom>
+          <a:ln w="12700">
+            <a:miter lim="400000"/>
+          </a:ln>
+          <a:extLst>
+            <a:ext uri="{C572A759-6A51-4108-AA02-DFA0A04FC94B}">
+              <ma14:wrappingTextBoxFlag xmlns:ma14="http://schemas.microsoft.com/office/mac/drawingml/2011/main" val="1"/>
+            </a:ext>
+          </a:extLst>
+        </p:spPr>
+        <p:txBody>
+          <a:bodyPr wrap="none" lIns="45719" rIns="45719">
+            <a:spAutoFit/>
+          </a:bodyPr>
+          <a:lstStyle>
+            <a:lvl1pPr>
+              <a:defRPr i="1"/>
+            </a:lvl1pPr>
+          </a:lstStyle>
+          <a:p>
+            <a:pPr/>
+            <a:r>
+              <a:t>Inner query</a:t>
+            </a:r>
           </a:p>
         </p:txBody>
       </p:sp>
@@ -6141,85 +6031,38 @@
           <a:chExt cx="0" cy="0"/>
         </a:xfrm>
       </p:grpSpPr>
-      <p:sp>
-        <p:nvSpPr>
-          <p:cNvPr id="148" name="Google Shape;66;p14"/>
-          <p:cNvSpPr/>
+      <p:pic>
+        <p:nvPicPr>
+          <p:cNvPr id="139" name="5f461d116006137.6059ac1f3a043.jpg" descr="5f461d116006137.6059ac1f3a043.jpg"/>
+          <p:cNvPicPr>
+            <a:picLocks noChangeAspect="1"/>
+          </p:cNvPicPr>
           <p:nvPr/>
-        </p:nvSpPr>
+        </p:nvPicPr>
+        <p:blipFill>
+          <a:blip r:embed="rId2">
+            <a:extLst/>
+          </a:blip>
+          <a:stretch>
+            <a:fillRect/>
+          </a:stretch>
+        </p:blipFill>
         <p:spPr>
           <a:xfrm>
-            <a:off x="-94867" y="-1"/>
-            <a:ext cx="12454400" cy="1822001"/>
+            <a:off x="-38625" y="-1281005"/>
+            <a:ext cx="12269250" cy="8179500"/>
           </a:xfrm>
           <a:prstGeom prst="rect">
             <a:avLst/>
           </a:prstGeom>
-          <a:solidFill>
-            <a:srgbClr val="264190"/>
-          </a:solidFill>
-          <a:ln w="38100">
-            <a:solidFill>
-              <a:srgbClr val="000000"/>
-            </a:solidFill>
+          <a:ln w="12700">
+            <a:miter lim="400000"/>
           </a:ln>
         </p:spPr>
-        <p:txBody>
-          <a:bodyPr lIns="0" tIns="0" rIns="0" bIns="0" anchor="ctr"/>
-          <a:lstStyle/>
-          <a:p>
-            <a:pPr defTabSz="1219200">
-              <a:defRPr>
-                <a:solidFill>
-                  <a:srgbClr val="F5B679"/>
-                </a:solidFill>
-                <a:latin typeface="Arial"/>
-                <a:ea typeface="Arial"/>
-                <a:cs typeface="Arial"/>
-                <a:sym typeface="Arial"/>
-              </a:defRPr>
-            </a:pPr>
-          </a:p>
-        </p:txBody>
-      </p:sp>
+      </p:pic>
       <p:sp>
         <p:nvSpPr>
-          <p:cNvPr id="149" name="Google Shape;67;p14"/>
-          <p:cNvSpPr/>
-          <p:nvPr/>
-        </p:nvSpPr>
-        <p:spPr>
-          <a:xfrm>
-            <a:off x="-189701" y="1764300"/>
-            <a:ext cx="12483202" cy="1"/>
-          </a:xfrm>
-          <a:prstGeom prst="line">
-            <a:avLst/>
-          </a:prstGeom>
-          <a:ln w="38100">
-            <a:solidFill>
-              <a:srgbClr val="000000"/>
-            </a:solidFill>
-          </a:ln>
-        </p:spPr>
-        <p:txBody>
-          <a:bodyPr lIns="0" tIns="0" rIns="0" bIns="0"/>
-          <a:lstStyle/>
-          <a:p>
-            <a:pPr defTabSz="1219200">
-              <a:defRPr>
-                <a:latin typeface="Arial"/>
-                <a:ea typeface="Arial"/>
-                <a:cs typeface="Arial"/>
-                <a:sym typeface="Arial"/>
-              </a:defRPr>
-            </a:pPr>
-          </a:p>
-        </p:txBody>
-      </p:sp>
-      <p:sp>
-        <p:nvSpPr>
-          <p:cNvPr id="150" name="2. Google Shape;68;p14"/>
+          <p:cNvPr id="140" name="Google Shape;55;p13"/>
           <p:cNvSpPr txBox="1"/>
           <p:nvPr>
             <p:ph type="title"/>
@@ -6227,21 +6070,25 @@
         </p:nvSpPr>
         <p:spPr>
           <a:xfrm>
-            <a:off x="451933" y="294754"/>
-            <a:ext cx="11360801" cy="1232492"/>
+            <a:off x="415599" y="265599"/>
+            <a:ext cx="11360802" cy="1320401"/>
           </a:xfrm>
           <a:prstGeom prst="rect">
             <a:avLst/>
           </a:prstGeom>
         </p:spPr>
         <p:txBody>
-          <a:bodyPr anchor="ctr"/>
+          <a:bodyPr/>
           <a:lstStyle>
-            <a:lvl1pPr>
-              <a:defRPr b="1" sz="6000">
-                <a:solidFill>
-                  <a:srgbClr val="FFFFFF"/>
-                </a:solidFill>
+            <a:lvl1pPr defTabSz="1109472">
+              <a:defRPr sz="6188">
+                <a:solidFill>
+                  <a:srgbClr val="FFFFFF"/>
+                </a:solidFill>
+                <a:latin typeface="Avenir Book"/>
+                <a:ea typeface="Avenir Book"/>
+                <a:cs typeface="Avenir Book"/>
+                <a:sym typeface="Avenir Book"/>
               </a:defRPr>
             </a:lvl1pPr>
           </a:lstStyle>
@@ -6255,14 +6102,14 @@
       </p:sp>
       <p:sp>
         <p:nvSpPr>
-          <p:cNvPr id="151" name="Google Shape;69;p14"/>
+          <p:cNvPr id="141" name="Google Shape;69;p14"/>
           <p:cNvSpPr txBox="1"/>
           <p:nvPr/>
         </p:nvSpPr>
         <p:spPr>
           <a:xfrm>
-            <a:off x="980666" y="1790460"/>
-            <a:ext cx="8732482" cy="4295481"/>
+            <a:off x="980666" y="2001354"/>
+            <a:ext cx="8869838" cy="4831041"/>
           </a:xfrm>
           <a:prstGeom prst="rect">
             <a:avLst/>
@@ -6289,10 +6136,13 @@
               <a:buSzPct val="100000"/>
               <a:buChar char="•"/>
               <a:defRPr sz="2600">
-                <a:latin typeface="Arial"/>
-                <a:ea typeface="Arial"/>
-                <a:cs typeface="Arial"/>
-                <a:sym typeface="Arial"/>
+                <a:solidFill>
+                  <a:srgbClr val="FFFFFF"/>
+                </a:solidFill>
+                <a:latin typeface="Avenir Book"/>
+                <a:ea typeface="Avenir Book"/>
+                <a:cs typeface="Avenir Book"/>
+                <a:sym typeface="Avenir Book"/>
               </a:defRPr>
             </a:pPr>
             <a:r>
@@ -6305,6 +6155,9 @@
                 <a:spcPct val="120000"/>
               </a:lnSpc>
               <a:defRPr sz="2600">
+                <a:solidFill>
+                  <a:srgbClr val="FFFFFF"/>
+                </a:solidFill>
                 <a:latin typeface="Courier New"/>
                 <a:ea typeface="Courier New"/>
                 <a:cs typeface="Courier New"/>
@@ -6317,7 +6170,10 @@
               <a:lnSpc>
                 <a:spcPct val="120000"/>
               </a:lnSpc>
-              <a:defRPr sz="2600">
+              <a:defRPr b="1" sz="2600">
+                <a:solidFill>
+                  <a:srgbClr val="FFFFFF"/>
+                </a:solidFill>
                 <a:latin typeface="Courier New"/>
                 <a:ea typeface="Courier New"/>
                 <a:cs typeface="Courier New"/>
@@ -6327,13 +6183,28 @@
             <a:r>
               <a:t>SELECT * </a:t>
             </a:r>
+            <a:br/>
+            <a:r>
+              <a:t>FROM actor</a:t>
+            </a:r>
+            <a:br/>
+            <a:r>
+              <a:t>WHERE actor_id IN </a:t>
+            </a:r>
+            <a:br/>
+            <a:r>
+              <a:t>	(</a:t>
+            </a:r>
           </a:p>
           <a:p>
             <a:pPr defTabSz="1219200">
               <a:lnSpc>
                 <a:spcPct val="120000"/>
               </a:lnSpc>
-              <a:defRPr sz="2600">
+              <a:defRPr b="1" sz="2600">
+                <a:solidFill>
+                  <a:srgbClr val="FFFFFF"/>
+                </a:solidFill>
                 <a:latin typeface="Courier New"/>
                 <a:ea typeface="Courier New"/>
                 <a:cs typeface="Courier New"/>
@@ -6341,7 +6212,7 @@
               </a:defRPr>
             </a:pPr>
             <a:r>
-              <a:t>FROM actor</a:t>
+              <a:t>       SELECT actor_id </a:t>
             </a:r>
           </a:p>
           <a:p>
@@ -6349,7 +6220,10 @@
               <a:lnSpc>
                 <a:spcPct val="120000"/>
               </a:lnSpc>
-              <a:defRPr sz="2600">
+              <a:defRPr b="1" sz="2600">
+                <a:solidFill>
+                  <a:srgbClr val="FFFFFF"/>
+                </a:solidFill>
                 <a:latin typeface="Courier New"/>
                 <a:ea typeface="Courier New"/>
                 <a:cs typeface="Courier New"/>
@@ -6357,15 +6231,22 @@
               </a:defRPr>
             </a:pPr>
             <a:r>
-              <a:t>JOIN(</a:t>
-            </a:r>
-          </a:p>
-          <a:p>
-            <a:pPr defTabSz="1219200">
+              <a:t>       FROM film_actor</a:t>
+            </a:r>
+            <a:br/>
+            <a:r>
+              <a:t>	 WHERE film_id = 2</a:t>
+            </a:r>
+          </a:p>
+          <a:p>
+            <a:pPr lvl="6" indent="1371600" defTabSz="1219200">
               <a:lnSpc>
                 <a:spcPct val="120000"/>
               </a:lnSpc>
-              <a:defRPr sz="2600">
+              <a:defRPr b="1" sz="2600">
+                <a:solidFill>
+                  <a:srgbClr val="FFFFFF"/>
+                </a:solidFill>
                 <a:latin typeface="Courier New"/>
                 <a:ea typeface="Courier New"/>
                 <a:cs typeface="Courier New"/>
@@ -6373,98 +6254,20 @@
               </a:defRPr>
             </a:pPr>
             <a:r>
-              <a:t>	SELECT * FROM film_actor</a:t>
-            </a:r>
-          </a:p>
-          <a:p>
-            <a:pPr defTabSz="1219200">
-              <a:lnSpc>
-                <a:spcPct val="120000"/>
-              </a:lnSpc>
-              <a:defRPr sz="2600">
-                <a:latin typeface="Courier New"/>
-                <a:ea typeface="Courier New"/>
-                <a:cs typeface="Courier New"/>
-                <a:sym typeface="Courier New"/>
-              </a:defRPr>
-            </a:pPr>
-            <a:r>
-              <a:t>	WHERE film_id = 2</a:t>
-            </a:r>
-          </a:p>
-          <a:p>
-            <a:pPr defTabSz="1219200">
-              <a:lnSpc>
-                <a:spcPct val="120000"/>
-              </a:lnSpc>
-              <a:defRPr sz="2600">
-                <a:latin typeface="Courier New"/>
-                <a:ea typeface="Courier New"/>
-                <a:cs typeface="Courier New"/>
-                <a:sym typeface="Courier New"/>
-              </a:defRPr>
-            </a:pPr>
-            <a:r>
-              <a:t>	) sub</a:t>
-            </a:r>
-          </a:p>
-          <a:p>
-            <a:pPr defTabSz="1219200">
-              <a:lnSpc>
-                <a:spcPct val="120000"/>
-              </a:lnSpc>
-              <a:defRPr sz="2600">
-                <a:latin typeface="Courier New"/>
-                <a:ea typeface="Courier New"/>
-                <a:cs typeface="Courier New"/>
-                <a:sym typeface="Courier New"/>
-              </a:defRPr>
-            </a:pPr>
-            <a:r>
-              <a:t>ON actor.actor_id = sub.actor_id</a:t>
+              <a:t>)</a:t>
             </a:r>
           </a:p>
         </p:txBody>
       </p:sp>
       <p:sp>
         <p:nvSpPr>
-          <p:cNvPr id="152" name="Línea"/>
-          <p:cNvSpPr/>
-          <p:nvPr/>
-        </p:nvSpPr>
-        <p:spPr>
-          <a:xfrm flipH="1">
-            <a:off x="7268437" y="4576814"/>
-            <a:ext cx="1240932" cy="1"/>
-          </a:xfrm>
-          <a:prstGeom prst="line">
-            <a:avLst/>
-          </a:prstGeom>
-          <a:ln w="12700">
-            <a:solidFill>
-              <a:srgbClr val="FF000B"/>
-            </a:solidFill>
-            <a:miter/>
-            <a:tailEnd type="triangle"/>
-          </a:ln>
-        </p:spPr>
-        <p:txBody>
-          <a:bodyPr lIns="45719" rIns="45719"/>
-          <a:lstStyle/>
-          <a:p>
-            <a:pPr/>
-          </a:p>
-        </p:txBody>
-      </p:sp>
-      <p:sp>
-        <p:nvSpPr>
-          <p:cNvPr id="153" name="This will run first.…"/>
+          <p:cNvPr id="142" name="This will run first.…"/>
           <p:cNvSpPr txBox="1"/>
           <p:nvPr/>
         </p:nvSpPr>
         <p:spPr>
           <a:xfrm>
-            <a:off x="8643026" y="4173991"/>
+            <a:off x="8643026" y="4384885"/>
             <a:ext cx="3167768" cy="667331"/>
           </a:xfrm>
           <a:prstGeom prst="rect">
@@ -6487,6 +6290,9 @@
           <a:p>
             <a:pPr>
               <a:defRPr i="1" sz="2000">
+                <a:solidFill>
+                  <a:srgbClr val="FFFFFF"/>
+                </a:solidFill>
                 <a:latin typeface="Arial"/>
                 <a:ea typeface="Arial"/>
                 <a:cs typeface="Arial"/>
@@ -6500,6 +6306,9 @@
           <a:p>
             <a:pPr>
               <a:defRPr i="1" sz="2000">
+                <a:solidFill>
+                  <a:srgbClr val="FFFFFF"/>
+                </a:solidFill>
                 <a:latin typeface="Arial"/>
                 <a:ea typeface="Arial"/>
                 <a:cs typeface="Arial"/>
@@ -6514,41 +6323,31 @@
       </p:sp>
       <p:sp>
         <p:nvSpPr>
-          <p:cNvPr id="154" name="Can you see the difference?"/>
-          <p:cNvSpPr txBox="1"/>
+          <p:cNvPr id="143" name="Línea"/>
+          <p:cNvSpPr/>
           <p:nvPr/>
         </p:nvSpPr>
         <p:spPr>
-          <a:xfrm>
-            <a:off x="4599544" y="6349155"/>
-            <a:ext cx="3065579" cy="362780"/>
+          <a:xfrm flipH="1">
+            <a:off x="6314762" y="4787707"/>
+            <a:ext cx="2194607" cy="783914"/>
           </a:xfrm>
-          <a:prstGeom prst="rect">
+          <a:prstGeom prst="line">
             <a:avLst/>
           </a:prstGeom>
-          <a:ln w="12700">
-            <a:miter lim="400000"/>
+          <a:ln w="50800">
+            <a:solidFill>
+              <a:srgbClr val="FF000B"/>
+            </a:solidFill>
+            <a:miter/>
+            <a:tailEnd type="triangle"/>
           </a:ln>
-          <a:extLst>
-            <a:ext uri="{C572A759-6A51-4108-AA02-DFA0A04FC94B}">
-              <ma14:wrappingTextBoxFlag xmlns:ma14="http://schemas.microsoft.com/office/mac/drawingml/2011/main" val="1"/>
-            </a:ext>
-          </a:extLst>
         </p:spPr>
         <p:txBody>
-          <a:bodyPr wrap="none" lIns="45719" rIns="45719">
-            <a:spAutoFit/>
-          </a:bodyPr>
-          <a:lstStyle>
-            <a:lvl1pPr>
-              <a:defRPr i="1" sz="2100"/>
-            </a:lvl1pPr>
-          </a:lstStyle>
+          <a:bodyPr lIns="45719" rIns="45719"/>
+          <a:lstStyle/>
           <a:p>
             <a:pPr/>
-            <a:r>
-              <a:t>Can you see the difference?</a:t>
-            </a:r>
           </a:p>
         </p:txBody>
       </p:sp>
@@ -6585,128 +6384,45 @@
           <a:chExt cx="0" cy="0"/>
         </a:xfrm>
       </p:grpSpPr>
-      <p:sp>
-        <p:nvSpPr>
-          <p:cNvPr id="156" name="Google Shape;66;p14"/>
-          <p:cNvSpPr/>
+      <p:pic>
+        <p:nvPicPr>
+          <p:cNvPr id="145" name="5f461d116006137.6059ac1f3a043.jpg" descr="5f461d116006137.6059ac1f3a043.jpg"/>
+          <p:cNvPicPr>
+            <a:picLocks noChangeAspect="1"/>
+          </p:cNvPicPr>
           <p:nvPr/>
-        </p:nvSpPr>
+        </p:nvPicPr>
+        <p:blipFill>
+          <a:blip r:embed="rId2">
+            <a:extLst/>
+          </a:blip>
+          <a:stretch>
+            <a:fillRect/>
+          </a:stretch>
+        </p:blipFill>
         <p:spPr>
           <a:xfrm>
-            <a:off x="-94867" y="-1"/>
-            <a:ext cx="12454400" cy="1822001"/>
+            <a:off x="-38625" y="-1281005"/>
+            <a:ext cx="12269250" cy="8179500"/>
           </a:xfrm>
           <a:prstGeom prst="rect">
             <a:avLst/>
           </a:prstGeom>
-          <a:solidFill>
-            <a:srgbClr val="264190"/>
-          </a:solidFill>
-          <a:ln w="38100">
-            <a:solidFill>
-              <a:srgbClr val="000000"/>
-            </a:solidFill>
+          <a:ln w="12700">
+            <a:miter lim="400000"/>
           </a:ln>
         </p:spPr>
-        <p:txBody>
-          <a:bodyPr lIns="0" tIns="0" rIns="0" bIns="0" anchor="ctr"/>
-          <a:lstStyle/>
-          <a:p>
-            <a:pPr defTabSz="1219200">
-              <a:defRPr>
-                <a:solidFill>
-                  <a:srgbClr val="F5B679"/>
-                </a:solidFill>
-                <a:latin typeface="Arial"/>
-                <a:ea typeface="Arial"/>
-                <a:cs typeface="Arial"/>
-                <a:sym typeface="Arial"/>
-              </a:defRPr>
-            </a:pPr>
-          </a:p>
-        </p:txBody>
-      </p:sp>
+      </p:pic>
       <p:sp>
         <p:nvSpPr>
-          <p:cNvPr id="157" name="Google Shape;67;p14"/>
-          <p:cNvSpPr/>
-          <p:nvPr/>
-        </p:nvSpPr>
-        <p:spPr>
-          <a:xfrm>
-            <a:off x="-189701" y="1764300"/>
-            <a:ext cx="12483202" cy="1"/>
-          </a:xfrm>
-          <a:prstGeom prst="line">
-            <a:avLst/>
-          </a:prstGeom>
-          <a:ln w="38100">
-            <a:solidFill>
-              <a:srgbClr val="000000"/>
-            </a:solidFill>
-          </a:ln>
-        </p:spPr>
-        <p:txBody>
-          <a:bodyPr lIns="0" tIns="0" rIns="0" bIns="0"/>
-          <a:lstStyle/>
-          <a:p>
-            <a:pPr defTabSz="1219200">
-              <a:defRPr>
-                <a:latin typeface="Arial"/>
-                <a:ea typeface="Arial"/>
-                <a:cs typeface="Arial"/>
-                <a:sym typeface="Arial"/>
-              </a:defRPr>
-            </a:pPr>
-          </a:p>
-        </p:txBody>
-      </p:sp>
-      <p:sp>
-        <p:nvSpPr>
-          <p:cNvPr id="158" name="2. Google Shape;68;p14"/>
-          <p:cNvSpPr txBox="1"/>
-          <p:nvPr>
-            <p:ph type="title"/>
-          </p:nvPr>
-        </p:nvSpPr>
-        <p:spPr>
-          <a:xfrm>
-            <a:off x="451933" y="294754"/>
-            <a:ext cx="11360801" cy="1232492"/>
-          </a:xfrm>
-          <a:prstGeom prst="rect">
-            <a:avLst/>
-          </a:prstGeom>
-        </p:spPr>
-        <p:txBody>
-          <a:bodyPr anchor="ctr"/>
-          <a:lstStyle>
-            <a:lvl1pPr>
-              <a:defRPr b="1" sz="6000">
-                <a:solidFill>
-                  <a:srgbClr val="FFFFFF"/>
-                </a:solidFill>
-              </a:defRPr>
-            </a:lvl1pPr>
-          </a:lstStyle>
-          <a:p>
-            <a:pPr/>
-            <a:r>
-              <a:t>Nested Subqueries</a:t>
-            </a:r>
-          </a:p>
-        </p:txBody>
-      </p:sp>
-      <p:sp>
-        <p:nvSpPr>
-          <p:cNvPr id="159" name="Google Shape;69;p14"/>
+          <p:cNvPr id="146" name="Google Shape;69;p14"/>
           <p:cNvSpPr txBox="1"/>
           <p:nvPr/>
         </p:nvSpPr>
         <p:spPr>
           <a:xfrm>
-            <a:off x="980666" y="1790460"/>
-            <a:ext cx="10230668" cy="5211020"/>
+            <a:off x="711686" y="1790460"/>
+            <a:ext cx="8732482" cy="4295481"/>
           </a:xfrm>
           <a:prstGeom prst="rect">
             <a:avLst/>
@@ -6733,6 +6449,9 @@
               <a:buSzPct val="100000"/>
               <a:buChar char="•"/>
               <a:defRPr sz="2600">
+                <a:solidFill>
+                  <a:srgbClr val="FFFFFF"/>
+                </a:solidFill>
                 <a:latin typeface="Arial"/>
                 <a:ea typeface="Arial"/>
                 <a:cs typeface="Arial"/>
@@ -6740,100 +6459,229 @@
               </a:defRPr>
             </a:pPr>
             <a:r>
-              <a:t>‘Find the actors that played a role in film 2’ is not very informative.</a:t>
-            </a:r>
-          </a:p>
-          <a:p>
-            <a:pPr marL="260684" indent="-260684" defTabSz="1219200">
+              <a:t>For example: Find the actors that played a role in film 2</a:t>
+            </a:r>
+          </a:p>
+          <a:p>
+            <a:pPr defTabSz="1219200">
               <a:lnSpc>
                 <a:spcPct val="120000"/>
               </a:lnSpc>
-              <a:buSzPct val="100000"/>
-              <a:buChar char="•"/>
               <a:defRPr sz="2600">
-                <a:latin typeface="Arial"/>
-                <a:ea typeface="Arial"/>
-                <a:cs typeface="Arial"/>
-                <a:sym typeface="Arial"/>
-              </a:defRPr>
-            </a:pPr>
-            <a:r>
-              <a:t>We might want to see the actors that played a role in a film whose name we know</a:t>
-            </a:r>
-          </a:p>
-          <a:p>
-            <a:pPr marL="260684" indent="-260684" defTabSz="1219200">
-              <a:lnSpc>
-                <a:spcPct val="120000"/>
-              </a:lnSpc>
-              <a:buSzPct val="100000"/>
-              <a:buChar char="•"/>
-              <a:defRPr sz="2600">
-                <a:latin typeface="Arial"/>
-                <a:ea typeface="Arial"/>
-                <a:cs typeface="Arial"/>
-                <a:sym typeface="Arial"/>
-              </a:defRPr>
-            </a:pPr>
-            <a:r>
-              <a:t>We can do a subquery inside a subquery (inside a subquery…)</a:t>
-            </a:r>
-          </a:p>
-          <a:p>
-            <a:pPr marL="228600" indent="-228600">
-              <a:spcBef>
-                <a:spcPts val="1000"/>
-              </a:spcBef>
-              <a:buSzPct val="100000"/>
-              <a:buFont typeface="Arial"/>
-              <a:buChar char="•"/>
-              <a:defRPr sz="2500">
+                <a:solidFill>
+                  <a:srgbClr val="FFFFFF"/>
+                </a:solidFill>
                 <a:latin typeface="Courier New"/>
                 <a:ea typeface="Courier New"/>
                 <a:cs typeface="Courier New"/>
                 <a:sym typeface="Courier New"/>
               </a:defRPr>
             </a:pPr>
-            <a:r>
-              <a:t>SELECT * FROM actor</a:t>
-            </a:r>
-            <a:br/>
-            <a:r>
-              <a:t>WHERE actor_id IN </a:t>
-            </a:r>
-            <a:br/>
-            <a:r>
-              <a:t>	(SELECT actor_id FROM film_actor</a:t>
-            </a:r>
-            <a:br/>
-            <a:r>
-              <a:t>	WHERE film_id = </a:t>
-            </a:r>
-            <a:br/>
-            <a:r>
-              <a:t>		(SELECT film_id FROM film </a:t>
-            </a:r>
-            <a:br/>
-            <a:r>
-              <a:t>		WHERE title = 'DRAGON SQUAD')</a:t>
-            </a:r>
-            <a:br/>
-            <a:r>
-              <a:t>	);</a:t>
+          </a:p>
+          <a:p>
+            <a:pPr defTabSz="1219200">
+              <a:lnSpc>
+                <a:spcPct val="120000"/>
+              </a:lnSpc>
+              <a:defRPr b="1" sz="2600">
+                <a:solidFill>
+                  <a:srgbClr val="FFFFFF"/>
+                </a:solidFill>
+                <a:latin typeface="Courier New"/>
+                <a:ea typeface="Courier New"/>
+                <a:cs typeface="Courier New"/>
+                <a:sym typeface="Courier New"/>
+              </a:defRPr>
+            </a:pPr>
+            <a:r>
+              <a:t>SELECT * </a:t>
+            </a:r>
+          </a:p>
+          <a:p>
+            <a:pPr defTabSz="1219200">
+              <a:lnSpc>
+                <a:spcPct val="120000"/>
+              </a:lnSpc>
+              <a:defRPr b="1" sz="2600">
+                <a:solidFill>
+                  <a:srgbClr val="FFFFFF"/>
+                </a:solidFill>
+                <a:latin typeface="Courier New"/>
+                <a:ea typeface="Courier New"/>
+                <a:cs typeface="Courier New"/>
+                <a:sym typeface="Courier New"/>
+              </a:defRPr>
+            </a:pPr>
+            <a:r>
+              <a:t>FROM actor</a:t>
+            </a:r>
+          </a:p>
+          <a:p>
+            <a:pPr defTabSz="1219200">
+              <a:lnSpc>
+                <a:spcPct val="120000"/>
+              </a:lnSpc>
+              <a:defRPr b="1" sz="2600">
+                <a:solidFill>
+                  <a:srgbClr val="FFFFFF"/>
+                </a:solidFill>
+                <a:latin typeface="Courier New"/>
+                <a:ea typeface="Courier New"/>
+                <a:cs typeface="Courier New"/>
+                <a:sym typeface="Courier New"/>
+              </a:defRPr>
+            </a:pPr>
+            <a:r>
+              <a:t>JOIN(</a:t>
+            </a:r>
+          </a:p>
+          <a:p>
+            <a:pPr defTabSz="1219200">
+              <a:lnSpc>
+                <a:spcPct val="120000"/>
+              </a:lnSpc>
+              <a:defRPr b="1" sz="2600">
+                <a:solidFill>
+                  <a:srgbClr val="FFFFFF"/>
+                </a:solidFill>
+                <a:latin typeface="Courier New"/>
+                <a:ea typeface="Courier New"/>
+                <a:cs typeface="Courier New"/>
+                <a:sym typeface="Courier New"/>
+              </a:defRPr>
+            </a:pPr>
+            <a:r>
+              <a:t>	SELECT * FROM film_actor</a:t>
+            </a:r>
+          </a:p>
+          <a:p>
+            <a:pPr defTabSz="1219200">
+              <a:lnSpc>
+                <a:spcPct val="120000"/>
+              </a:lnSpc>
+              <a:defRPr b="1" sz="2600">
+                <a:solidFill>
+                  <a:srgbClr val="FFFFFF"/>
+                </a:solidFill>
+                <a:latin typeface="Courier New"/>
+                <a:ea typeface="Courier New"/>
+                <a:cs typeface="Courier New"/>
+                <a:sym typeface="Courier New"/>
+              </a:defRPr>
+            </a:pPr>
+            <a:r>
+              <a:t>	WHERE film_id = 2</a:t>
+            </a:r>
+          </a:p>
+          <a:p>
+            <a:pPr defTabSz="1219200">
+              <a:lnSpc>
+                <a:spcPct val="120000"/>
+              </a:lnSpc>
+              <a:defRPr b="1" sz="2600">
+                <a:solidFill>
+                  <a:srgbClr val="FFFFFF"/>
+                </a:solidFill>
+                <a:latin typeface="Courier New"/>
+                <a:ea typeface="Courier New"/>
+                <a:cs typeface="Courier New"/>
+                <a:sym typeface="Courier New"/>
+              </a:defRPr>
+            </a:pPr>
+            <a:r>
+              <a:t>	) </a:t>
+            </a:r>
+            <a:r>
+              <a:rPr>
+                <a:solidFill>
+                  <a:srgbClr val="FF000B"/>
+                </a:solidFill>
+              </a:rPr>
+              <a:t>sub</a:t>
+            </a:r>
+          </a:p>
+          <a:p>
+            <a:pPr defTabSz="1219200">
+              <a:lnSpc>
+                <a:spcPct val="120000"/>
+              </a:lnSpc>
+              <a:defRPr b="1" sz="2600">
+                <a:solidFill>
+                  <a:srgbClr val="FFFFFF"/>
+                </a:solidFill>
+                <a:latin typeface="Courier New"/>
+                <a:ea typeface="Courier New"/>
+                <a:cs typeface="Courier New"/>
+                <a:sym typeface="Courier New"/>
+              </a:defRPr>
+            </a:pPr>
+            <a:r>
+              <a:t>ON actor.actor_id = </a:t>
+            </a:r>
+            <a:r>
+              <a:rPr>
+                <a:solidFill>
+                  <a:srgbClr val="FF000B"/>
+                </a:solidFill>
+              </a:rPr>
+              <a:t>sub</a:t>
+            </a:r>
+            <a:r>
+              <a:t>.actor_id</a:t>
             </a:r>
           </a:p>
         </p:txBody>
       </p:sp>
       <p:sp>
         <p:nvSpPr>
-          <p:cNvPr id="160" name="What does these queries…"/>
+          <p:cNvPr id="147" name="Google Shape;55;p13"/>
+          <p:cNvSpPr txBox="1"/>
+          <p:nvPr>
+            <p:ph type="title"/>
+          </p:nvPr>
+        </p:nvSpPr>
+        <p:spPr>
+          <a:xfrm>
+            <a:off x="415599" y="265599"/>
+            <a:ext cx="11360802" cy="1320401"/>
+          </a:xfrm>
+          <a:prstGeom prst="rect">
+            <a:avLst/>
+          </a:prstGeom>
+        </p:spPr>
+        <p:txBody>
+          <a:bodyPr/>
+          <a:lstStyle>
+            <a:lvl1pPr defTabSz="1109472">
+              <a:defRPr sz="6188">
+                <a:solidFill>
+                  <a:srgbClr val="FFFFFF"/>
+                </a:solidFill>
+                <a:latin typeface="Avenir Book"/>
+                <a:ea typeface="Avenir Book"/>
+                <a:cs typeface="Avenir Book"/>
+                <a:sym typeface="Avenir Book"/>
+              </a:defRPr>
+            </a:lvl1pPr>
+          </a:lstStyle>
+          <a:p>
+            <a:pPr/>
+            <a:r>
+              <a:t>Subqueries</a:t>
+            </a:r>
+          </a:p>
+        </p:txBody>
+      </p:sp>
+      <p:sp>
+        <p:nvSpPr>
+          <p:cNvPr id="148" name="This will run first.…"/>
           <p:cNvSpPr txBox="1"/>
           <p:nvPr/>
         </p:nvSpPr>
         <p:spPr>
           <a:xfrm>
-            <a:off x="8769562" y="5076140"/>
-            <a:ext cx="2913892" cy="667332"/>
+            <a:off x="8643026" y="4384885"/>
+            <a:ext cx="3167768" cy="667331"/>
           </a:xfrm>
           <a:prstGeom prst="rect">
             <a:avLst/>
@@ -6855,6 +6703,9 @@
           <a:p>
             <a:pPr>
               <a:defRPr i="1" sz="2000">
+                <a:solidFill>
+                  <a:srgbClr val="FFFFFF"/>
+                </a:solidFill>
                 <a:latin typeface="Arial"/>
                 <a:ea typeface="Arial"/>
                 <a:cs typeface="Arial"/>
@@ -6862,12 +6713,15 @@
               </a:defRPr>
             </a:pPr>
             <a:r>
-              <a:t>What does these queries</a:t>
+              <a:t>This will run first.</a:t>
             </a:r>
           </a:p>
           <a:p>
             <a:pPr>
               <a:defRPr i="1" sz="2000">
+                <a:solidFill>
+                  <a:srgbClr val="FFFFFF"/>
+                </a:solidFill>
                 <a:latin typeface="Arial"/>
                 <a:ea typeface="Arial"/>
                 <a:cs typeface="Arial"/>
@@ -6875,14 +6729,388 @@
               </a:defRPr>
             </a:pPr>
             <a:r>
-              <a:t>return?</a:t>
+              <a:t>What do we get from here?</a:t>
             </a:r>
           </a:p>
         </p:txBody>
       </p:sp>
       <p:sp>
         <p:nvSpPr>
-          <p:cNvPr id="161" name="Línea"/>
+          <p:cNvPr id="149" name="Línea"/>
+          <p:cNvSpPr/>
+          <p:nvPr/>
+        </p:nvSpPr>
+        <p:spPr>
+          <a:xfrm flipH="1">
+            <a:off x="7519130" y="4787707"/>
+            <a:ext cx="990239" cy="1"/>
+          </a:xfrm>
+          <a:prstGeom prst="line">
+            <a:avLst/>
+          </a:prstGeom>
+          <a:ln w="50800">
+            <a:solidFill>
+              <a:srgbClr val="FF000B"/>
+            </a:solidFill>
+            <a:miter/>
+            <a:tailEnd type="triangle"/>
+          </a:ln>
+        </p:spPr>
+        <p:txBody>
+          <a:bodyPr lIns="45719" rIns="45719"/>
+          <a:lstStyle/>
+          <a:p>
+            <a:pPr/>
+          </a:p>
+        </p:txBody>
+      </p:sp>
+      <p:sp>
+        <p:nvSpPr>
+          <p:cNvPr id="150" name="Can you see the difference?"/>
+          <p:cNvSpPr txBox="1"/>
+          <p:nvPr/>
+        </p:nvSpPr>
+        <p:spPr>
+          <a:xfrm>
+            <a:off x="4599544" y="6349155"/>
+            <a:ext cx="3065579" cy="362780"/>
+          </a:xfrm>
+          <a:prstGeom prst="rect">
+            <a:avLst/>
+          </a:prstGeom>
+          <a:ln w="12700">
+            <a:miter lim="400000"/>
+          </a:ln>
+          <a:extLst>
+            <a:ext uri="{C572A759-6A51-4108-AA02-DFA0A04FC94B}">
+              <ma14:wrappingTextBoxFlag xmlns:ma14="http://schemas.microsoft.com/office/mac/drawingml/2011/main" val="1"/>
+            </a:ext>
+          </a:extLst>
+        </p:spPr>
+        <p:txBody>
+          <a:bodyPr wrap="none" lIns="45719" rIns="45719">
+            <a:spAutoFit/>
+          </a:bodyPr>
+          <a:lstStyle>
+            <a:lvl1pPr>
+              <a:defRPr i="1" sz="2100">
+                <a:solidFill>
+                  <a:srgbClr val="FFFFFF"/>
+                </a:solidFill>
+              </a:defRPr>
+            </a:lvl1pPr>
+          </a:lstStyle>
+          <a:p>
+            <a:pPr/>
+            <a:r>
+              <a:t>Can you see the difference?</a:t>
+            </a:r>
+          </a:p>
+        </p:txBody>
+      </p:sp>
+    </p:spTree>
+  </p:cSld>
+  <p:clrMapOvr>
+    <a:masterClrMapping/>
+  </p:clrMapOvr>
+  <p:transition xmlns:p14="http://schemas.microsoft.com/office/powerpoint/2010/main" spd="med" advClick="1"/>
+</p:sld>
+</file>
+
+<file path=ppt/slides/slide7.xml><?xml version="1.0" encoding="utf-8"?>
+<p:sld xmlns:a="http://schemas.openxmlformats.org/drawingml/2006/main" xmlns:r="http://schemas.openxmlformats.org/officeDocument/2006/relationships" xmlns:p="http://schemas.openxmlformats.org/presentationml/2006/main" xmlns:m="http://schemas.openxmlformats.org/officeDocument/2006/math" xmlns:a14="http://schemas.microsoft.com/office/drawing/2010/main" showMasterSp="1" showMasterPhAnim="1">
+  <p:cSld>
+    <p:bg>
+      <p:bgPr>
+        <a:solidFill>
+          <a:srgbClr val="EDDACC"/>
+        </a:solidFill>
+      </p:bgPr>
+    </p:bg>
+    <p:spTree>
+      <p:nvGrpSpPr>
+        <p:cNvPr id="1" name=""/>
+        <p:cNvGrpSpPr/>
+        <p:nvPr/>
+      </p:nvGrpSpPr>
+      <p:grpSpPr>
+        <a:xfrm>
+          <a:off x="0" y="0"/>
+          <a:ext cx="0" cy="0"/>
+          <a:chOff x="0" y="0"/>
+          <a:chExt cx="0" cy="0"/>
+        </a:xfrm>
+      </p:grpSpPr>
+      <p:pic>
+        <p:nvPicPr>
+          <p:cNvPr id="152" name="5f461d116006137.6059ac1f3a043.jpg" descr="5f461d116006137.6059ac1f3a043.jpg"/>
+          <p:cNvPicPr>
+            <a:picLocks noChangeAspect="1"/>
+          </p:cNvPicPr>
+          <p:nvPr/>
+        </p:nvPicPr>
+        <p:blipFill>
+          <a:blip r:embed="rId2">
+            <a:extLst/>
+          </a:blip>
+          <a:stretch>
+            <a:fillRect/>
+          </a:stretch>
+        </p:blipFill>
+        <p:spPr>
+          <a:xfrm>
+            <a:off x="-38625" y="-1281005"/>
+            <a:ext cx="12269250" cy="8179500"/>
+          </a:xfrm>
+          <a:prstGeom prst="rect">
+            <a:avLst/>
+          </a:prstGeom>
+          <a:ln w="12700">
+            <a:miter lim="400000"/>
+          </a:ln>
+        </p:spPr>
+      </p:pic>
+      <p:sp>
+        <p:nvSpPr>
+          <p:cNvPr id="153" name="Google Shape;55;p13"/>
+          <p:cNvSpPr txBox="1"/>
+          <p:nvPr>
+            <p:ph type="title"/>
+          </p:nvPr>
+        </p:nvSpPr>
+        <p:spPr>
+          <a:xfrm>
+            <a:off x="415599" y="265599"/>
+            <a:ext cx="11360802" cy="1320401"/>
+          </a:xfrm>
+          <a:prstGeom prst="rect">
+            <a:avLst/>
+          </a:prstGeom>
+        </p:spPr>
+        <p:txBody>
+          <a:bodyPr/>
+          <a:lstStyle>
+            <a:lvl1pPr defTabSz="1109472">
+              <a:defRPr sz="6188">
+                <a:solidFill>
+                  <a:srgbClr val="FFFFFF"/>
+                </a:solidFill>
+                <a:latin typeface="Avenir Book"/>
+                <a:ea typeface="Avenir Book"/>
+                <a:cs typeface="Avenir Book"/>
+                <a:sym typeface="Avenir Book"/>
+              </a:defRPr>
+            </a:lvl1pPr>
+          </a:lstStyle>
+          <a:p>
+            <a:pPr/>
+            <a:r>
+              <a:t>Subqueries</a:t>
+            </a:r>
+          </a:p>
+        </p:txBody>
+      </p:sp>
+      <p:sp>
+        <p:nvSpPr>
+          <p:cNvPr id="154" name="Google Shape;69;p14"/>
+          <p:cNvSpPr txBox="1"/>
+          <p:nvPr/>
+        </p:nvSpPr>
+        <p:spPr>
+          <a:xfrm>
+            <a:off x="998598" y="1746346"/>
+            <a:ext cx="10639322" cy="5524461"/>
+          </a:xfrm>
+          <a:prstGeom prst="rect">
+            <a:avLst/>
+          </a:prstGeom>
+          <a:ln w="12700">
+            <a:miter lim="400000"/>
+          </a:ln>
+          <a:extLst>
+            <a:ext uri="{C572A759-6A51-4108-AA02-DFA0A04FC94B}">
+              <ma14:wrappingTextBoxFlag xmlns:ma14="http://schemas.microsoft.com/office/mac/drawingml/2011/main" val="1"/>
+            </a:ext>
+          </a:extLst>
+        </p:spPr>
+        <p:txBody>
+          <a:bodyPr lIns="121899" tIns="121899" rIns="121899" bIns="121899">
+            <a:spAutoFit/>
+          </a:bodyPr>
+          <a:lstStyle/>
+          <a:p>
+            <a:pPr marL="260684" indent="-260684" defTabSz="1219200">
+              <a:lnSpc>
+                <a:spcPct val="120000"/>
+              </a:lnSpc>
+              <a:buSzPct val="100000"/>
+              <a:buChar char="•"/>
+              <a:defRPr sz="2600">
+                <a:solidFill>
+                  <a:srgbClr val="FFFFFF"/>
+                </a:solidFill>
+                <a:latin typeface="Avenir Book"/>
+                <a:ea typeface="Avenir Book"/>
+                <a:cs typeface="Avenir Book"/>
+                <a:sym typeface="Avenir Book"/>
+              </a:defRPr>
+            </a:pPr>
+            <a:r>
+              <a:t>‘Find the actors that played a role in film 2’ is not very informative.</a:t>
+            </a:r>
+          </a:p>
+          <a:p>
+            <a:pPr marL="260684" indent="-260684" defTabSz="1219200">
+              <a:lnSpc>
+                <a:spcPct val="120000"/>
+              </a:lnSpc>
+              <a:buSzPct val="100000"/>
+              <a:buChar char="•"/>
+              <a:defRPr sz="2600">
+                <a:solidFill>
+                  <a:srgbClr val="FFFFFF"/>
+                </a:solidFill>
+                <a:latin typeface="Avenir Book"/>
+                <a:ea typeface="Avenir Book"/>
+                <a:cs typeface="Avenir Book"/>
+                <a:sym typeface="Avenir Book"/>
+              </a:defRPr>
+            </a:pPr>
+            <a:r>
+              <a:t>We might want to see the actors that played a role in a film whose name we know</a:t>
+            </a:r>
+          </a:p>
+          <a:p>
+            <a:pPr marL="260684" indent="-260684" defTabSz="1219200">
+              <a:lnSpc>
+                <a:spcPct val="120000"/>
+              </a:lnSpc>
+              <a:buSzPct val="100000"/>
+              <a:buChar char="•"/>
+              <a:defRPr sz="2600">
+                <a:solidFill>
+                  <a:srgbClr val="FFFFFF"/>
+                </a:solidFill>
+                <a:latin typeface="Avenir Book"/>
+                <a:ea typeface="Avenir Book"/>
+                <a:cs typeface="Avenir Book"/>
+                <a:sym typeface="Avenir Book"/>
+              </a:defRPr>
+            </a:pPr>
+            <a:r>
+              <a:t>We can do a subquery inside a subquery (inside a subquery…)</a:t>
+            </a:r>
+          </a:p>
+          <a:p>
+            <a:pPr>
+              <a:spcBef>
+                <a:spcPts val="1000"/>
+              </a:spcBef>
+              <a:defRPr b="1" sz="2500">
+                <a:solidFill>
+                  <a:srgbClr val="FFFFFF"/>
+                </a:solidFill>
+                <a:latin typeface="Courier New"/>
+                <a:ea typeface="Courier New"/>
+                <a:cs typeface="Courier New"/>
+                <a:sym typeface="Courier New"/>
+              </a:defRPr>
+            </a:pPr>
+            <a:r>
+              <a:t>SELECT * FROM actor</a:t>
+            </a:r>
+            <a:br/>
+            <a:r>
+              <a:t>WHERE actor_id IN </a:t>
+            </a:r>
+            <a:br/>
+            <a:r>
+              <a:t>	(SELECT actor_id FROM film_actor</a:t>
+            </a:r>
+            <a:br/>
+            <a:r>
+              <a:t>	WHERE film_id = </a:t>
+            </a:r>
+            <a:br/>
+            <a:r>
+              <a:t>		(SELECT film_id FROM film </a:t>
+            </a:r>
+            <a:br/>
+            <a:r>
+              <a:t>		WHERE title = 'DRAGON SQUAD')</a:t>
+            </a:r>
+            <a:br/>
+            <a:r>
+              <a:t>	);</a:t>
+            </a:r>
+          </a:p>
+        </p:txBody>
+      </p:sp>
+      <p:sp>
+        <p:nvSpPr>
+          <p:cNvPr id="155" name="What do these queries…"/>
+          <p:cNvSpPr txBox="1"/>
+          <p:nvPr/>
+        </p:nvSpPr>
+        <p:spPr>
+          <a:xfrm>
+            <a:off x="8769563" y="5076140"/>
+            <a:ext cx="2645629" cy="667332"/>
+          </a:xfrm>
+          <a:prstGeom prst="rect">
+            <a:avLst/>
+          </a:prstGeom>
+          <a:ln w="12700">
+            <a:miter lim="400000"/>
+          </a:ln>
+          <a:extLst>
+            <a:ext uri="{C572A759-6A51-4108-AA02-DFA0A04FC94B}">
+              <ma14:wrappingTextBoxFlag xmlns:ma14="http://schemas.microsoft.com/office/mac/drawingml/2011/main" val="1"/>
+            </a:ext>
+          </a:extLst>
+        </p:spPr>
+        <p:txBody>
+          <a:bodyPr wrap="none" lIns="45719" rIns="45719">
+            <a:spAutoFit/>
+          </a:bodyPr>
+          <a:lstStyle/>
+          <a:p>
+            <a:pPr>
+              <a:defRPr i="1" sz="2000">
+                <a:solidFill>
+                  <a:srgbClr val="FFFFFF"/>
+                </a:solidFill>
+                <a:latin typeface="Arial"/>
+                <a:ea typeface="Arial"/>
+                <a:cs typeface="Arial"/>
+                <a:sym typeface="Arial"/>
+              </a:defRPr>
+            </a:pPr>
+            <a:r>
+              <a:t>What do these queries</a:t>
+            </a:r>
+          </a:p>
+          <a:p>
+            <a:pPr>
+              <a:defRPr i="1" sz="2000">
+                <a:solidFill>
+                  <a:srgbClr val="FFFFFF"/>
+                </a:solidFill>
+                <a:latin typeface="Arial"/>
+                <a:ea typeface="Arial"/>
+                <a:cs typeface="Arial"/>
+                <a:sym typeface="Arial"/>
+              </a:defRPr>
+            </a:pPr>
+            <a:r>
+              <a:t>return?</a:t>
+            </a:r>
+          </a:p>
+        </p:txBody>
+      </p:sp>
+      <p:sp>
+        <p:nvSpPr>
+          <p:cNvPr id="156" name="Línea"/>
           <p:cNvSpPr/>
           <p:nvPr/>
         </p:nvSpPr>
@@ -6912,7 +7140,7 @@
       </p:sp>
       <p:sp>
         <p:nvSpPr>
-          <p:cNvPr id="162" name="Línea"/>
+          <p:cNvPr id="157" name="Línea"/>
           <p:cNvSpPr/>
           <p:nvPr/>
         </p:nvSpPr>
@@ -6942,14 +7170,14 @@
       </p:sp>
       <p:pic>
         <p:nvPicPr>
-          <p:cNvPr id="163" name="png-clipart-leonardo-dicaprio-inception-internet-meme-leonardo-dicaprio-thumbnail-1.png" descr="png-clipart-leonardo-dicaprio-inception-internet-meme-leonardo-dicaprio-thumbnail-1.png"/>
+          <p:cNvPr id="158" name="png-clipart-leonardo-dicaprio-inception-internet-meme-leonardo-dicaprio-thumbnail-1.png" descr="png-clipart-leonardo-dicaprio-inception-internet-meme-leonardo-dicaprio-thumbnail-1.png"/>
           <p:cNvPicPr>
             <a:picLocks noChangeAspect="1"/>
           </p:cNvPicPr>
           <p:nvPr/>
         </p:nvPicPr>
         <p:blipFill>
-          <a:blip r:embed="rId2">
+          <a:blip r:embed="rId3">
             <a:extLst/>
           </a:blip>
           <a:stretch>
@@ -6958,7 +7186,7 @@
         </p:blipFill>
         <p:spPr>
           <a:xfrm>
-            <a:off x="10736192" y="3281961"/>
+            <a:off x="10843784" y="3425417"/>
             <a:ext cx="505669" cy="505669"/>
           </a:xfrm>
           <a:prstGeom prst="rect">
@@ -7008,7 +7236,7 @@
                                       <p:cBhvr>
                                         <p:cTn id="6" fill="hold"/>
                                         <p:tgtEl>
-                                          <p:spTgt spid="163"/>
+                                          <p:spTgt spid="158"/>
                                         </p:tgtEl>
                                         <p:attrNameLst>
                                           <p:attrName>style.visibility</p:attrName>
@@ -7049,424 +7277,9 @@
       </p:par>
     </p:tnLst>
     <p:bldLst>
-      <p:bldP build="whole" bldLvl="1" animBg="1" rev="0" advAuto="0" spid="163" grpId="1"/>
+      <p:bldP build="whole" bldLvl="1" animBg="1" rev="0" advAuto="0" spid="158" grpId="1"/>
     </p:bldLst>
   </p:timing>
-</p:sld>
-</file>
-
-<file path=ppt/slides/slide7.xml><?xml version="1.0" encoding="utf-8"?>
-<p:sld xmlns:a="http://schemas.openxmlformats.org/drawingml/2006/main" xmlns:r="http://schemas.openxmlformats.org/officeDocument/2006/relationships" xmlns:p="http://schemas.openxmlformats.org/presentationml/2006/main" xmlns:m="http://schemas.openxmlformats.org/officeDocument/2006/math" xmlns:a14="http://schemas.microsoft.com/office/drawing/2010/main" showMasterSp="1" showMasterPhAnim="1">
-  <p:cSld>
-    <p:bg>
-      <p:bgPr>
-        <a:solidFill>
-          <a:srgbClr val="EDDACC"/>
-        </a:solidFill>
-      </p:bgPr>
-    </p:bg>
-    <p:spTree>
-      <p:nvGrpSpPr>
-        <p:cNvPr id="1" name=""/>
-        <p:cNvGrpSpPr/>
-        <p:nvPr/>
-      </p:nvGrpSpPr>
-      <p:grpSpPr>
-        <a:xfrm>
-          <a:off x="0" y="0"/>
-          <a:ext cx="0" cy="0"/>
-          <a:chOff x="0" y="0"/>
-          <a:chExt cx="0" cy="0"/>
-        </a:xfrm>
-      </p:grpSpPr>
-      <p:sp>
-        <p:nvSpPr>
-          <p:cNvPr id="165" name="Google Shape;66;p14"/>
-          <p:cNvSpPr/>
-          <p:nvPr/>
-        </p:nvSpPr>
-        <p:spPr>
-          <a:xfrm>
-            <a:off x="-94867" y="-1"/>
-            <a:ext cx="12454400" cy="1822001"/>
-          </a:xfrm>
-          <a:prstGeom prst="rect">
-            <a:avLst/>
-          </a:prstGeom>
-          <a:solidFill>
-            <a:srgbClr val="264190"/>
-          </a:solidFill>
-          <a:ln w="38100">
-            <a:solidFill>
-              <a:srgbClr val="000000"/>
-            </a:solidFill>
-          </a:ln>
-        </p:spPr>
-        <p:txBody>
-          <a:bodyPr lIns="0" tIns="0" rIns="0" bIns="0" anchor="ctr"/>
-          <a:lstStyle/>
-          <a:p>
-            <a:pPr defTabSz="1219200">
-              <a:defRPr>
-                <a:solidFill>
-                  <a:srgbClr val="F5B679"/>
-                </a:solidFill>
-                <a:latin typeface="Arial"/>
-                <a:ea typeface="Arial"/>
-                <a:cs typeface="Arial"/>
-                <a:sym typeface="Arial"/>
-              </a:defRPr>
-            </a:pPr>
-          </a:p>
-        </p:txBody>
-      </p:sp>
-      <p:sp>
-        <p:nvSpPr>
-          <p:cNvPr id="166" name="Google Shape;67;p14"/>
-          <p:cNvSpPr/>
-          <p:nvPr/>
-        </p:nvSpPr>
-        <p:spPr>
-          <a:xfrm>
-            <a:off x="-189701" y="1764300"/>
-            <a:ext cx="12483202" cy="1"/>
-          </a:xfrm>
-          <a:prstGeom prst="line">
-            <a:avLst/>
-          </a:prstGeom>
-          <a:ln w="38100">
-            <a:solidFill>
-              <a:srgbClr val="000000"/>
-            </a:solidFill>
-          </a:ln>
-        </p:spPr>
-        <p:txBody>
-          <a:bodyPr lIns="0" tIns="0" rIns="0" bIns="0"/>
-          <a:lstStyle/>
-          <a:p>
-            <a:pPr defTabSz="1219200">
-              <a:defRPr>
-                <a:latin typeface="Arial"/>
-                <a:ea typeface="Arial"/>
-                <a:cs typeface="Arial"/>
-                <a:sym typeface="Arial"/>
-              </a:defRPr>
-            </a:pPr>
-          </a:p>
-        </p:txBody>
-      </p:sp>
-      <p:sp>
-        <p:nvSpPr>
-          <p:cNvPr id="167" name="2. Google Shape;68;p14"/>
-          <p:cNvSpPr txBox="1"/>
-          <p:nvPr>
-            <p:ph type="title"/>
-          </p:nvPr>
-        </p:nvSpPr>
-        <p:spPr>
-          <a:xfrm>
-            <a:off x="451933" y="294754"/>
-            <a:ext cx="11360801" cy="1232492"/>
-          </a:xfrm>
-          <a:prstGeom prst="rect">
-            <a:avLst/>
-          </a:prstGeom>
-        </p:spPr>
-        <p:txBody>
-          <a:bodyPr anchor="ctr"/>
-          <a:lstStyle>
-            <a:lvl1pPr>
-              <a:defRPr b="1" sz="6000">
-                <a:solidFill>
-                  <a:srgbClr val="FFFFFF"/>
-                </a:solidFill>
-              </a:defRPr>
-            </a:lvl1pPr>
-          </a:lstStyle>
-          <a:p>
-            <a:pPr/>
-            <a:r>
-              <a:t>Derived Subqueries</a:t>
-            </a:r>
-          </a:p>
-        </p:txBody>
-      </p:sp>
-      <p:sp>
-        <p:nvSpPr>
-          <p:cNvPr id="168" name="Google Shape;69;p14"/>
-          <p:cNvSpPr txBox="1"/>
-          <p:nvPr/>
-        </p:nvSpPr>
-        <p:spPr>
-          <a:xfrm>
-            <a:off x="980666" y="1790460"/>
-            <a:ext cx="10230668" cy="5105798"/>
-          </a:xfrm>
-          <a:prstGeom prst="rect">
-            <a:avLst/>
-          </a:prstGeom>
-          <a:ln w="12700">
-            <a:miter lim="400000"/>
-          </a:ln>
-          <a:extLst>
-            <a:ext uri="{C572A759-6A51-4108-AA02-DFA0A04FC94B}">
-              <ma14:wrappingTextBoxFlag xmlns:ma14="http://schemas.microsoft.com/office/mac/drawingml/2011/main" val="1"/>
-            </a:ext>
-          </a:extLst>
-        </p:spPr>
-        <p:txBody>
-          <a:bodyPr lIns="121899" tIns="121899" rIns="121899" bIns="121899">
-            <a:spAutoFit/>
-          </a:bodyPr>
-          <a:lstStyle/>
-          <a:p>
-            <a:pPr marL="260684" indent="-260684" defTabSz="1219200">
-              <a:lnSpc>
-                <a:spcPct val="120000"/>
-              </a:lnSpc>
-              <a:buSzPct val="100000"/>
-              <a:buChar char="•"/>
-              <a:defRPr sz="2600">
-                <a:latin typeface="Arial"/>
-                <a:ea typeface="Arial"/>
-                <a:cs typeface="Arial"/>
-                <a:sym typeface="Arial"/>
-              </a:defRPr>
-            </a:pPr>
-            <a:r>
-              <a:t>A derived table is a subquery nested within a </a:t>
-            </a:r>
-            <a:r>
-              <a:rPr>
-                <a:latin typeface="Courier New"/>
-                <a:ea typeface="Courier New"/>
-                <a:cs typeface="Courier New"/>
-                <a:sym typeface="Courier New"/>
-              </a:rPr>
-              <a:t>FROM</a:t>
-            </a:r>
-            <a:r>
-              <a:t> statement</a:t>
-            </a:r>
-          </a:p>
-          <a:p>
-            <a:pPr marL="260684" indent="-260684" defTabSz="1219200">
-              <a:lnSpc>
-                <a:spcPct val="120000"/>
-              </a:lnSpc>
-              <a:buSzPct val="100000"/>
-              <a:buChar char="•"/>
-              <a:defRPr sz="2600">
-                <a:latin typeface="Arial"/>
-                <a:ea typeface="Arial"/>
-                <a:cs typeface="Arial"/>
-                <a:sym typeface="Arial"/>
-              </a:defRPr>
-            </a:pPr>
-            <a:r>
-              <a:t>The </a:t>
-            </a:r>
-            <a:r>
-              <a:rPr>
-                <a:latin typeface="Courier New"/>
-                <a:ea typeface="Courier New"/>
-                <a:cs typeface="Courier New"/>
-                <a:sym typeface="Courier New"/>
-              </a:rPr>
-              <a:t>FROM</a:t>
-            </a:r>
-            <a:r>
-              <a:t> takes info from the output as if it was a regular table</a:t>
-            </a:r>
-          </a:p>
-          <a:p>
-            <a:pPr marL="260684" indent="-260684" defTabSz="1219200">
-              <a:lnSpc>
-                <a:spcPct val="120000"/>
-              </a:lnSpc>
-              <a:buSzPct val="100000"/>
-              <a:buChar char="•"/>
-              <a:defRPr sz="2600">
-                <a:latin typeface="Arial"/>
-                <a:ea typeface="Arial"/>
-                <a:cs typeface="Arial"/>
-                <a:sym typeface="Arial"/>
-              </a:defRPr>
-            </a:pPr>
-            <a:r>
-              <a:t>Subqueries have to get an alias</a:t>
-            </a:r>
-          </a:p>
-          <a:p>
-            <a:pPr marL="260684" indent="-260684" defTabSz="1219200">
-              <a:lnSpc>
-                <a:spcPct val="120000"/>
-              </a:lnSpc>
-              <a:buSzPct val="100000"/>
-              <a:buChar char="•"/>
-              <a:defRPr sz="2600">
-                <a:latin typeface="Arial"/>
-                <a:ea typeface="Arial"/>
-                <a:cs typeface="Arial"/>
-                <a:sym typeface="Arial"/>
-              </a:defRPr>
-            </a:pPr>
-            <a:r>
-              <a:t>Example: Average spending per customer</a:t>
-            </a:r>
-          </a:p>
-          <a:p>
-            <a:pPr>
-              <a:lnSpc>
-                <a:spcPct val="80000"/>
-              </a:lnSpc>
-              <a:spcBef>
-                <a:spcPts val="1000"/>
-              </a:spcBef>
-              <a:defRPr sz="2500">
-                <a:latin typeface="Courier New"/>
-                <a:ea typeface="Courier New"/>
-                <a:cs typeface="Courier New"/>
-                <a:sym typeface="Courier New"/>
-              </a:defRPr>
-            </a:pPr>
-            <a:r>
-              <a:t>SELECT AVG(</a:t>
-            </a:r>
-            <a:r>
-              <a:rPr>
-                <a:solidFill>
-                  <a:srgbClr val="0122FF"/>
-                </a:solidFill>
-              </a:rPr>
-              <a:t>a</a:t>
-            </a:r>
-            <a:r>
-              <a:t>) FROM </a:t>
-            </a:r>
-          </a:p>
-          <a:p>
-            <a:pPr>
-              <a:lnSpc>
-                <a:spcPct val="80000"/>
-              </a:lnSpc>
-              <a:spcBef>
-                <a:spcPts val="1000"/>
-              </a:spcBef>
-              <a:defRPr sz="2500">
-                <a:latin typeface="Courier New"/>
-                <a:ea typeface="Courier New"/>
-                <a:cs typeface="Courier New"/>
-                <a:sym typeface="Courier New"/>
-              </a:defRPr>
-            </a:pPr>
-            <a:r>
-              <a:t>	(</a:t>
-            </a:r>
-          </a:p>
-          <a:p>
-            <a:pPr>
-              <a:lnSpc>
-                <a:spcPct val="80000"/>
-              </a:lnSpc>
-              <a:spcBef>
-                <a:spcPts val="1000"/>
-              </a:spcBef>
-              <a:defRPr sz="2500">
-                <a:latin typeface="Courier New"/>
-                <a:ea typeface="Courier New"/>
-                <a:cs typeface="Courier New"/>
-                <a:sym typeface="Courier New"/>
-              </a:defRPr>
-            </a:pPr>
-            <a:r>
-              <a:t>	SELECT customer_id, </a:t>
-            </a:r>
-            <a:r>
-              <a:rPr>
-                <a:solidFill>
-                  <a:srgbClr val="0122FF"/>
-                </a:solidFill>
-              </a:rPr>
-              <a:t>SUM(amount)</a:t>
-            </a:r>
-            <a:r>
-              <a:t> AS </a:t>
-            </a:r>
-            <a:r>
-              <a:rPr>
-                <a:solidFill>
-                  <a:srgbClr val="0122FF"/>
-                </a:solidFill>
-              </a:rPr>
-              <a:t>a</a:t>
-            </a:r>
-          </a:p>
-          <a:p>
-            <a:pPr>
-              <a:lnSpc>
-                <a:spcPct val="80000"/>
-              </a:lnSpc>
-              <a:spcBef>
-                <a:spcPts val="1000"/>
-              </a:spcBef>
-              <a:defRPr sz="2500">
-                <a:latin typeface="Courier New"/>
-                <a:ea typeface="Courier New"/>
-                <a:cs typeface="Courier New"/>
-                <a:sym typeface="Courier New"/>
-              </a:defRPr>
-            </a:pPr>
-            <a:r>
-              <a:t>	FROM payment</a:t>
-            </a:r>
-          </a:p>
-          <a:p>
-            <a:pPr>
-              <a:lnSpc>
-                <a:spcPct val="80000"/>
-              </a:lnSpc>
-              <a:spcBef>
-                <a:spcPts val="1000"/>
-              </a:spcBef>
-              <a:defRPr sz="2500">
-                <a:latin typeface="Courier New"/>
-                <a:ea typeface="Courier New"/>
-                <a:cs typeface="Courier New"/>
-                <a:sym typeface="Courier New"/>
-              </a:defRPr>
-            </a:pPr>
-            <a:r>
-              <a:t>	GROUP BY customer_id</a:t>
-            </a:r>
-          </a:p>
-          <a:p>
-            <a:pPr>
-              <a:lnSpc>
-                <a:spcPct val="80000"/>
-              </a:lnSpc>
-              <a:spcBef>
-                <a:spcPts val="1000"/>
-              </a:spcBef>
-              <a:defRPr sz="2500">
-                <a:latin typeface="Courier New"/>
-                <a:ea typeface="Courier New"/>
-                <a:cs typeface="Courier New"/>
-                <a:sym typeface="Courier New"/>
-              </a:defRPr>
-            </a:pPr>
-            <a:r>
-              <a:t>	) AS totals;</a:t>
-            </a:r>
-          </a:p>
-        </p:txBody>
-      </p:sp>
-    </p:spTree>
-  </p:cSld>
-  <p:clrMapOvr>
-    <a:masterClrMapping/>
-  </p:clrMapOvr>
-  <p:transition xmlns:p14="http://schemas.microsoft.com/office/powerpoint/2010/main" spd="med" advClick="1"/>
 </p:sld>
 </file>
 
@@ -7494,128 +7307,45 @@
           <a:chExt cx="0" cy="0"/>
         </a:xfrm>
       </p:grpSpPr>
-      <p:sp>
-        <p:nvSpPr>
-          <p:cNvPr id="170" name="Google Shape;66;p14"/>
-          <p:cNvSpPr/>
+      <p:pic>
+        <p:nvPicPr>
+          <p:cNvPr id="160" name="5f461d116006137.6059ac1f3a043.jpg" descr="5f461d116006137.6059ac1f3a043.jpg"/>
+          <p:cNvPicPr>
+            <a:picLocks noChangeAspect="1"/>
+          </p:cNvPicPr>
           <p:nvPr/>
-        </p:nvSpPr>
+        </p:nvPicPr>
+        <p:blipFill>
+          <a:blip r:embed="rId2">
+            <a:extLst/>
+          </a:blip>
+          <a:stretch>
+            <a:fillRect/>
+          </a:stretch>
+        </p:blipFill>
         <p:spPr>
           <a:xfrm>
-            <a:off x="-94867" y="-1"/>
-            <a:ext cx="12454400" cy="1822001"/>
+            <a:off x="-38625" y="-1281005"/>
+            <a:ext cx="12269250" cy="8179500"/>
           </a:xfrm>
           <a:prstGeom prst="rect">
             <a:avLst/>
           </a:prstGeom>
-          <a:solidFill>
-            <a:srgbClr val="264190"/>
-          </a:solidFill>
-          <a:ln w="38100">
-            <a:solidFill>
-              <a:srgbClr val="000000"/>
-            </a:solidFill>
+          <a:ln w="12700">
+            <a:miter lim="400000"/>
           </a:ln>
         </p:spPr>
-        <p:txBody>
-          <a:bodyPr lIns="0" tIns="0" rIns="0" bIns="0" anchor="ctr"/>
-          <a:lstStyle/>
-          <a:p>
-            <a:pPr defTabSz="1219200">
-              <a:defRPr>
-                <a:solidFill>
-                  <a:srgbClr val="F5B679"/>
-                </a:solidFill>
-                <a:latin typeface="Arial"/>
-                <a:ea typeface="Arial"/>
-                <a:cs typeface="Arial"/>
-                <a:sym typeface="Arial"/>
-              </a:defRPr>
-            </a:pPr>
-          </a:p>
-        </p:txBody>
-      </p:sp>
+      </p:pic>
       <p:sp>
         <p:nvSpPr>
-          <p:cNvPr id="171" name="Google Shape;67;p14"/>
-          <p:cNvSpPr/>
-          <p:nvPr/>
-        </p:nvSpPr>
-        <p:spPr>
-          <a:xfrm>
-            <a:off x="-189701" y="1764300"/>
-            <a:ext cx="12483202" cy="1"/>
-          </a:xfrm>
-          <a:prstGeom prst="line">
-            <a:avLst/>
-          </a:prstGeom>
-          <a:ln w="38100">
-            <a:solidFill>
-              <a:srgbClr val="000000"/>
-            </a:solidFill>
-          </a:ln>
-        </p:spPr>
-        <p:txBody>
-          <a:bodyPr lIns="0" tIns="0" rIns="0" bIns="0"/>
-          <a:lstStyle/>
-          <a:p>
-            <a:pPr defTabSz="1219200">
-              <a:defRPr>
-                <a:latin typeface="Arial"/>
-                <a:ea typeface="Arial"/>
-                <a:cs typeface="Arial"/>
-                <a:sym typeface="Arial"/>
-              </a:defRPr>
-            </a:pPr>
-          </a:p>
-        </p:txBody>
-      </p:sp>
-      <p:sp>
-        <p:nvSpPr>
-          <p:cNvPr id="172" name="2. Google Shape;68;p14"/>
-          <p:cNvSpPr txBox="1"/>
-          <p:nvPr>
-            <p:ph type="title"/>
-          </p:nvPr>
-        </p:nvSpPr>
-        <p:spPr>
-          <a:xfrm>
-            <a:off x="451933" y="294754"/>
-            <a:ext cx="11360801" cy="1232492"/>
-          </a:xfrm>
-          <a:prstGeom prst="rect">
-            <a:avLst/>
-          </a:prstGeom>
-        </p:spPr>
-        <p:txBody>
-          <a:bodyPr anchor="ctr"/>
-          <a:lstStyle>
-            <a:lvl1pPr>
-              <a:defRPr b="1" sz="6000">
-                <a:solidFill>
-                  <a:srgbClr val="FFFFFF"/>
-                </a:solidFill>
-              </a:defRPr>
-            </a:lvl1pPr>
-          </a:lstStyle>
-          <a:p>
-            <a:pPr/>
-            <a:r>
-              <a:t>Challenges</a:t>
-            </a:r>
-          </a:p>
-        </p:txBody>
-      </p:sp>
-      <p:sp>
-        <p:nvSpPr>
-          <p:cNvPr id="173" name="Google Shape;69;p14"/>
+          <p:cNvPr id="161" name="Google Shape;69;p14"/>
           <p:cNvSpPr txBox="1"/>
           <p:nvPr/>
         </p:nvSpPr>
         <p:spPr>
           <a:xfrm>
             <a:off x="980666" y="1790460"/>
-            <a:ext cx="10230668" cy="5122465"/>
+            <a:ext cx="10230668" cy="5370806"/>
           </a:xfrm>
           <a:prstGeom prst="rect">
             <a:avLst/>
@@ -7635,6 +7365,156 @@
           </a:bodyPr>
           <a:lstStyle/>
           <a:p>
+            <a:pPr marL="260684" indent="-260684" defTabSz="1219200">
+              <a:lnSpc>
+                <a:spcPct val="120000"/>
+              </a:lnSpc>
+              <a:buSzPct val="100000"/>
+              <a:buChar char="•"/>
+              <a:defRPr sz="2600">
+                <a:solidFill>
+                  <a:srgbClr val="FFFFFF"/>
+                </a:solidFill>
+                <a:latin typeface="Arial"/>
+                <a:ea typeface="Arial"/>
+                <a:cs typeface="Arial"/>
+                <a:sym typeface="Arial"/>
+              </a:defRPr>
+            </a:pPr>
+            <a:r>
+              <a:rPr>
+                <a:latin typeface="Avenir Book"/>
+                <a:ea typeface="Avenir Book"/>
+                <a:cs typeface="Avenir Book"/>
+                <a:sym typeface="Avenir Book"/>
+              </a:rPr>
+              <a:t>A derived table is a subquery nested within a </a:t>
+            </a:r>
+            <a:r>
+              <a:rPr>
+                <a:latin typeface="Courier New"/>
+                <a:ea typeface="Courier New"/>
+                <a:cs typeface="Courier New"/>
+                <a:sym typeface="Courier New"/>
+              </a:rPr>
+              <a:t>FROM</a:t>
+            </a:r>
+            <a:r>
+              <a:t> </a:t>
+            </a:r>
+            <a:r>
+              <a:rPr>
+                <a:latin typeface="Avenir Book"/>
+                <a:ea typeface="Avenir Book"/>
+                <a:cs typeface="Avenir Book"/>
+                <a:sym typeface="Avenir Book"/>
+              </a:rPr>
+              <a:t>statement</a:t>
+            </a:r>
+            <a:endParaRPr>
+              <a:latin typeface="Avenir Book"/>
+              <a:ea typeface="Avenir Book"/>
+              <a:cs typeface="Avenir Book"/>
+              <a:sym typeface="Avenir Book"/>
+            </a:endParaRPr>
+          </a:p>
+          <a:p>
+            <a:pPr marL="260684" indent="-260684" defTabSz="1219200">
+              <a:lnSpc>
+                <a:spcPct val="120000"/>
+              </a:lnSpc>
+              <a:buSzPct val="100000"/>
+              <a:buChar char="•"/>
+              <a:defRPr sz="2600">
+                <a:solidFill>
+                  <a:srgbClr val="FFFFFF"/>
+                </a:solidFill>
+                <a:latin typeface="Arial"/>
+                <a:ea typeface="Arial"/>
+                <a:cs typeface="Arial"/>
+                <a:sym typeface="Arial"/>
+              </a:defRPr>
+            </a:pPr>
+            <a:r>
+              <a:rPr>
+                <a:latin typeface="Avenir Book"/>
+                <a:ea typeface="Avenir Book"/>
+                <a:cs typeface="Avenir Book"/>
+                <a:sym typeface="Avenir Book"/>
+              </a:rPr>
+              <a:t>The </a:t>
+            </a:r>
+            <a:r>
+              <a:rPr>
+                <a:latin typeface="Courier New"/>
+                <a:ea typeface="Courier New"/>
+                <a:cs typeface="Courier New"/>
+                <a:sym typeface="Courier New"/>
+              </a:rPr>
+              <a:t>FROM</a:t>
+            </a:r>
+            <a:r>
+              <a:t> </a:t>
+            </a:r>
+            <a:r>
+              <a:rPr>
+                <a:latin typeface="Avenir Book"/>
+                <a:ea typeface="Avenir Book"/>
+                <a:cs typeface="Avenir Book"/>
+                <a:sym typeface="Avenir Book"/>
+              </a:rPr>
+              <a:t>takes info from the output as if it was a regular table</a:t>
+            </a:r>
+            <a:endParaRPr>
+              <a:latin typeface="Avenir Book"/>
+              <a:ea typeface="Avenir Book"/>
+              <a:cs typeface="Avenir Book"/>
+              <a:sym typeface="Avenir Book"/>
+            </a:endParaRPr>
+          </a:p>
+          <a:p>
+            <a:pPr marL="260684" indent="-260684" defTabSz="1219200">
+              <a:lnSpc>
+                <a:spcPct val="120000"/>
+              </a:lnSpc>
+              <a:buSzPct val="100000"/>
+              <a:buChar char="•"/>
+              <a:defRPr sz="2600">
+                <a:solidFill>
+                  <a:srgbClr val="FFFFFF"/>
+                </a:solidFill>
+                <a:latin typeface="Avenir Book"/>
+                <a:ea typeface="Avenir Book"/>
+                <a:cs typeface="Avenir Book"/>
+                <a:sym typeface="Avenir Book"/>
+              </a:defRPr>
+            </a:pPr>
+            <a:r>
+              <a:t>Subqueries have to get an alias</a:t>
+            </a:r>
+          </a:p>
+          <a:p>
+            <a:pPr marL="260684" indent="-260684" defTabSz="1219200">
+              <a:lnSpc>
+                <a:spcPct val="120000"/>
+              </a:lnSpc>
+              <a:buSzPct val="100000"/>
+              <a:buChar char="•"/>
+              <a:defRPr sz="2600">
+                <a:solidFill>
+                  <a:srgbClr val="FFFFFF"/>
+                </a:solidFill>
+                <a:latin typeface="Avenir Book"/>
+                <a:ea typeface="Avenir Book"/>
+                <a:cs typeface="Avenir Book"/>
+                <a:sym typeface="Avenir Book"/>
+              </a:defRPr>
+            </a:pPr>
+            <a:r>
+              <a:t>Example: Average spending per customer</a:t>
+            </a:r>
+          </a:p>
+          <a:p>
             <a:pPr>
               <a:lnSpc>
                 <a:spcPct val="80000"/>
@@ -7642,173 +7522,204 @@
               <a:spcBef>
                 <a:spcPts val="1000"/>
               </a:spcBef>
-              <a:defRPr sz="2500">
-                <a:latin typeface="Arial"/>
-                <a:ea typeface="Arial"/>
-                <a:cs typeface="Arial"/>
-                <a:sym typeface="Arial"/>
+              <a:defRPr b="1" sz="2500">
+                <a:solidFill>
+                  <a:srgbClr val="FFFFFF"/>
+                </a:solidFill>
+                <a:latin typeface="Courier New"/>
+                <a:ea typeface="Courier New"/>
+                <a:cs typeface="Courier New"/>
+                <a:sym typeface="Courier New"/>
               </a:defRPr>
             </a:pPr>
             <a:r>
-              <a:t>Use Subqueries to:</a:t>
-            </a:r>
-          </a:p>
-          <a:p>
-            <a:pPr marL="514350" indent="-514350">
+              <a:t>SELECT AVG(</a:t>
+            </a:r>
+            <a:r>
+              <a:rPr>
+                <a:solidFill>
+                  <a:schemeClr val="accent1">
+                    <a:lumOff val="12058"/>
+                  </a:schemeClr>
+                </a:solidFill>
+              </a:rPr>
+              <a:t>a</a:t>
+            </a:r>
+            <a:r>
+              <a:t>) FROM </a:t>
+            </a:r>
+          </a:p>
+          <a:p>
+            <a:pPr>
               <a:lnSpc>
-                <a:spcPct val="90000"/>
+                <a:spcPct val="80000"/>
               </a:lnSpc>
               <a:spcBef>
                 <a:spcPts val="1000"/>
               </a:spcBef>
-              <a:buSzPct val="100000"/>
-              <a:buAutoNum type="arabicPeriod" startAt="1"/>
-              <a:defRPr sz="2400">
-                <a:latin typeface="Arial"/>
-                <a:ea typeface="Arial"/>
-                <a:cs typeface="Arial"/>
-                <a:sym typeface="Arial"/>
+              <a:defRPr b="1" sz="2500">
+                <a:solidFill>
+                  <a:srgbClr val="FFFFFF"/>
+                </a:solidFill>
+                <a:latin typeface="Courier New"/>
+                <a:ea typeface="Courier New"/>
+                <a:cs typeface="Courier New"/>
+                <a:sym typeface="Courier New"/>
               </a:defRPr>
             </a:pPr>
             <a:r>
-              <a:t>Return the ids, title and release year of all films which have the category ‘Animation’</a:t>
-            </a:r>
-          </a:p>
-          <a:p>
-            <a:pPr marL="514350" indent="-514350">
+              <a:t>	(</a:t>
+            </a:r>
+          </a:p>
+          <a:p>
+            <a:pPr>
               <a:lnSpc>
-                <a:spcPct val="90000"/>
+                <a:spcPct val="80000"/>
               </a:lnSpc>
               <a:spcBef>
                 <a:spcPts val="1000"/>
               </a:spcBef>
-              <a:buSzPct val="100000"/>
-              <a:buAutoNum type="arabicPeriod" startAt="1"/>
-              <a:defRPr sz="2400">
-                <a:latin typeface="Arial"/>
-                <a:ea typeface="Arial"/>
-                <a:cs typeface="Arial"/>
-                <a:sym typeface="Arial"/>
+              <a:defRPr b="1" sz="2500">
+                <a:solidFill>
+                  <a:srgbClr val="FFFFFF"/>
+                </a:solidFill>
+                <a:latin typeface="Courier New"/>
+                <a:ea typeface="Courier New"/>
+                <a:cs typeface="Courier New"/>
+                <a:sym typeface="Courier New"/>
               </a:defRPr>
             </a:pPr>
             <a:r>
-              <a:t>Return the first name, last name, and email of all customers in Canada</a:t>
-            </a:r>
-          </a:p>
-          <a:p>
-            <a:pPr marL="514350" indent="-514350">
+              <a:t>	SELECT customer_id, </a:t>
+            </a:r>
+            <a:r>
+              <a:rPr>
+                <a:solidFill>
+                  <a:schemeClr val="accent1">
+                    <a:lumOff val="12058"/>
+                  </a:schemeClr>
+                </a:solidFill>
+              </a:rPr>
+              <a:t>SUM(amount)</a:t>
+            </a:r>
+            <a:r>
+              <a:t> AS </a:t>
+            </a:r>
+            <a:r>
+              <a:rPr>
+                <a:solidFill>
+                  <a:schemeClr val="accent1">
+                    <a:lumOff val="12058"/>
+                  </a:schemeClr>
+                </a:solidFill>
+              </a:rPr>
+              <a:t>a</a:t>
+            </a:r>
+          </a:p>
+          <a:p>
+            <a:pPr>
               <a:lnSpc>
-                <a:spcPct val="90000"/>
+                <a:spcPct val="80000"/>
               </a:lnSpc>
               <a:spcBef>
                 <a:spcPts val="1000"/>
               </a:spcBef>
-              <a:buSzPct val="100000"/>
-              <a:buAutoNum type="arabicPeriod" startAt="1"/>
-              <a:defRPr sz="2400">
-                <a:latin typeface="Arial"/>
-                <a:ea typeface="Arial"/>
-                <a:cs typeface="Arial"/>
-                <a:sym typeface="Arial"/>
+              <a:defRPr b="1" sz="2500">
+                <a:solidFill>
+                  <a:srgbClr val="FFFFFF"/>
+                </a:solidFill>
+                <a:latin typeface="Courier New"/>
+                <a:ea typeface="Courier New"/>
+                <a:cs typeface="Courier New"/>
+                <a:sym typeface="Courier New"/>
               </a:defRPr>
             </a:pPr>
             <a:r>
-              <a:t>Return the titles of films with movies starting with A or I and are not in the Italian, French or Spanish Language</a:t>
-            </a:r>
-          </a:p>
-          <a:p>
-            <a:pPr marL="514350" indent="-514350">
+              <a:t>	FROM payment</a:t>
+            </a:r>
+          </a:p>
+          <a:p>
+            <a:pPr>
               <a:lnSpc>
-                <a:spcPct val="90000"/>
+                <a:spcPct val="80000"/>
               </a:lnSpc>
               <a:spcBef>
                 <a:spcPts val="1000"/>
               </a:spcBef>
-              <a:buSzPct val="100000"/>
-              <a:buAutoNum type="arabicPeriod" startAt="1"/>
-              <a:defRPr sz="2400">
-                <a:latin typeface="Arial"/>
-                <a:ea typeface="Arial"/>
-                <a:cs typeface="Arial"/>
-                <a:sym typeface="Arial"/>
+              <a:defRPr b="1" sz="2500">
+                <a:solidFill>
+                  <a:srgbClr val="FFFFFF"/>
+                </a:solidFill>
+                <a:latin typeface="Courier New"/>
+                <a:ea typeface="Courier New"/>
+                <a:cs typeface="Courier New"/>
+                <a:sym typeface="Courier New"/>
               </a:defRPr>
             </a:pPr>
             <a:r>
-              <a:t>Return the average film length per rating</a:t>
-            </a:r>
-          </a:p>
-          <a:p>
-            <a:pPr marL="514350" indent="-514350">
+              <a:t>	GROUP BY customer_id</a:t>
+            </a:r>
+          </a:p>
+          <a:p>
+            <a:pPr>
               <a:lnSpc>
-                <a:spcPct val="90000"/>
+                <a:spcPct val="80000"/>
               </a:lnSpc>
               <a:spcBef>
                 <a:spcPts val="1000"/>
               </a:spcBef>
-              <a:buSzPct val="100000"/>
-              <a:buAutoNum type="arabicPeriod" startAt="1"/>
-              <a:defRPr sz="2400">
-                <a:latin typeface="Arial"/>
-                <a:ea typeface="Arial"/>
-                <a:cs typeface="Arial"/>
-                <a:sym typeface="Arial"/>
+              <a:defRPr b="1" sz="2500">
+                <a:solidFill>
+                  <a:srgbClr val="FFFFFF"/>
+                </a:solidFill>
+                <a:latin typeface="Courier New"/>
+                <a:ea typeface="Courier New"/>
+                <a:cs typeface="Courier New"/>
+                <a:sym typeface="Courier New"/>
               </a:defRPr>
             </a:pPr>
             <a:r>
-              <a:t>Find the average number of sales per day for each staff</a:t>
-            </a:r>
-          </a:p>
-          <a:p>
-            <a:pPr lvl="1">
-              <a:lnSpc>
-                <a:spcPct val="90000"/>
-              </a:lnSpc>
-              <a:spcBef>
-                <a:spcPts val="500"/>
-              </a:spcBef>
-              <a:buFont typeface="Arial"/>
-              <a:defRPr sz="2400">
-                <a:latin typeface="Arial"/>
-                <a:ea typeface="Arial"/>
-                <a:cs typeface="Arial"/>
-                <a:sym typeface="Arial"/>
-              </a:defRPr>
-            </a:pPr>
-            <a:r>
-              <a:t>	Hint: First, find the number of sales for every day per staff</a:t>
-            </a:r>
-          </a:p>
-          <a:p>
-            <a:pPr lvl="1">
-              <a:lnSpc>
-                <a:spcPct val="90000"/>
-              </a:lnSpc>
-              <a:spcBef>
-                <a:spcPts val="500"/>
-              </a:spcBef>
-              <a:buFont typeface="Arial"/>
-              <a:defRPr sz="2400">
-                <a:latin typeface="Arial"/>
-                <a:ea typeface="Arial"/>
-                <a:cs typeface="Arial"/>
-                <a:sym typeface="Arial"/>
-              </a:defRPr>
-            </a:pPr>
-          </a:p>
-          <a:p>
-            <a:pPr defTabSz="1219200">
-              <a:lnSpc>
-                <a:spcPct val="80000"/>
-              </a:lnSpc>
-              <a:defRPr i="1" sz="2300">
-                <a:latin typeface="Arial"/>
-                <a:ea typeface="Arial"/>
-                <a:cs typeface="Arial"/>
-                <a:sym typeface="Arial"/>
-              </a:defRPr>
-            </a:pPr>
-            <a:r>
-              <a:t>These queries can be done with other methods but use subqueries to get some practice!</a:t>
+              <a:t>	) AS totals;</a:t>
+            </a:r>
+          </a:p>
+        </p:txBody>
+      </p:sp>
+      <p:sp>
+        <p:nvSpPr>
+          <p:cNvPr id="162" name="Google Shape;55;p13"/>
+          <p:cNvSpPr txBox="1"/>
+          <p:nvPr>
+            <p:ph type="title"/>
+          </p:nvPr>
+        </p:nvSpPr>
+        <p:spPr>
+          <a:xfrm>
+            <a:off x="415599" y="265599"/>
+            <a:ext cx="11360802" cy="1320401"/>
+          </a:xfrm>
+          <a:prstGeom prst="rect">
+            <a:avLst/>
+          </a:prstGeom>
+        </p:spPr>
+        <p:txBody>
+          <a:bodyPr/>
+          <a:lstStyle>
+            <a:lvl1pPr defTabSz="1109472">
+              <a:defRPr sz="6188">
+                <a:solidFill>
+                  <a:srgbClr val="FFFFFF"/>
+                </a:solidFill>
+                <a:latin typeface="Avenir Book"/>
+                <a:ea typeface="Avenir Book"/>
+                <a:cs typeface="Avenir Book"/>
+                <a:sym typeface="Avenir Book"/>
+              </a:defRPr>
+            </a:lvl1pPr>
+          </a:lstStyle>
+          <a:p>
+            <a:pPr/>
+            <a:r>
+              <a:t>Derived Subqueries</a:t>
             </a:r>
           </a:p>
         </p:txBody>
@@ -7846,85 +7757,38 @@
           <a:chExt cx="0" cy="0"/>
         </a:xfrm>
       </p:grpSpPr>
-      <p:sp>
-        <p:nvSpPr>
-          <p:cNvPr id="175" name="Google Shape;66;p14"/>
-          <p:cNvSpPr/>
+      <p:pic>
+        <p:nvPicPr>
+          <p:cNvPr id="164" name="5f461d116006137.6059ac1f3a043.jpg" descr="5f461d116006137.6059ac1f3a043.jpg"/>
+          <p:cNvPicPr>
+            <a:picLocks noChangeAspect="1"/>
+          </p:cNvPicPr>
           <p:nvPr/>
-        </p:nvSpPr>
+        </p:nvPicPr>
+        <p:blipFill>
+          <a:blip r:embed="rId2">
+            <a:extLst/>
+          </a:blip>
+          <a:stretch>
+            <a:fillRect/>
+          </a:stretch>
+        </p:blipFill>
         <p:spPr>
           <a:xfrm>
-            <a:off x="-94867" y="-1"/>
-            <a:ext cx="12454400" cy="1822001"/>
+            <a:off x="-38625" y="-1281005"/>
+            <a:ext cx="12269250" cy="8179500"/>
           </a:xfrm>
           <a:prstGeom prst="rect">
             <a:avLst/>
           </a:prstGeom>
-          <a:solidFill>
-            <a:srgbClr val="264190"/>
-          </a:solidFill>
-          <a:ln w="38100">
-            <a:solidFill>
-              <a:srgbClr val="000000"/>
-            </a:solidFill>
+          <a:ln w="12700">
+            <a:miter lim="400000"/>
           </a:ln>
         </p:spPr>
-        <p:txBody>
-          <a:bodyPr lIns="0" tIns="0" rIns="0" bIns="0" anchor="ctr"/>
-          <a:lstStyle/>
-          <a:p>
-            <a:pPr defTabSz="1219200">
-              <a:defRPr>
-                <a:solidFill>
-                  <a:srgbClr val="F5B679"/>
-                </a:solidFill>
-                <a:latin typeface="Arial"/>
-                <a:ea typeface="Arial"/>
-                <a:cs typeface="Arial"/>
-                <a:sym typeface="Arial"/>
-              </a:defRPr>
-            </a:pPr>
-          </a:p>
-        </p:txBody>
-      </p:sp>
+      </p:pic>
       <p:sp>
         <p:nvSpPr>
-          <p:cNvPr id="176" name="Google Shape;67;p14"/>
-          <p:cNvSpPr/>
-          <p:nvPr/>
-        </p:nvSpPr>
-        <p:spPr>
-          <a:xfrm>
-            <a:off x="-189701" y="1764300"/>
-            <a:ext cx="12483202" cy="1"/>
-          </a:xfrm>
-          <a:prstGeom prst="line">
-            <a:avLst/>
-          </a:prstGeom>
-          <a:ln w="38100">
-            <a:solidFill>
-              <a:srgbClr val="000000"/>
-            </a:solidFill>
-          </a:ln>
-        </p:spPr>
-        <p:txBody>
-          <a:bodyPr lIns="0" tIns="0" rIns="0" bIns="0"/>
-          <a:lstStyle/>
-          <a:p>
-            <a:pPr defTabSz="1219200">
-              <a:defRPr>
-                <a:latin typeface="Arial"/>
-                <a:ea typeface="Arial"/>
-                <a:cs typeface="Arial"/>
-                <a:sym typeface="Arial"/>
-              </a:defRPr>
-            </a:pPr>
-          </a:p>
-        </p:txBody>
-      </p:sp>
-      <p:sp>
-        <p:nvSpPr>
-          <p:cNvPr id="177" name="2. Google Shape;68;p14"/>
+          <p:cNvPr id="165" name="Google Shape;55;p13"/>
           <p:cNvSpPr txBox="1"/>
           <p:nvPr>
             <p:ph type="title"/>
@@ -7932,42 +7796,46 @@
         </p:nvSpPr>
         <p:spPr>
           <a:xfrm>
-            <a:off x="451933" y="294754"/>
-            <a:ext cx="11360801" cy="1232492"/>
+            <a:off x="415599" y="265599"/>
+            <a:ext cx="11360802" cy="1320401"/>
           </a:xfrm>
           <a:prstGeom prst="rect">
             <a:avLst/>
           </a:prstGeom>
         </p:spPr>
         <p:txBody>
-          <a:bodyPr anchor="ctr"/>
+          <a:bodyPr/>
           <a:lstStyle>
-            <a:lvl1pPr>
-              <a:defRPr b="1" sz="6000">
-                <a:solidFill>
-                  <a:srgbClr val="FFFFFF"/>
-                </a:solidFill>
+            <a:lvl1pPr defTabSz="1109472">
+              <a:defRPr sz="6188">
+                <a:solidFill>
+                  <a:srgbClr val="FFFFFF"/>
+                </a:solidFill>
+                <a:latin typeface="Avenir Book"/>
+                <a:ea typeface="Avenir Book"/>
+                <a:cs typeface="Avenir Book"/>
+                <a:sym typeface="Avenir Book"/>
               </a:defRPr>
             </a:lvl1pPr>
           </a:lstStyle>
           <a:p>
             <a:pPr/>
             <a:r>
-              <a:t>Unions</a:t>
+              <a:t>Subqueries - Practicals (Part I)</a:t>
             </a:r>
           </a:p>
         </p:txBody>
       </p:sp>
       <p:sp>
         <p:nvSpPr>
-          <p:cNvPr id="178" name="Google Shape;69;p14"/>
+          <p:cNvPr id="166" name="Google Shape;69;p14"/>
           <p:cNvSpPr txBox="1"/>
           <p:nvPr/>
         </p:nvSpPr>
         <p:spPr>
           <a:xfrm>
-            <a:off x="980666" y="1790460"/>
-            <a:ext cx="10230668" cy="4965344"/>
+            <a:off x="1952340" y="2537842"/>
+            <a:ext cx="8287320" cy="1158201"/>
           </a:xfrm>
           <a:prstGeom prst="rect">
             <a:avLst/>
@@ -7987,271 +7855,31 @@
           </a:bodyPr>
           <a:lstStyle/>
           <a:p>
-            <a:pPr marL="250657" indent="-250657">
-              <a:lnSpc>
-                <a:spcPct val="80000"/>
-              </a:lnSpc>
+            <a:pPr algn="ctr">
               <a:spcBef>
                 <a:spcPts val="1000"/>
               </a:spcBef>
-              <a:buSzPct val="100000"/>
-              <a:buChar char="•"/>
-              <a:defRPr sz="2500">
-                <a:latin typeface="Courier New"/>
-                <a:ea typeface="Courier New"/>
-                <a:cs typeface="Courier New"/>
-                <a:sym typeface="Courier New"/>
+              <a:defRPr sz="2600">
+                <a:solidFill>
+                  <a:srgbClr val="FFFFFF"/>
+                </a:solidFill>
+                <a:latin typeface="Avenir Book"/>
+                <a:ea typeface="Avenir Book"/>
+                <a:cs typeface="Avenir Book"/>
+                <a:sym typeface="Avenir Book"/>
               </a:defRPr>
             </a:pPr>
             <a:r>
-              <a:t>JOINs </a:t>
+              <a:t>Go to the portal and complete the first practical: </a:t>
             </a:r>
             <a:r>
               <a:rPr>
-                <a:latin typeface="Arial"/>
-                <a:ea typeface="Arial"/>
-                <a:cs typeface="Arial"/>
-                <a:sym typeface="Arial"/>
+                <a:latin typeface="Avenir Book Oblique"/>
+                <a:ea typeface="Avenir Book Oblique"/>
+                <a:cs typeface="Avenir Book Oblique"/>
+                <a:sym typeface="Avenir Book Oblique"/>
               </a:rPr>
-              <a:t>add data horizontally</a:t>
-            </a:r>
-            <a:endParaRPr>
-              <a:latin typeface="Arial"/>
-              <a:ea typeface="Arial"/>
-              <a:cs typeface="Arial"/>
-              <a:sym typeface="Arial"/>
-            </a:endParaRPr>
-          </a:p>
-          <a:p>
-            <a:pPr marL="250657" indent="-250657">
-              <a:lnSpc>
-                <a:spcPct val="80000"/>
-              </a:lnSpc>
-              <a:spcBef>
-                <a:spcPts val="1000"/>
-              </a:spcBef>
-              <a:buSzPct val="100000"/>
-              <a:buChar char="•"/>
-              <a:defRPr sz="2500">
-                <a:latin typeface="Courier New"/>
-                <a:ea typeface="Courier New"/>
-                <a:cs typeface="Courier New"/>
-                <a:sym typeface="Courier New"/>
-              </a:defRPr>
-            </a:pPr>
-            <a:r>
-              <a:rPr>
-                <a:latin typeface="Arial"/>
-                <a:ea typeface="Arial"/>
-                <a:cs typeface="Arial"/>
-                <a:sym typeface="Arial"/>
-              </a:rPr>
-              <a:t>We might be interested in putting queries together vertically</a:t>
-            </a:r>
-          </a:p>
-          <a:p>
-            <a:pPr defTabSz="1219200">
-              <a:lnSpc>
-                <a:spcPct val="80000"/>
-              </a:lnSpc>
-              <a:defRPr sz="2600">
-                <a:latin typeface="Courier New"/>
-                <a:ea typeface="Courier New"/>
-                <a:cs typeface="Courier New"/>
-                <a:sym typeface="Courier New"/>
-              </a:defRPr>
-            </a:pPr>
-          </a:p>
-          <a:p>
-            <a:pPr defTabSz="1219200">
-              <a:lnSpc>
-                <a:spcPct val="80000"/>
-              </a:lnSpc>
-              <a:defRPr sz="2600">
-                <a:latin typeface="Courier New"/>
-                <a:ea typeface="Courier New"/>
-                <a:cs typeface="Courier New"/>
-                <a:sym typeface="Courier New"/>
-              </a:defRPr>
-            </a:pPr>
-            <a:r>
-              <a:t>  (</a:t>
-            </a:r>
-          </a:p>
-          <a:p>
-            <a:pPr defTabSz="1219200">
-              <a:lnSpc>
-                <a:spcPct val="80000"/>
-              </a:lnSpc>
-              <a:defRPr sz="2600">
-                <a:latin typeface="Courier New"/>
-                <a:ea typeface="Courier New"/>
-                <a:cs typeface="Courier New"/>
-                <a:sym typeface="Courier New"/>
-              </a:defRPr>
-            </a:pPr>
-            <a:r>
-              <a:t>SELECT actor_id, first_name, last_name</a:t>
-            </a:r>
-          </a:p>
-          <a:p>
-            <a:pPr defTabSz="1219200">
-              <a:lnSpc>
-                <a:spcPct val="80000"/>
-              </a:lnSpc>
-              <a:defRPr sz="2600">
-                <a:latin typeface="Courier New"/>
-                <a:ea typeface="Courier New"/>
-                <a:cs typeface="Courier New"/>
-                <a:sym typeface="Courier New"/>
-              </a:defRPr>
-            </a:pPr>
-            <a:r>
-              <a:t>FROM actor</a:t>
-            </a:r>
-          </a:p>
-          <a:p>
-            <a:pPr defTabSz="1219200">
-              <a:lnSpc>
-                <a:spcPct val="80000"/>
-              </a:lnSpc>
-              <a:defRPr sz="2600">
-                <a:latin typeface="Courier New"/>
-                <a:ea typeface="Courier New"/>
-                <a:cs typeface="Courier New"/>
-                <a:sym typeface="Courier New"/>
-              </a:defRPr>
-            </a:pPr>
-            <a:r>
-              <a:t>WHERE first_name = 'CHRISTIAN'</a:t>
-            </a:r>
-          </a:p>
-          <a:p>
-            <a:pPr defTabSz="1219200">
-              <a:lnSpc>
-                <a:spcPct val="80000"/>
-              </a:lnSpc>
-              <a:defRPr sz="2600">
-                <a:latin typeface="Courier New"/>
-                <a:ea typeface="Courier New"/>
-                <a:cs typeface="Courier New"/>
-                <a:sym typeface="Courier New"/>
-              </a:defRPr>
-            </a:pPr>
-            <a:r>
-              <a:t>  )</a:t>
-            </a:r>
-          </a:p>
-          <a:p>
-            <a:pPr defTabSz="1219200">
-              <a:lnSpc>
-                <a:spcPct val="80000"/>
-              </a:lnSpc>
-              <a:defRPr sz="2600">
-                <a:latin typeface="Courier New"/>
-                <a:ea typeface="Courier New"/>
-                <a:cs typeface="Courier New"/>
-                <a:sym typeface="Courier New"/>
-              </a:defRPr>
-            </a:pPr>
-            <a:r>
-              <a:t>UNION</a:t>
-            </a:r>
-          </a:p>
-          <a:p>
-            <a:pPr defTabSz="1219200">
-              <a:lnSpc>
-                <a:spcPct val="80000"/>
-              </a:lnSpc>
-              <a:defRPr sz="2600">
-                <a:latin typeface="Courier New"/>
-                <a:ea typeface="Courier New"/>
-                <a:cs typeface="Courier New"/>
-                <a:sym typeface="Courier New"/>
-              </a:defRPr>
-            </a:pPr>
-            <a:r>
-              <a:t>  (</a:t>
-            </a:r>
-          </a:p>
-          <a:p>
-            <a:pPr defTabSz="1219200">
-              <a:lnSpc>
-                <a:spcPct val="80000"/>
-              </a:lnSpc>
-              <a:defRPr sz="2600">
-                <a:latin typeface="Courier New"/>
-                <a:ea typeface="Courier New"/>
-                <a:cs typeface="Courier New"/>
-                <a:sym typeface="Courier New"/>
-              </a:defRPr>
-            </a:pPr>
-            <a:r>
-              <a:t>SELECT actor_id, first_name, last_name</a:t>
-            </a:r>
-          </a:p>
-          <a:p>
-            <a:pPr defTabSz="1219200">
-              <a:lnSpc>
-                <a:spcPct val="80000"/>
-              </a:lnSpc>
-              <a:defRPr sz="2600">
-                <a:latin typeface="Courier New"/>
-                <a:ea typeface="Courier New"/>
-                <a:cs typeface="Courier New"/>
-                <a:sym typeface="Courier New"/>
-              </a:defRPr>
-            </a:pPr>
-            <a:r>
-              <a:t>FROM actor</a:t>
-            </a:r>
-          </a:p>
-          <a:p>
-            <a:pPr defTabSz="1219200">
-              <a:lnSpc>
-                <a:spcPct val="80000"/>
-              </a:lnSpc>
-              <a:defRPr sz="2600">
-                <a:latin typeface="Courier New"/>
-                <a:ea typeface="Courier New"/>
-                <a:cs typeface="Courier New"/>
-                <a:sym typeface="Courier New"/>
-              </a:defRPr>
-            </a:pPr>
-            <a:r>
-              <a:t>WHERE last_name = 'AKROYD'</a:t>
-            </a:r>
-          </a:p>
-          <a:p>
-            <a:pPr defTabSz="1219200">
-              <a:lnSpc>
-                <a:spcPct val="80000"/>
-              </a:lnSpc>
-              <a:defRPr sz="2600">
-                <a:latin typeface="Courier New"/>
-                <a:ea typeface="Courier New"/>
-                <a:cs typeface="Courier New"/>
-                <a:sym typeface="Courier New"/>
-              </a:defRPr>
-            </a:pPr>
-            <a:r>
-              <a:t>  );</a:t>
-            </a:r>
-          </a:p>
-          <a:p>
-            <a:pPr algn="ctr" defTabSz="1219200">
-              <a:lnSpc>
-                <a:spcPct val="80000"/>
-              </a:lnSpc>
-              <a:defRPr i="1" sz="2200">
-                <a:latin typeface="Arial"/>
-                <a:ea typeface="Arial"/>
-                <a:cs typeface="Arial"/>
-                <a:sym typeface="Arial"/>
-              </a:defRPr>
-            </a:pPr>
-            <a:r>
-              <a:t>Can you find another way to do this?</a:t>
+              <a:t>Using Subqueries</a:t>
             </a:r>
           </a:p>
         </p:txBody>
